--- a/images/wot-architecture-figures-new.pptx
+++ b/images/wot-architecture-figures-new.pptx
@@ -32837,7 +32837,7 @@
                 <a:ea typeface="HG明朝E" panose="02020909000000000000" pitchFamily="17" charset="-128"/>
                 <a:cs typeface="Arial" pitchFamily="34" charset="0"/>
               </a:rPr>
-              <a:t>Network API Affordances</a:t>
+              <a:t>Interaction Affordances</a:t>
             </a:r>
           </a:p>
         </p:txBody>
@@ -34047,7 +34047,7 @@
                 <a:ea typeface="HG明朝E" panose="02020909000000000000" pitchFamily="17" charset="-128"/>
                 <a:cs typeface="Arial" pitchFamily="34" charset="0"/>
               </a:rPr>
-              <a:t>Interaction Model</a:t>
+              <a:t>Interaction Affordances</a:t>
             </a:r>
           </a:p>
         </p:txBody>
@@ -35593,7 +35593,7 @@
                 <a:ea typeface="HG明朝E" panose="02020909000000000000" pitchFamily="17" charset="-128"/>
                 <a:cs typeface="Arial" pitchFamily="34" charset="0"/>
               </a:rPr>
-              <a:t>Interaction Model</a:t>
+              <a:t>Interaction Affordances</a:t>
             </a:r>
           </a:p>
         </p:txBody>

--- a/images/wot-architecture-figures-new.pptx
+++ b/images/wot-architecture-figures-new.pptx
@@ -5,32 +5,33 @@
     <p:sldMasterId id="2147483648" r:id="rId1"/>
   </p:sldMasterIdLst>
   <p:notesMasterIdLst>
-    <p:notesMasterId r:id="rId20"/>
+    <p:notesMasterId r:id="rId21"/>
   </p:notesMasterIdLst>
   <p:sldIdLst>
     <p:sldId id="295" r:id="rId2"/>
     <p:sldId id="296" r:id="rId3"/>
-    <p:sldId id="258" r:id="rId4"/>
-    <p:sldId id="297" r:id="rId5"/>
-    <p:sldId id="281" r:id="rId6"/>
-    <p:sldId id="294" r:id="rId7"/>
-    <p:sldId id="256" r:id="rId8"/>
-    <p:sldId id="282" r:id="rId9"/>
-    <p:sldId id="292" r:id="rId10"/>
-    <p:sldId id="283" r:id="rId11"/>
-    <p:sldId id="284" r:id="rId12"/>
-    <p:sldId id="285" r:id="rId13"/>
-    <p:sldId id="286" r:id="rId14"/>
-    <p:sldId id="287" r:id="rId15"/>
-    <p:sldId id="289" r:id="rId16"/>
-    <p:sldId id="265" r:id="rId17"/>
-    <p:sldId id="263" r:id="rId18"/>
-    <p:sldId id="264" r:id="rId19"/>
+    <p:sldId id="298" r:id="rId4"/>
+    <p:sldId id="258" r:id="rId5"/>
+    <p:sldId id="297" r:id="rId6"/>
+    <p:sldId id="281" r:id="rId7"/>
+    <p:sldId id="294" r:id="rId8"/>
+    <p:sldId id="256" r:id="rId9"/>
+    <p:sldId id="282" r:id="rId10"/>
+    <p:sldId id="292" r:id="rId11"/>
+    <p:sldId id="283" r:id="rId12"/>
+    <p:sldId id="284" r:id="rId13"/>
+    <p:sldId id="285" r:id="rId14"/>
+    <p:sldId id="286" r:id="rId15"/>
+    <p:sldId id="287" r:id="rId16"/>
+    <p:sldId id="289" r:id="rId17"/>
+    <p:sldId id="265" r:id="rId18"/>
+    <p:sldId id="263" r:id="rId19"/>
+    <p:sldId id="264" r:id="rId20"/>
   </p:sldIdLst>
   <p:sldSz cx="9144000" cy="6858000" type="screen4x3"/>
   <p:notesSz cx="6858000" cy="9144000"/>
   <p:custDataLst>
-    <p:tags r:id="rId21"/>
+    <p:tags r:id="rId22"/>
   </p:custDataLst>
   <p:defaultTextStyle>
     <a:defPPr>
@@ -229,7 +230,7 @@
             <a:fld id="{8A111003-A0D2-4FD8-BEA6-5AFF75166CFE}" type="datetimeFigureOut">
               <a:rPr lang="de-DE" smtClean="0"/>
               <a:pPr/>
-              <a:t>01.03.2019</a:t>
+              <a:t>14.03.2019</a:t>
             </a:fld>
             <a:endParaRPr lang="de-DE"/>
           </a:p>
@@ -627,7 +628,7 @@
           <a:p>
             <a:r>
               <a:rPr lang="de-DE" dirty="0"/>
-              <a:t>wot-on-device.png</a:t>
+              <a:t>wot-existing.png</a:t>
             </a:r>
           </a:p>
         </p:txBody>
@@ -712,7 +713,7 @@
           <a:p>
             <a:r>
               <a:rPr lang="de-DE" dirty="0"/>
-              <a:t>wot-on-device-minimal.png</a:t>
+              <a:t>wot-on-device.png</a:t>
             </a:r>
           </a:p>
         </p:txBody>
@@ -797,7 +798,7 @@
           <a:p>
             <a:r>
               <a:rPr lang="de-DE" dirty="0"/>
-              <a:t>wot-on-smartphone.png</a:t>
+              <a:t>wot-on-device-minimal.png</a:t>
             </a:r>
           </a:p>
         </p:txBody>
@@ -882,7 +883,7 @@
           <a:p>
             <a:r>
               <a:rPr lang="de-DE" dirty="0"/>
-              <a:t>wot-on-gateway.png</a:t>
+              <a:t>wot-on-smartphone.png</a:t>
             </a:r>
           </a:p>
         </p:txBody>
@@ -967,7 +968,7 @@
           <a:p>
             <a:r>
               <a:rPr lang="de-DE" dirty="0"/>
-              <a:t>wot-on-cloud.png</a:t>
+              <a:t>wot-on-gateway.png</a:t>
             </a:r>
           </a:p>
         </p:txBody>
@@ -1050,6 +1051,91 @@
           </a:bodyPr>
           <a:lstStyle/>
           <a:p>
+            <a:r>
+              <a:rPr lang="de-DE" dirty="0"/>
+              <a:t>wot-on-cloud.png</a:t>
+            </a:r>
+          </a:p>
+        </p:txBody>
+      </p:sp>
+      <p:sp>
+        <p:nvSpPr>
+          <p:cNvPr id="4" name="Foliennummernplatzhalter 3"/>
+          <p:cNvSpPr>
+            <a:spLocks noGrp="1"/>
+          </p:cNvSpPr>
+          <p:nvPr>
+            <p:ph type="sldNum" sz="quarter" idx="10"/>
+          </p:nvPr>
+        </p:nvSpPr>
+        <p:spPr/>
+        <p:txBody>
+          <a:bodyPr/>
+          <a:lstStyle/>
+          <a:p>
+            <a:fld id="{8208FD4F-F758-47EA-A53C-46F1CCE4E6A5}" type="slidenum">
+              <a:rPr lang="de-DE" smtClean="0"/>
+              <a:pPr/>
+              <a:t>15</a:t>
+            </a:fld>
+            <a:endParaRPr lang="de-DE"/>
+          </a:p>
+        </p:txBody>
+      </p:sp>
+    </p:spTree>
+  </p:cSld>
+  <p:clrMapOvr>
+    <a:masterClrMapping/>
+  </p:clrMapOvr>
+</p:notes>
+</file>
+
+<file path=ppt/notesSlides/notesSlide16.xml><?xml version="1.0" encoding="utf-8"?>
+<p:notes xmlns:a="http://schemas.openxmlformats.org/drawingml/2006/main" xmlns:r="http://schemas.openxmlformats.org/officeDocument/2006/relationships" xmlns:p="http://schemas.openxmlformats.org/presentationml/2006/main">
+  <p:cSld>
+    <p:spTree>
+      <p:nvGrpSpPr>
+        <p:cNvPr id="1" name=""/>
+        <p:cNvGrpSpPr/>
+        <p:nvPr/>
+      </p:nvGrpSpPr>
+      <p:grpSpPr>
+        <a:xfrm>
+          <a:off x="0" y="0"/>
+          <a:ext cx="0" cy="0"/>
+          <a:chOff x="0" y="0"/>
+          <a:chExt cx="0" cy="0"/>
+        </a:xfrm>
+      </p:grpSpPr>
+      <p:sp>
+        <p:nvSpPr>
+          <p:cNvPr id="2" name="Folienbildplatzhalter 1"/>
+          <p:cNvSpPr>
+            <a:spLocks noGrp="1" noRot="1" noChangeAspect="1"/>
+          </p:cNvSpPr>
+          <p:nvPr>
+            <p:ph type="sldImg"/>
+          </p:nvPr>
+        </p:nvSpPr>
+        <p:spPr/>
+      </p:sp>
+      <p:sp>
+        <p:nvSpPr>
+          <p:cNvPr id="3" name="Notizenplatzhalter 2"/>
+          <p:cNvSpPr>
+            <a:spLocks noGrp="1"/>
+          </p:cNvSpPr>
+          <p:nvPr>
+            <p:ph type="body" idx="1"/>
+          </p:nvPr>
+        </p:nvSpPr>
+        <p:spPr/>
+        <p:txBody>
+          <a:bodyPr>
+            <a:normAutofit/>
+          </a:bodyPr>
+          <a:lstStyle/>
+          <a:p>
             <a:pPr marL="0" marR="0" indent="0" algn="l" defTabSz="914400" rtl="0" eaLnBrk="1" fontAlgn="auto" latinLnBrk="0" hangingPunct="1">
               <a:lnSpc>
                 <a:spcPct val="100000"/>
@@ -1092,7 +1178,7 @@
             <a:fld id="{8208FD4F-F758-47EA-A53C-46F1CCE4E6A5}" type="slidenum">
               <a:rPr lang="de-DE" smtClean="0"/>
               <a:pPr/>
-              <a:t>15</a:t>
+              <a:t>16</a:t>
             </a:fld>
             <a:endParaRPr lang="de-DE"/>
           </a:p>
@@ -1274,6 +1360,11 @@
         </p:txBody>
       </p:sp>
     </p:spTree>
+    <p:extLst>
+      <p:ext uri="{BB962C8B-B14F-4D97-AF65-F5344CB8AC3E}">
+        <p14:creationId xmlns:p14="http://schemas.microsoft.com/office/powerpoint/2010/main" val="1494404854"/>
+      </p:ext>
+    </p:extLst>
   </p:cSld>
   <p:clrMapOvr>
     <a:masterClrMapping/>
@@ -1359,11 +1450,6 @@
         </p:txBody>
       </p:sp>
     </p:spTree>
-    <p:extLst>
-      <p:ext uri="{BB962C8B-B14F-4D97-AF65-F5344CB8AC3E}">
-        <p14:creationId xmlns:p14="http://schemas.microsoft.com/office/powerpoint/2010/main" val="3613106102"/>
-      </p:ext>
-    </p:extLst>
   </p:cSld>
   <p:clrMapOvr>
     <a:masterClrMapping/>
@@ -1419,7 +1505,7 @@
           <a:p>
             <a:r>
               <a:rPr lang="de-DE" dirty="0"/>
-              <a:t>architecture-implementation.png</a:t>
+              <a:t>architecture-concept.png</a:t>
             </a:r>
           </a:p>
         </p:txBody>
@@ -1449,6 +1535,11 @@
         </p:txBody>
       </p:sp>
     </p:spTree>
+    <p:extLst>
+      <p:ext uri="{BB962C8B-B14F-4D97-AF65-F5344CB8AC3E}">
+        <p14:creationId xmlns:p14="http://schemas.microsoft.com/office/powerpoint/2010/main" val="3613106102"/>
+      </p:ext>
+    </p:extLst>
   </p:cSld>
   <p:clrMapOvr>
     <a:masterClrMapping/>
@@ -1504,7 +1595,7 @@
           <a:p>
             <a:r>
               <a:rPr lang="de-DE" dirty="0"/>
-              <a:t>architecture-browser.png</a:t>
+              <a:t>architecture-implementation.png</a:t>
             </a:r>
           </a:p>
         </p:txBody>
@@ -1589,7 +1680,7 @@
           <a:p>
             <a:r>
               <a:rPr lang="de-DE" dirty="0"/>
-              <a:t>binding-templates.png</a:t>
+              <a:t>architecture-browser.png</a:t>
             </a:r>
           </a:p>
         </p:txBody>
@@ -1672,7 +1763,10 @@
           </a:bodyPr>
           <a:lstStyle/>
           <a:p>
-            <a:endParaRPr lang="de-DE" dirty="0"/>
+            <a:r>
+              <a:rPr lang="de-DE" dirty="0"/>
+              <a:t>binding-templates.png</a:t>
+            </a:r>
           </a:p>
         </p:txBody>
       </p:sp>
@@ -1754,10 +1848,7 @@
           </a:bodyPr>
           <a:lstStyle/>
           <a:p>
-            <a:r>
-              <a:rPr lang="de-DE" dirty="0"/>
-              <a:t>wot-existing.png</a:t>
-            </a:r>
+            <a:endParaRPr lang="de-DE" dirty="0"/>
           </a:p>
         </p:txBody>
       </p:sp>
@@ -1973,7 +2064,7 @@
             <a:fld id="{1A337C23-E3EE-4DE1-9498-0ACEDE885A4A}" type="datetimeFigureOut">
               <a:rPr lang="de-DE" smtClean="0"/>
               <a:pPr/>
-              <a:t>01.03.2019</a:t>
+              <a:t>14.03.2019</a:t>
             </a:fld>
             <a:endParaRPr lang="de-DE"/>
           </a:p>
@@ -2138,7 +2229,7 @@
             <a:fld id="{1A337C23-E3EE-4DE1-9498-0ACEDE885A4A}" type="datetimeFigureOut">
               <a:rPr lang="de-DE" smtClean="0"/>
               <a:pPr/>
-              <a:t>01.03.2019</a:t>
+              <a:t>14.03.2019</a:t>
             </a:fld>
             <a:endParaRPr lang="de-DE"/>
           </a:p>
@@ -2313,7 +2404,7 @@
             <a:fld id="{1A337C23-E3EE-4DE1-9498-0ACEDE885A4A}" type="datetimeFigureOut">
               <a:rPr lang="de-DE" smtClean="0"/>
               <a:pPr/>
-              <a:t>01.03.2019</a:t>
+              <a:t>14.03.2019</a:t>
             </a:fld>
             <a:endParaRPr lang="de-DE"/>
           </a:p>
@@ -2478,7 +2569,7 @@
             <a:fld id="{1A337C23-E3EE-4DE1-9498-0ACEDE885A4A}" type="datetimeFigureOut">
               <a:rPr lang="de-DE" smtClean="0"/>
               <a:pPr/>
-              <a:t>01.03.2019</a:t>
+              <a:t>14.03.2019</a:t>
             </a:fld>
             <a:endParaRPr lang="de-DE"/>
           </a:p>
@@ -2720,7 +2811,7 @@
             <a:fld id="{1A337C23-E3EE-4DE1-9498-0ACEDE885A4A}" type="datetimeFigureOut">
               <a:rPr lang="de-DE" smtClean="0"/>
               <a:pPr/>
-              <a:t>01.03.2019</a:t>
+              <a:t>14.03.2019</a:t>
             </a:fld>
             <a:endParaRPr lang="de-DE"/>
           </a:p>
@@ -3002,7 +3093,7 @@
             <a:fld id="{1A337C23-E3EE-4DE1-9498-0ACEDE885A4A}" type="datetimeFigureOut">
               <a:rPr lang="de-DE" smtClean="0"/>
               <a:pPr/>
-              <a:t>01.03.2019</a:t>
+              <a:t>14.03.2019</a:t>
             </a:fld>
             <a:endParaRPr lang="de-DE"/>
           </a:p>
@@ -3418,7 +3509,7 @@
             <a:fld id="{1A337C23-E3EE-4DE1-9498-0ACEDE885A4A}" type="datetimeFigureOut">
               <a:rPr lang="de-DE" smtClean="0"/>
               <a:pPr/>
-              <a:t>01.03.2019</a:t>
+              <a:t>14.03.2019</a:t>
             </a:fld>
             <a:endParaRPr lang="de-DE"/>
           </a:p>
@@ -3532,7 +3623,7 @@
             <a:fld id="{1A337C23-E3EE-4DE1-9498-0ACEDE885A4A}" type="datetimeFigureOut">
               <a:rPr lang="de-DE" smtClean="0"/>
               <a:pPr/>
-              <a:t>01.03.2019</a:t>
+              <a:t>14.03.2019</a:t>
             </a:fld>
             <a:endParaRPr lang="de-DE"/>
           </a:p>
@@ -3624,7 +3715,7 @@
             <a:fld id="{1A337C23-E3EE-4DE1-9498-0ACEDE885A4A}" type="datetimeFigureOut">
               <a:rPr lang="de-DE" smtClean="0"/>
               <a:pPr/>
-              <a:t>01.03.2019</a:t>
+              <a:t>14.03.2019</a:t>
             </a:fld>
             <a:endParaRPr lang="de-DE"/>
           </a:p>
@@ -3896,7 +3987,7 @@
             <a:fld id="{1A337C23-E3EE-4DE1-9498-0ACEDE885A4A}" type="datetimeFigureOut">
               <a:rPr lang="de-DE" smtClean="0"/>
               <a:pPr/>
-              <a:t>01.03.2019</a:t>
+              <a:t>14.03.2019</a:t>
             </a:fld>
             <a:endParaRPr lang="de-DE"/>
           </a:p>
@@ -4145,7 +4236,7 @@
             <a:fld id="{1A337C23-E3EE-4DE1-9498-0ACEDE885A4A}" type="datetimeFigureOut">
               <a:rPr lang="de-DE" smtClean="0"/>
               <a:pPr/>
-              <a:t>01.03.2019</a:t>
+              <a:t>14.03.2019</a:t>
             </a:fld>
             <a:endParaRPr lang="de-DE"/>
           </a:p>
@@ -4353,7 +4444,7 @@
             <a:fld id="{1A337C23-E3EE-4DE1-9498-0ACEDE885A4A}" type="datetimeFigureOut">
               <a:rPr lang="de-DE" smtClean="0"/>
               <a:pPr/>
-              <a:t>01.03.2019</a:t>
+              <a:t>14.03.2019</a:t>
             </a:fld>
             <a:endParaRPr lang="de-DE"/>
           </a:p>
@@ -10529,14 +10620,14 @@
       </p:grpSpPr>
       <p:sp>
         <p:nvSpPr>
-          <p:cNvPr id="38" name="角丸四角形 6"/>
+          <p:cNvPr id="41" name="角丸四角形 6"/>
           <p:cNvSpPr/>
           <p:nvPr/>
         </p:nvSpPr>
         <p:spPr bwMode="auto">
           <a:xfrm>
-            <a:off x="2699792" y="1150070"/>
-            <a:ext cx="5112568" cy="4366650"/>
+            <a:off x="2699791" y="3836439"/>
+            <a:ext cx="2664296" cy="1512000"/>
           </a:xfrm>
           <a:prstGeom prst="roundRect">
             <a:avLst>
@@ -10564,7 +10655,7 @@
           <a:extLst/>
         </p:spPr>
         <p:txBody>
-          <a:bodyPr vert="horz" wrap="none" lIns="91440" tIns="36000" rIns="91440" bIns="72000" numCol="1" rtlCol="0" anchor="t" anchorCtr="0" compatLnSpc="1">
+          <a:bodyPr vert="horz" wrap="none" lIns="91440" tIns="36000" rIns="91440" bIns="72000" numCol="1" rtlCol="0" anchor="ctr" anchorCtr="0" compatLnSpc="1">
             <a:prstTxWarp prst="textNoShape">
               <a:avLst/>
             </a:prstTxWarp>
@@ -10572,39 +10663,37 @@
           </a:bodyPr>
           <a:lstStyle/>
           <a:p>
-            <a:pPr marL="0" marR="0" lvl="0" indent="0" algn="ctr" defTabSz="914400" eaLnBrk="1" fontAlgn="ctr" latinLnBrk="0" hangingPunct="1">
-              <a:lnSpc>
-                <a:spcPct val="100000"/>
-              </a:lnSpc>
-              <a:spcBef>
-                <a:spcPts val="0"/>
-              </a:spcBef>
-              <a:spcAft>
-                <a:spcPts val="0"/>
-              </a:spcAft>
-              <a:buClrTx/>
-              <a:buSzTx/>
-              <a:buFontTx/>
-              <a:buNone/>
-              <a:tabLst/>
+            <a:pPr lvl="0" algn="ctr" fontAlgn="ctr">
               <a:defRPr/>
             </a:pPr>
             <a:r>
-              <a:rPr kumimoji="0" lang="en-US" altLang="ja-JP" sz="2000" b="1" i="0" u="none" strike="noStrike" kern="0" cap="none" spc="0" normalizeH="0" baseline="0" dirty="0">
-                <a:ln>
-                  <a:noFill/>
-                </a:ln>
+              <a:rPr lang="en-US" altLang="ja-JP" sz="2000" b="1" kern="0" dirty="0">
                 <a:solidFill>
                   <a:srgbClr val="000000"/>
                 </a:solidFill>
-                <a:effectLst/>
-                <a:uLnTx/>
-                <a:uFillTx/>
-                <a:latin typeface="+mj-lt"/>
                 <a:ea typeface="HG明朝E" panose="02020909000000000000" pitchFamily="17" charset="-128"/>
                 <a:cs typeface="Arial" pitchFamily="34" charset="0"/>
               </a:rPr>
-              <a:t>Servient (Device)</a:t>
+              <a:t>Thing</a:t>
+            </a:r>
+            <a:br>
+              <a:rPr lang="en-US" altLang="ja-JP" sz="2000" b="1" kern="0" dirty="0">
+                <a:solidFill>
+                  <a:srgbClr val="000000"/>
+                </a:solidFill>
+                <a:ea typeface="HG明朝E" panose="02020909000000000000" pitchFamily="17" charset="-128"/>
+                <a:cs typeface="Arial" pitchFamily="34" charset="0"/>
+              </a:rPr>
+            </a:br>
+            <a:r>
+              <a:rPr lang="en-US" altLang="ja-JP" sz="2000" b="1" kern="0" dirty="0">
+                <a:solidFill>
+                  <a:srgbClr val="000000"/>
+                </a:solidFill>
+                <a:ea typeface="HG明朝E" panose="02020909000000000000" pitchFamily="17" charset="-128"/>
+                <a:cs typeface="Arial" pitchFamily="34" charset="0"/>
+              </a:rPr>
+              <a:t>(Existing Device)</a:t>
             </a:r>
           </a:p>
         </p:txBody>
@@ -10665,7 +10754,7 @@
                 <a:ea typeface="HG明朝E" panose="02020909000000000000" pitchFamily="17" charset="-128"/>
                 <a:cs typeface="Arial" pitchFamily="34" charset="0"/>
               </a:rPr>
-              <a:t>WoT Client (Browser)</a:t>
+              <a:t>Servient</a:t>
             </a:r>
           </a:p>
         </p:txBody>
@@ -10791,118 +10880,6 @@
       </p:sp>
       <p:sp>
         <p:nvSpPr>
-          <p:cNvPr id="32" name="縦巻き 49"/>
-          <p:cNvSpPr/>
-          <p:nvPr/>
-        </p:nvSpPr>
-        <p:spPr bwMode="auto">
-          <a:xfrm>
-            <a:off x="-2232262" y="1855711"/>
-            <a:ext cx="2016224" cy="421673"/>
-          </a:xfrm>
-          <a:prstGeom prst="verticalScroll">
-            <a:avLst/>
-          </a:prstGeom>
-          <a:solidFill>
-            <a:sysClr val="window" lastClr="FFFFFF"/>
-          </a:solidFill>
-          <a:ln w="6350" cap="flat" cmpd="sng" algn="ctr">
-            <a:solidFill>
-              <a:sysClr val="windowText" lastClr="000000"/>
-            </a:solidFill>
-            <a:prstDash val="solid"/>
-            <a:round/>
-            <a:headEnd type="none" w="med" len="med"/>
-            <a:tailEnd type="none" w="med" len="med"/>
-          </a:ln>
-          <a:effectLst/>
-          <a:extLst/>
-        </p:spPr>
-        <p:txBody>
-          <a:bodyPr vert="horz" wrap="none" lIns="91440" tIns="45720" rIns="91440" bIns="45720" numCol="1" rtlCol="0" anchor="ctr" anchorCtr="0" compatLnSpc="1">
-            <a:prstTxWarp prst="textNoShape">
-              <a:avLst/>
-            </a:prstTxWarp>
-            <a:noAutofit/>
-          </a:bodyPr>
-          <a:lstStyle/>
-          <a:p>
-            <a:pPr marL="0" marR="0" lvl="0" indent="0" algn="ctr" defTabSz="914400" eaLnBrk="1" fontAlgn="ctr" latinLnBrk="0" hangingPunct="1">
-              <a:lnSpc>
-                <a:spcPct val="100000"/>
-              </a:lnSpc>
-              <a:spcBef>
-                <a:spcPts val="0"/>
-              </a:spcBef>
-              <a:spcAft>
-                <a:spcPts val="0"/>
-              </a:spcAft>
-              <a:buClrTx/>
-              <a:buSzTx/>
-              <a:buFontTx/>
-              <a:buNone/>
-              <a:tabLst/>
-              <a:defRPr/>
-            </a:pPr>
-            <a:r>
-              <a:rPr kumimoji="0" lang="en-US" altLang="ja-JP" b="0" i="0" u="none" strike="noStrike" kern="0" cap="none" spc="0" normalizeH="0" baseline="0" dirty="0">
-                <a:ln>
-                  <a:noFill/>
-                </a:ln>
-                <a:solidFill>
-                  <a:prstClr val="black"/>
-                </a:solidFill>
-                <a:effectLst/>
-                <a:uLnTx/>
-                <a:uFillTx/>
-                <a:latin typeface="+mj-lt"/>
-                <a:ea typeface="HG明朝E" panose="02020909000000000000" pitchFamily="17" charset="-128"/>
-                <a:cs typeface="Arial" pitchFamily="34" charset="0"/>
-              </a:rPr>
-              <a:t>Application Script</a:t>
-            </a:r>
-          </a:p>
-        </p:txBody>
-      </p:sp>
-      <p:cxnSp>
-        <p:nvCxnSpPr>
-          <p:cNvPr id="42" name="Form 41"/>
-          <p:cNvCxnSpPr/>
-          <p:nvPr/>
-        </p:nvCxnSpPr>
-        <p:spPr>
-          <a:xfrm rot="16200000" flipV="1">
-            <a:off x="158714" y="1650605"/>
-            <a:ext cx="943687" cy="1765197"/>
-          </a:xfrm>
-          <a:prstGeom prst="bentConnector2">
-            <a:avLst/>
-          </a:prstGeom>
-          <a:ln w="38100">
-            <a:solidFill>
-              <a:schemeClr val="tx1"/>
-            </a:solidFill>
-            <a:prstDash val="sysDot"/>
-            <a:tailEnd type="arrow"/>
-          </a:ln>
-        </p:spPr>
-        <p:style>
-          <a:lnRef idx="1">
-            <a:schemeClr val="accent1"/>
-          </a:lnRef>
-          <a:fillRef idx="0">
-            <a:schemeClr val="accent1"/>
-          </a:fillRef>
-          <a:effectRef idx="0">
-            <a:schemeClr val="accent1"/>
-          </a:effectRef>
-          <a:fontRef idx="minor">
-            <a:schemeClr val="tx1"/>
-          </a:fontRef>
-        </p:style>
-      </p:cxnSp>
-      <p:sp>
-        <p:nvSpPr>
           <p:cNvPr id="61" name="Rechteck 60"/>
           <p:cNvSpPr/>
           <p:nvPr/>
@@ -11060,21 +11037,23 @@
           <a:p>
             <a:pPr algn="ctr"/>
             <a:r>
+              <a:rPr lang="de-DE" sz="1400" dirty="0" err="1">
+                <a:solidFill>
+                  <a:schemeClr val="bg1"/>
+                </a:solidFill>
+                <a:cs typeface="Arial" pitchFamily="34" charset="0"/>
+              </a:rPr>
+              <a:t>CoAP</a:t>
+            </a:r>
+            <a:r>
               <a:rPr lang="de-DE" sz="1400" dirty="0">
                 <a:solidFill>
                   <a:schemeClr val="bg1"/>
                 </a:solidFill>
                 <a:cs typeface="Arial" pitchFamily="34" charset="0"/>
               </a:rPr>
-              <a:t>(S)RTP</a:t>
-            </a:r>
-            <a:endParaRPr lang="de-DE" sz="1400" dirty="0">
-              <a:solidFill>
-                <a:schemeClr val="bg1"/>
-              </a:solidFill>
-              <a:latin typeface="+mj-lt"/>
-              <a:cs typeface="Arial" pitchFamily="34" charset="0"/>
-            </a:endParaRPr>
+              <a:t>(S)</a:t>
+            </a:r>
           </a:p>
         </p:txBody>
       </p:sp>
@@ -11127,69 +11106,10 @@
                 <a:solidFill>
                   <a:schemeClr val="bg1"/>
                 </a:solidFill>
-                <a:latin typeface="+mj-lt"/>
-                <a:cs typeface="Arial" pitchFamily="34" charset="0"/>
-              </a:rPr>
-              <a:t>FTP</a:t>
-            </a:r>
-          </a:p>
-        </p:txBody>
-      </p:sp>
-      <p:sp>
-        <p:nvSpPr>
-          <p:cNvPr id="43" name="角丸四角形 21"/>
-          <p:cNvSpPr/>
-          <p:nvPr/>
-        </p:nvSpPr>
-        <p:spPr bwMode="auto">
-          <a:xfrm>
-            <a:off x="2843808" y="1672527"/>
-            <a:ext cx="4824536" cy="1135800"/>
-          </a:xfrm>
-          <a:prstGeom prst="roundRect">
-            <a:avLst>
-              <a:gd name="adj" fmla="val 10186"/>
-            </a:avLst>
-          </a:prstGeom>
-          <a:solidFill>
-            <a:srgbClr val="8EB4E3"/>
-          </a:solidFill>
-          <a:ln w="25400" cap="flat" cmpd="sng" algn="ctr">
-            <a:noFill/>
-            <a:prstDash val="solid"/>
-            <a:round/>
-            <a:headEnd type="none" w="med" len="med"/>
-            <a:tailEnd type="none" w="med" len="med"/>
-          </a:ln>
-          <a:effectLst/>
-          <a:extLst/>
-        </p:spPr>
-        <p:txBody>
-          <a:bodyPr vert="horz" wrap="none" lIns="91440" tIns="45720" rIns="91440" bIns="45720" numCol="1" rtlCol="0" anchor="t" anchorCtr="0" compatLnSpc="1">
-            <a:prstTxWarp prst="textNoShape">
-              <a:avLst/>
-            </a:prstTxWarp>
-            <a:noAutofit/>
-          </a:bodyPr>
-          <a:lstStyle/>
-          <a:p>
-            <a:pPr algn="ctr" fontAlgn="ctr">
-              <a:spcBef>
-                <a:spcPts val="0"/>
-              </a:spcBef>
-              <a:spcAft>
-                <a:spcPts val="0"/>
-              </a:spcAft>
-              <a:defRPr/>
-            </a:pPr>
-            <a:endParaRPr lang="en-US" altLang="ja-JP" sz="1600" kern="0" dirty="0">
-              <a:solidFill>
-                <a:prstClr val="black"/>
-              </a:solidFill>
-              <a:latin typeface="+mj-lt"/>
-              <a:ea typeface="HG明朝E" panose="02020909000000000000" pitchFamily="17" charset="-128"/>
-              <a:cs typeface="Arial" pitchFamily="34" charset="0"/>
-            </a:endParaRPr>
+                <a:cs typeface="Arial" pitchFamily="34" charset="0"/>
+              </a:rPr>
+              <a:t>MQTT</a:t>
+            </a:r>
           </a:p>
         </p:txBody>
       </p:sp>
@@ -11201,7 +11121,7 @@
         </p:nvGrpSpPr>
         <p:grpSpPr>
           <a:xfrm>
-            <a:off x="492036" y="2996952"/>
+            <a:off x="492036" y="4178439"/>
             <a:ext cx="2060941" cy="828000"/>
             <a:chOff x="2670082" y="4186219"/>
             <a:chExt cx="2060941" cy="828000"/>
@@ -11582,30 +11502,279 @@
           </p:sp>
         </p:grpSp>
       </p:grpSp>
-      <p:sp>
-        <p:nvSpPr>
-          <p:cNvPr id="51" name="Down Arrow 40"/>
+      <p:cxnSp>
+        <p:nvCxnSpPr>
+          <p:cNvPr id="56" name="Gewinkelte Verbindung 55"/>
+          <p:cNvCxnSpPr>
+            <a:stCxn id="25" idx="2"/>
+          </p:cNvCxnSpPr>
+          <p:nvPr/>
+        </p:nvCxnSpPr>
+        <p:spPr>
+          <a:xfrm rot="16200000" flipH="1">
+            <a:off x="1390689" y="2733600"/>
+            <a:ext cx="8281" cy="5237958"/>
+          </a:xfrm>
+          <a:prstGeom prst="bentConnector3">
+            <a:avLst>
+              <a:gd name="adj1" fmla="val 5650126"/>
+            </a:avLst>
+          </a:prstGeom>
+          <a:ln w="38100">
+            <a:solidFill>
+              <a:srgbClr val="FF0000"/>
+            </a:solidFill>
+            <a:tailEnd type="arrow"/>
+          </a:ln>
+        </p:spPr>
+        <p:style>
+          <a:lnRef idx="1">
+            <a:schemeClr val="accent1"/>
+          </a:lnRef>
+          <a:fillRef idx="0">
+            <a:schemeClr val="accent1"/>
+          </a:fillRef>
+          <a:effectRef idx="0">
+            <a:schemeClr val="accent1"/>
+          </a:effectRef>
+          <a:fontRef idx="minor">
+            <a:schemeClr val="tx1"/>
+          </a:fontRef>
+        </p:style>
+      </p:cxnSp>
+      <p:sp>
+        <p:nvSpPr>
+          <p:cNvPr id="44" name="角丸四角形 21"/>
           <p:cNvSpPr/>
           <p:nvPr/>
         </p:nvSpPr>
+        <p:spPr bwMode="auto">
+          <a:xfrm>
+            <a:off x="-2394149" y="2637424"/>
+            <a:ext cx="2340000" cy="1079531"/>
+          </a:xfrm>
+          <a:prstGeom prst="roundRect">
+            <a:avLst>
+              <a:gd name="adj" fmla="val 25084"/>
+            </a:avLst>
+          </a:prstGeom>
+          <a:solidFill>
+            <a:srgbClr val="4A7B7C"/>
+          </a:solidFill>
+          <a:ln w="25400" cap="flat" cmpd="sng" algn="ctr">
+            <a:noFill/>
+            <a:prstDash val="solid"/>
+            <a:round/>
+            <a:headEnd type="none" w="med" len="med"/>
+            <a:tailEnd type="none" w="med" len="med"/>
+          </a:ln>
+          <a:effectLst/>
+          <a:extLst/>
+        </p:spPr>
+        <p:txBody>
+          <a:bodyPr vert="horz" wrap="none" lIns="91440" tIns="45720" rIns="91440" bIns="45720" numCol="1" rtlCol="0" anchor="ctr" anchorCtr="0" compatLnSpc="1">
+            <a:prstTxWarp prst="textNoShape">
+              <a:avLst/>
+            </a:prstTxWarp>
+            <a:noAutofit/>
+          </a:bodyPr>
+          <a:lstStyle/>
+          <a:p>
+            <a:pPr algn="ctr" fontAlgn="ctr">
+              <a:spcBef>
+                <a:spcPts val="0"/>
+              </a:spcBef>
+              <a:spcAft>
+                <a:spcPts val="0"/>
+              </a:spcAft>
+              <a:defRPr/>
+            </a:pPr>
+            <a:endParaRPr lang="en-US" altLang="ja-JP" sz="2000" kern="0" dirty="0">
+              <a:solidFill>
+                <a:prstClr val="white"/>
+              </a:solidFill>
+              <a:latin typeface="+mj-lt"/>
+              <a:ea typeface="HG明朝E" panose="02020909000000000000" pitchFamily="17" charset="-128"/>
+              <a:cs typeface="Arial" pitchFamily="34" charset="0"/>
+            </a:endParaRPr>
+          </a:p>
+        </p:txBody>
+      </p:sp>
+      <p:sp>
+        <p:nvSpPr>
+          <p:cNvPr id="46" name="角丸四角形 21"/>
+          <p:cNvSpPr/>
+          <p:nvPr/>
+        </p:nvSpPr>
+        <p:spPr bwMode="auto">
+          <a:xfrm>
+            <a:off x="-2394149" y="3031366"/>
+            <a:ext cx="2340000" cy="685589"/>
+          </a:xfrm>
+          <a:prstGeom prst="roundRect">
+            <a:avLst>
+              <a:gd name="adj" fmla="val 22240"/>
+            </a:avLst>
+          </a:prstGeom>
+          <a:solidFill>
+            <a:srgbClr val="4A7B7C"/>
+          </a:solidFill>
+          <a:ln w="25400" cap="flat" cmpd="sng" algn="ctr">
+            <a:noFill/>
+            <a:prstDash val="solid"/>
+            <a:round/>
+            <a:headEnd type="none" w="med" len="med"/>
+            <a:tailEnd type="none" w="med" len="med"/>
+          </a:ln>
+          <a:effectLst/>
+          <a:extLst/>
+        </p:spPr>
+        <p:txBody>
+          <a:bodyPr vert="horz" wrap="none" lIns="91440" tIns="45720" rIns="91440" bIns="45720" numCol="1" rtlCol="0" anchor="ctr" anchorCtr="0" compatLnSpc="1">
+            <a:prstTxWarp prst="textNoShape">
+              <a:avLst/>
+            </a:prstTxWarp>
+            <a:noAutofit/>
+          </a:bodyPr>
+          <a:lstStyle/>
+          <a:p>
+            <a:pPr algn="ctr" fontAlgn="ctr">
+              <a:spcBef>
+                <a:spcPts val="0"/>
+              </a:spcBef>
+              <a:spcAft>
+                <a:spcPts val="0"/>
+              </a:spcAft>
+              <a:defRPr/>
+            </a:pPr>
+            <a:r>
+              <a:rPr lang="en-US" altLang="ja-JP" sz="2000" kern="0" dirty="0">
+                <a:solidFill>
+                  <a:prstClr val="white"/>
+                </a:solidFill>
+                <a:ea typeface="HG明朝E" panose="02020909000000000000" pitchFamily="17" charset="-128"/>
+                <a:cs typeface="Arial" pitchFamily="34" charset="0"/>
+              </a:rPr>
+              <a:t>WoT Runtime</a:t>
+            </a:r>
+          </a:p>
+        </p:txBody>
+      </p:sp>
+      <p:sp>
+        <p:nvSpPr>
+          <p:cNvPr id="30" name="角丸四角形 21"/>
+          <p:cNvSpPr/>
+          <p:nvPr/>
+        </p:nvSpPr>
+        <p:spPr bwMode="auto">
+          <a:xfrm>
+            <a:off x="-2394150" y="2447278"/>
+            <a:ext cx="2340000" cy="576000"/>
+          </a:xfrm>
+          <a:prstGeom prst="roundRect">
+            <a:avLst>
+              <a:gd name="adj" fmla="val 18750"/>
+            </a:avLst>
+          </a:prstGeom>
+          <a:solidFill>
+            <a:srgbClr val="005A9C"/>
+          </a:solidFill>
+          <a:ln w="25400" cap="flat" cmpd="sng" algn="ctr">
+            <a:noFill/>
+            <a:prstDash val="solid"/>
+            <a:round/>
+            <a:headEnd type="none" w="med" len="med"/>
+            <a:tailEnd type="none" w="med" len="med"/>
+          </a:ln>
+          <a:effectLst/>
+          <a:extLst/>
+        </p:spPr>
+        <p:txBody>
+          <a:bodyPr vert="horz" wrap="none" lIns="91440" tIns="45720" rIns="91440" bIns="90000" numCol="1" rtlCol="0" anchor="b" anchorCtr="0" compatLnSpc="1">
+            <a:prstTxWarp prst="textNoShape">
+              <a:avLst/>
+            </a:prstTxWarp>
+            <a:noAutofit/>
+          </a:bodyPr>
+          <a:lstStyle/>
+          <a:p>
+            <a:pPr algn="ctr" fontAlgn="ctr">
+              <a:spcBef>
+                <a:spcPts val="0"/>
+              </a:spcBef>
+              <a:spcAft>
+                <a:spcPts val="0"/>
+              </a:spcAft>
+              <a:defRPr/>
+            </a:pPr>
+            <a:r>
+              <a:rPr lang="en-US" altLang="ja-JP" sz="2000" kern="0" dirty="0">
+                <a:solidFill>
+                  <a:prstClr val="white"/>
+                </a:solidFill>
+                <a:latin typeface="+mj-lt"/>
+                <a:ea typeface="HG明朝E" panose="02020909000000000000" pitchFamily="17" charset="-128"/>
+                <a:cs typeface="Arial" pitchFamily="34" charset="0"/>
+              </a:rPr>
+              <a:t>WoT Scripting API</a:t>
+            </a:r>
+          </a:p>
+        </p:txBody>
+      </p:sp>
+      <p:pic>
+        <p:nvPicPr>
+          <p:cNvPr id="52" name="Picture 1"/>
+          <p:cNvPicPr>
+            <a:picLocks noChangeAspect="1" noChangeArrowheads="1"/>
+          </p:cNvPicPr>
+          <p:nvPr/>
+        </p:nvPicPr>
+        <p:blipFill>
+          <a:blip r:embed="rId3" cstate="print"/>
+          <a:srcRect/>
+          <a:stretch>
+            <a:fillRect/>
+          </a:stretch>
+        </p:blipFill>
+        <p:spPr bwMode="auto">
+          <a:xfrm>
+            <a:off x="3203846" y="2653536"/>
+            <a:ext cx="1656186" cy="1656186"/>
+          </a:xfrm>
+          <a:prstGeom prst="rect">
+            <a:avLst/>
+          </a:prstGeom>
+          <a:noFill/>
+          <a:ln w="9525">
+            <a:noFill/>
+            <a:miter lim="800000"/>
+            <a:headEnd/>
+            <a:tailEnd/>
+          </a:ln>
+          <a:effectLst/>
+        </p:spPr>
+      </p:pic>
+      <p:sp>
+        <p:nvSpPr>
+          <p:cNvPr id="66" name="Abgerundetes Rechteck 65"/>
+          <p:cNvSpPr/>
+          <p:nvPr/>
+        </p:nvSpPr>
         <p:spPr>
-          <a:xfrm rot="5400000">
-            <a:off x="2461272" y="3165727"/>
-            <a:ext cx="439632" cy="518965"/>
-          </a:xfrm>
-          <a:prstGeom prst="downArrow">
-            <a:avLst>
-              <a:gd name="adj1" fmla="val 50000"/>
-              <a:gd name="adj2" fmla="val 50000"/>
-            </a:avLst>
+          <a:xfrm>
+            <a:off x="-1850529" y="1988840"/>
+            <a:ext cx="1656184" cy="393538"/>
+          </a:xfrm>
+          <a:prstGeom prst="roundRect">
+            <a:avLst/>
           </a:prstGeom>
           <a:solidFill>
-            <a:schemeClr val="bg1">
-              <a:lumMod val="75000"/>
-            </a:schemeClr>
+            <a:srgbClr val="FFFF99"/>
           </a:solidFill>
-          <a:ln>
-            <a:noFill/>
+          <a:ln w="6350">
+            <a:solidFill>
+              <a:schemeClr val="tx1"/>
+            </a:solidFill>
           </a:ln>
         </p:spPr>
         <p:style>
@@ -11629,259 +11798,6 @@
           <a:lstStyle/>
           <a:p>
             <a:pPr algn="ctr"/>
-            <a:endParaRPr lang="en-US">
-              <a:latin typeface="+mj-lt"/>
-              <a:cs typeface="Arial" pitchFamily="34" charset="0"/>
-            </a:endParaRPr>
-          </a:p>
-        </p:txBody>
-      </p:sp>
-      <p:sp>
-        <p:nvSpPr>
-          <p:cNvPr id="53" name="角丸四角形 21"/>
-          <p:cNvSpPr/>
-          <p:nvPr/>
-        </p:nvSpPr>
-        <p:spPr bwMode="auto">
-          <a:xfrm>
-            <a:off x="2843808" y="3844720"/>
-            <a:ext cx="2340000" cy="1512000"/>
-          </a:xfrm>
-          <a:prstGeom prst="roundRect">
-            <a:avLst>
-              <a:gd name="adj" fmla="val 7143"/>
-            </a:avLst>
-          </a:prstGeom>
-          <a:solidFill>
-            <a:srgbClr val="00B050"/>
-          </a:solidFill>
-          <a:ln w="25400" cap="flat" cmpd="sng" algn="ctr">
-            <a:noFill/>
-            <a:prstDash val="solid"/>
-            <a:round/>
-            <a:headEnd type="none" w="med" len="med"/>
-            <a:tailEnd type="none" w="med" len="med"/>
-          </a:ln>
-          <a:effectLst/>
-          <a:extLst/>
-        </p:spPr>
-        <p:txBody>
-          <a:bodyPr vert="horz" wrap="none" lIns="91440" tIns="45720" rIns="91440" bIns="45720" numCol="1" rtlCol="0" anchor="t" anchorCtr="0" compatLnSpc="1">
-            <a:prstTxWarp prst="textNoShape">
-              <a:avLst/>
-            </a:prstTxWarp>
-            <a:noAutofit/>
-          </a:bodyPr>
-          <a:lstStyle/>
-          <a:p>
-            <a:pPr algn="ctr" fontAlgn="ctr">
-              <a:spcBef>
-                <a:spcPts val="0"/>
-              </a:spcBef>
-              <a:spcAft>
-                <a:spcPts val="0"/>
-              </a:spcAft>
-              <a:defRPr/>
-            </a:pPr>
-            <a:r>
-              <a:rPr lang="en-US" altLang="ja-JP" sz="2000" kern="0" dirty="0">
-                <a:solidFill>
-                  <a:prstClr val="white"/>
-                </a:solidFill>
-                <a:ea typeface="HG明朝E" panose="02020909000000000000" pitchFamily="17" charset="-128"/>
-                <a:cs typeface="Arial" pitchFamily="34" charset="0"/>
-              </a:rPr>
-              <a:t>Protocol Bindings</a:t>
-            </a:r>
-          </a:p>
-        </p:txBody>
-      </p:sp>
-      <p:sp>
-        <p:nvSpPr>
-          <p:cNvPr id="54" name="角丸四角形 21"/>
-          <p:cNvSpPr/>
-          <p:nvPr/>
-        </p:nvSpPr>
-        <p:spPr bwMode="auto">
-          <a:xfrm>
-            <a:off x="5328344" y="3844719"/>
-            <a:ext cx="2340000" cy="1512000"/>
-          </a:xfrm>
-          <a:prstGeom prst="roundRect">
-            <a:avLst>
-              <a:gd name="adj" fmla="val 7143"/>
-            </a:avLst>
-          </a:prstGeom>
-          <a:solidFill>
-            <a:schemeClr val="tx1">
-              <a:lumMod val="65000"/>
-              <a:lumOff val="35000"/>
-            </a:schemeClr>
-          </a:solidFill>
-          <a:ln w="25400" cap="flat" cmpd="sng" algn="ctr">
-            <a:noFill/>
-            <a:prstDash val="solid"/>
-            <a:round/>
-            <a:headEnd type="none" w="med" len="med"/>
-            <a:tailEnd type="none" w="med" len="med"/>
-          </a:ln>
-          <a:effectLst/>
-          <a:extLst/>
-        </p:spPr>
-        <p:txBody>
-          <a:bodyPr vert="horz" wrap="none" lIns="91440" tIns="45720" rIns="91440" bIns="45720" numCol="1" rtlCol="0" anchor="t" anchorCtr="0" compatLnSpc="1">
-            <a:prstTxWarp prst="textNoShape">
-              <a:avLst/>
-            </a:prstTxWarp>
-            <a:noAutofit/>
-          </a:bodyPr>
-          <a:lstStyle/>
-          <a:p>
-            <a:pPr algn="ctr" fontAlgn="ctr">
-              <a:spcBef>
-                <a:spcPts val="0"/>
-              </a:spcBef>
-              <a:spcAft>
-                <a:spcPts val="0"/>
-              </a:spcAft>
-              <a:defRPr/>
-            </a:pPr>
-            <a:r>
-              <a:rPr lang="en-US" altLang="ja-JP" sz="2000" kern="0" dirty="0">
-                <a:solidFill>
-                  <a:prstClr val="white"/>
-                </a:solidFill>
-                <a:latin typeface="+mj-lt"/>
-                <a:ea typeface="HG明朝E" panose="02020909000000000000" pitchFamily="17" charset="-128"/>
-                <a:cs typeface="Arial" pitchFamily="34" charset="0"/>
-              </a:rPr>
-              <a:t>System API</a:t>
-            </a:r>
-          </a:p>
-        </p:txBody>
-      </p:sp>
-      <p:sp>
-        <p:nvSpPr>
-          <p:cNvPr id="57" name="Rechteck 56"/>
-          <p:cNvSpPr/>
-          <p:nvPr/>
-        </p:nvSpPr>
-        <p:spPr>
-          <a:xfrm>
-            <a:off x="5472000" y="4348776"/>
-            <a:ext cx="936000" cy="864096"/>
-          </a:xfrm>
-          <a:prstGeom prst="rect">
-            <a:avLst/>
-          </a:prstGeom>
-          <a:solidFill>
-            <a:schemeClr val="bg1">
-              <a:lumMod val="75000"/>
-            </a:schemeClr>
-          </a:solidFill>
-          <a:ln w="6350">
-            <a:solidFill>
-              <a:schemeClr val="tx1"/>
-            </a:solidFill>
-          </a:ln>
-        </p:spPr>
-        <p:style>
-          <a:lnRef idx="2">
-            <a:schemeClr val="accent1">
-              <a:shade val="50000"/>
-            </a:schemeClr>
-          </a:lnRef>
-          <a:fillRef idx="1">
-            <a:schemeClr val="accent1"/>
-          </a:fillRef>
-          <a:effectRef idx="0">
-            <a:schemeClr val="accent1"/>
-          </a:effectRef>
-          <a:fontRef idx="minor">
-            <a:schemeClr val="lt1"/>
-          </a:fontRef>
-        </p:style>
-        <p:txBody>
-          <a:bodyPr wrap="none" rtlCol="0" anchor="ctr"/>
-          <a:lstStyle/>
-          <a:p>
-            <a:pPr algn="ctr"/>
-            <a:r>
-              <a:rPr lang="de-DE" sz="1400" dirty="0" err="1">
-                <a:solidFill>
-                  <a:schemeClr val="tx1"/>
-                </a:solidFill>
-                <a:latin typeface="+mj-lt"/>
-                <a:cs typeface="Arial" pitchFamily="34" charset="0"/>
-              </a:rPr>
-              <a:t>Local</a:t>
-            </a:r>
-            <a:br>
-              <a:rPr lang="de-DE" sz="1400" dirty="0">
-                <a:solidFill>
-                  <a:schemeClr val="tx1"/>
-                </a:solidFill>
-                <a:latin typeface="+mj-lt"/>
-                <a:cs typeface="Arial" pitchFamily="34" charset="0"/>
-              </a:rPr>
-            </a:br>
-            <a:r>
-              <a:rPr lang="de-DE" sz="1400" dirty="0">
-                <a:solidFill>
-                  <a:schemeClr val="tx1"/>
-                </a:solidFill>
-                <a:latin typeface="+mj-lt"/>
-                <a:cs typeface="Arial" pitchFamily="34" charset="0"/>
-              </a:rPr>
-              <a:t>Hardware</a:t>
-            </a:r>
-          </a:p>
-        </p:txBody>
-      </p:sp>
-      <p:sp>
-        <p:nvSpPr>
-          <p:cNvPr id="59" name="Abgerundetes Rechteck 58"/>
-          <p:cNvSpPr/>
-          <p:nvPr/>
-        </p:nvSpPr>
-        <p:spPr>
-          <a:xfrm>
-            <a:off x="5866551" y="1869267"/>
-            <a:ext cx="1656184" cy="393538"/>
-          </a:xfrm>
-          <a:prstGeom prst="roundRect">
-            <a:avLst/>
-          </a:prstGeom>
-          <a:solidFill>
-            <a:srgbClr val="FFFF99"/>
-          </a:solidFill>
-          <a:ln w="6350">
-            <a:solidFill>
-              <a:schemeClr val="tx1"/>
-            </a:solidFill>
-          </a:ln>
-        </p:spPr>
-        <p:style>
-          <a:lnRef idx="2">
-            <a:schemeClr val="accent1">
-              <a:shade val="50000"/>
-            </a:schemeClr>
-          </a:lnRef>
-          <a:fillRef idx="1">
-            <a:schemeClr val="accent1"/>
-          </a:fillRef>
-          <a:effectRef idx="0">
-            <a:schemeClr val="accent1"/>
-          </a:effectRef>
-          <a:fontRef idx="minor">
-            <a:schemeClr val="lt1"/>
-          </a:fontRef>
-        </p:style>
-        <p:txBody>
-          <a:bodyPr rtlCol="0" anchor="ctr"/>
-          <a:lstStyle/>
-          <a:p>
-            <a:pPr algn="ctr"/>
             <a:r>
               <a:rPr lang="de-DE" sz="1400" dirty="0">
                 <a:solidFill>
@@ -11914,14 +11830,14 @@
       </p:sp>
       <p:sp>
         <p:nvSpPr>
-          <p:cNvPr id="60" name="縦巻き 49"/>
+          <p:cNvPr id="32" name="縦巻き 49"/>
           <p:cNvSpPr/>
           <p:nvPr/>
         </p:nvSpPr>
         <p:spPr bwMode="auto">
           <a:xfrm>
-            <a:off x="2987824" y="1855199"/>
-            <a:ext cx="2664296" cy="421673"/>
+            <a:off x="-2232262" y="1855711"/>
+            <a:ext cx="2016224" cy="421673"/>
           </a:xfrm>
           <a:prstGeom prst="verticalScroll">
             <a:avLst/>
@@ -11987,272 +11903,25 @@
           </a:p>
         </p:txBody>
       </p:sp>
-      <p:sp>
-        <p:nvSpPr>
-          <p:cNvPr id="70" name="Rechteck 69"/>
-          <p:cNvSpPr/>
-          <p:nvPr/>
-        </p:nvSpPr>
+      <p:cxnSp>
+        <p:nvCxnSpPr>
+          <p:cNvPr id="42" name="Form 41"/>
+          <p:cNvCxnSpPr/>
+          <p:nvPr/>
+        </p:nvCxnSpPr>
         <p:spPr>
-          <a:xfrm>
-            <a:off x="2987824" y="4348776"/>
-            <a:ext cx="936000" cy="360040"/>
-          </a:xfrm>
-          <a:prstGeom prst="rect">
+          <a:xfrm rot="16200000" flipV="1">
+            <a:off x="-449443" y="2258489"/>
+            <a:ext cx="2160000" cy="1765197"/>
+          </a:xfrm>
+          <a:prstGeom prst="bentConnector2">
             <a:avLst/>
           </a:prstGeom>
-          <a:solidFill>
-            <a:srgbClr val="008000"/>
-          </a:solidFill>
-          <a:ln w="6350">
+          <a:ln w="38100">
             <a:solidFill>
               <a:schemeClr val="tx1"/>
             </a:solidFill>
-          </a:ln>
-        </p:spPr>
-        <p:style>
-          <a:lnRef idx="2">
-            <a:schemeClr val="accent3">
-              <a:shade val="50000"/>
-            </a:schemeClr>
-          </a:lnRef>
-          <a:fillRef idx="1">
-            <a:schemeClr val="accent3"/>
-          </a:fillRef>
-          <a:effectRef idx="0">
-            <a:schemeClr val="accent3"/>
-          </a:effectRef>
-          <a:fontRef idx="minor">
-            <a:schemeClr val="lt1"/>
-          </a:fontRef>
-        </p:style>
-        <p:txBody>
-          <a:bodyPr rtlCol="0" anchor="ctr"/>
-          <a:lstStyle/>
-          <a:p>
-            <a:pPr algn="ctr"/>
-            <a:r>
-              <a:rPr lang="de-DE" sz="1400" dirty="0">
-                <a:solidFill>
-                  <a:schemeClr val="bg1"/>
-                </a:solidFill>
-                <a:latin typeface="+mj-lt"/>
-                <a:cs typeface="Arial" pitchFamily="34" charset="0"/>
-              </a:rPr>
-              <a:t>HTTP(S)</a:t>
-            </a:r>
-          </a:p>
-        </p:txBody>
-      </p:sp>
-      <p:sp>
-        <p:nvSpPr>
-          <p:cNvPr id="71" name="Rechteck 70"/>
-          <p:cNvSpPr/>
-          <p:nvPr/>
-        </p:nvSpPr>
-        <p:spPr>
-          <a:xfrm>
-            <a:off x="2987824" y="4852832"/>
-            <a:ext cx="936000" cy="360040"/>
-          </a:xfrm>
-          <a:prstGeom prst="rect">
-            <a:avLst/>
-          </a:prstGeom>
-          <a:solidFill>
-            <a:srgbClr val="008000"/>
-          </a:solidFill>
-          <a:ln w="6350">
-            <a:solidFill>
-              <a:schemeClr val="tx1"/>
-            </a:solidFill>
-          </a:ln>
-        </p:spPr>
-        <p:style>
-          <a:lnRef idx="2">
-            <a:schemeClr val="accent3">
-              <a:shade val="50000"/>
-            </a:schemeClr>
-          </a:lnRef>
-          <a:fillRef idx="1">
-            <a:schemeClr val="accent3"/>
-          </a:fillRef>
-          <a:effectRef idx="0">
-            <a:schemeClr val="accent3"/>
-          </a:effectRef>
-          <a:fontRef idx="minor">
-            <a:schemeClr val="lt1"/>
-          </a:fontRef>
-        </p:style>
-        <p:txBody>
-          <a:bodyPr rtlCol="0" anchor="ctr"/>
-          <a:lstStyle/>
-          <a:p>
-            <a:pPr algn="ctr"/>
-            <a:r>
-              <a:rPr lang="de-DE" sz="1400" dirty="0">
-                <a:solidFill>
-                  <a:schemeClr val="bg1"/>
-                </a:solidFill>
-                <a:latin typeface="+mj-lt"/>
-                <a:cs typeface="Arial" pitchFamily="34" charset="0"/>
-              </a:rPr>
-              <a:t>…</a:t>
-            </a:r>
-          </a:p>
-        </p:txBody>
-      </p:sp>
-      <p:sp>
-        <p:nvSpPr>
-          <p:cNvPr id="72" name="Rechteck 71"/>
-          <p:cNvSpPr/>
-          <p:nvPr/>
-        </p:nvSpPr>
-        <p:spPr>
-          <a:xfrm>
-            <a:off x="4104000" y="4348776"/>
-            <a:ext cx="936000" cy="360040"/>
-          </a:xfrm>
-          <a:prstGeom prst="rect">
-            <a:avLst/>
-          </a:prstGeom>
-          <a:solidFill>
-            <a:srgbClr val="008000"/>
-          </a:solidFill>
-          <a:ln w="6350">
-            <a:solidFill>
-              <a:schemeClr val="tx1"/>
-            </a:solidFill>
-          </a:ln>
-        </p:spPr>
-        <p:style>
-          <a:lnRef idx="2">
-            <a:schemeClr val="accent3">
-              <a:shade val="50000"/>
-            </a:schemeClr>
-          </a:lnRef>
-          <a:fillRef idx="1">
-            <a:schemeClr val="accent3"/>
-          </a:fillRef>
-          <a:effectRef idx="0">
-            <a:schemeClr val="accent3"/>
-          </a:effectRef>
-          <a:fontRef idx="minor">
-            <a:schemeClr val="lt1"/>
-          </a:fontRef>
-        </p:style>
-        <p:txBody>
-          <a:bodyPr rtlCol="0" anchor="ctr"/>
-          <a:lstStyle/>
-          <a:p>
-            <a:pPr algn="ctr"/>
-            <a:r>
-              <a:rPr lang="de-DE" sz="1400" dirty="0" err="1">
-                <a:solidFill>
-                  <a:schemeClr val="bg1"/>
-                </a:solidFill>
-                <a:cs typeface="Arial" pitchFamily="34" charset="0"/>
-              </a:rPr>
-              <a:t>CoAP</a:t>
-            </a:r>
-            <a:r>
-              <a:rPr lang="de-DE" sz="1400" dirty="0">
-                <a:solidFill>
-                  <a:schemeClr val="bg1"/>
-                </a:solidFill>
-                <a:cs typeface="Arial" pitchFamily="34" charset="0"/>
-              </a:rPr>
-              <a:t>(S)</a:t>
-            </a:r>
-            <a:endParaRPr lang="de-DE" sz="1400" dirty="0">
-              <a:solidFill>
-                <a:schemeClr val="bg1"/>
-              </a:solidFill>
-              <a:latin typeface="+mj-lt"/>
-              <a:cs typeface="Arial" pitchFamily="34" charset="0"/>
-            </a:endParaRPr>
-          </a:p>
-        </p:txBody>
-      </p:sp>
-      <p:sp>
-        <p:nvSpPr>
-          <p:cNvPr id="73" name="Rechteck 72"/>
-          <p:cNvSpPr/>
-          <p:nvPr/>
-        </p:nvSpPr>
-        <p:spPr>
-          <a:xfrm>
-            <a:off x="4104000" y="4852832"/>
-            <a:ext cx="936000" cy="360040"/>
-          </a:xfrm>
-          <a:prstGeom prst="rect">
-            <a:avLst/>
-          </a:prstGeom>
-          <a:solidFill>
-            <a:srgbClr val="008000"/>
-          </a:solidFill>
-          <a:ln w="6350">
-            <a:solidFill>
-              <a:schemeClr val="tx1"/>
-            </a:solidFill>
-          </a:ln>
-        </p:spPr>
-        <p:style>
-          <a:lnRef idx="2">
-            <a:schemeClr val="accent3">
-              <a:shade val="50000"/>
-            </a:schemeClr>
-          </a:lnRef>
-          <a:fillRef idx="1">
-            <a:schemeClr val="accent3"/>
-          </a:fillRef>
-          <a:effectRef idx="0">
-            <a:schemeClr val="accent3"/>
-          </a:effectRef>
-          <a:fontRef idx="minor">
-            <a:schemeClr val="lt1"/>
-          </a:fontRef>
-        </p:style>
-        <p:txBody>
-          <a:bodyPr rtlCol="0" anchor="ctr"/>
-          <a:lstStyle/>
-          <a:p>
-            <a:pPr algn="ctr"/>
-            <a:r>
-              <a:rPr lang="de-DE" sz="1400" dirty="0">
-                <a:solidFill>
-                  <a:schemeClr val="bg1"/>
-                </a:solidFill>
-                <a:latin typeface="+mj-lt"/>
-                <a:cs typeface="Arial" pitchFamily="34" charset="0"/>
-              </a:rPr>
-              <a:t>MQTT</a:t>
-            </a:r>
-          </a:p>
-        </p:txBody>
-      </p:sp>
-      <p:cxnSp>
-        <p:nvCxnSpPr>
-          <p:cNvPr id="56" name="Gewinkelte Verbindung 55"/>
-          <p:cNvCxnSpPr>
-            <a:stCxn id="25" idx="2"/>
-            <a:endCxn id="53" idx="2"/>
-          </p:cNvCxnSpPr>
-          <p:nvPr/>
-        </p:nvCxnSpPr>
-        <p:spPr>
-          <a:xfrm rot="16200000" flipH="1">
-            <a:off x="1390689" y="2733600"/>
-            <a:ext cx="8281" cy="5237958"/>
-          </a:xfrm>
-          <a:prstGeom prst="bentConnector3">
-            <a:avLst>
-              <a:gd name="adj1" fmla="val 5650129"/>
-            </a:avLst>
-          </a:prstGeom>
-          <a:ln w="38100">
-            <a:solidFill>
-              <a:srgbClr val="FF0000"/>
-            </a:solidFill>
+            <a:prstDash val="sysDot"/>
             <a:tailEnd type="arrow"/>
           </a:ln>
         </p:spPr>
@@ -12271,423 +11940,6 @@
           </a:fontRef>
         </p:style>
       </p:cxnSp>
-      <p:pic>
-        <p:nvPicPr>
-          <p:cNvPr id="37" name="Picture 6" descr="https://www.adafruit.com/includes/templates/adafruit2013/images/little_pi.png"/>
-          <p:cNvPicPr>
-            <a:picLocks noChangeAspect="1" noChangeArrowheads="1"/>
-          </p:cNvPicPr>
-          <p:nvPr/>
-        </p:nvPicPr>
-        <p:blipFill>
-          <a:blip r:embed="rId3" cstate="print"/>
-          <a:srcRect/>
-          <a:stretch>
-            <a:fillRect/>
-          </a:stretch>
-        </p:blipFill>
-        <p:spPr bwMode="auto">
-          <a:xfrm>
-            <a:off x="1979712" y="476672"/>
-            <a:ext cx="1821802" cy="1656184"/>
-          </a:xfrm>
-          <a:prstGeom prst="rect">
-            <a:avLst/>
-          </a:prstGeom>
-          <a:noFill/>
-        </p:spPr>
-      </p:pic>
-      <p:pic>
-        <p:nvPicPr>
-          <p:cNvPr id="1026" name="Picture 2"/>
-          <p:cNvPicPr>
-            <a:picLocks noChangeAspect="1" noChangeArrowheads="1"/>
-          </p:cNvPicPr>
-          <p:nvPr/>
-        </p:nvPicPr>
-        <p:blipFill>
-          <a:blip r:embed="rId4" cstate="print"/>
-          <a:srcRect/>
-          <a:stretch>
-            <a:fillRect/>
-          </a:stretch>
-        </p:blipFill>
-        <p:spPr bwMode="auto">
-          <a:xfrm>
-            <a:off x="5292080" y="5042051"/>
-            <a:ext cx="1370434" cy="1008112"/>
-          </a:xfrm>
-          <a:prstGeom prst="rect">
-            <a:avLst/>
-          </a:prstGeom>
-          <a:noFill/>
-          <a:ln w="9525">
-            <a:noFill/>
-            <a:miter lim="800000"/>
-            <a:headEnd/>
-            <a:tailEnd/>
-          </a:ln>
-          <a:effectLst/>
-        </p:spPr>
-      </p:pic>
-      <p:sp>
-        <p:nvSpPr>
-          <p:cNvPr id="39" name="角丸四角形 21"/>
-          <p:cNvSpPr/>
-          <p:nvPr/>
-        </p:nvSpPr>
-        <p:spPr bwMode="auto">
-          <a:xfrm>
-            <a:off x="2843808" y="2636912"/>
-            <a:ext cx="4824534" cy="1079531"/>
-          </a:xfrm>
-          <a:prstGeom prst="roundRect">
-            <a:avLst>
-              <a:gd name="adj" fmla="val 25084"/>
-            </a:avLst>
-          </a:prstGeom>
-          <a:solidFill>
-            <a:srgbClr val="4A7B7C"/>
-          </a:solidFill>
-          <a:ln w="25400" cap="flat" cmpd="sng" algn="ctr">
-            <a:noFill/>
-            <a:prstDash val="solid"/>
-            <a:round/>
-            <a:headEnd type="none" w="med" len="med"/>
-            <a:tailEnd type="none" w="med" len="med"/>
-          </a:ln>
-          <a:effectLst/>
-          <a:extLst/>
-        </p:spPr>
-        <p:txBody>
-          <a:bodyPr vert="horz" wrap="none" lIns="91440" tIns="45720" rIns="91440" bIns="45720" numCol="1" rtlCol="0" anchor="ctr" anchorCtr="0" compatLnSpc="1">
-            <a:prstTxWarp prst="textNoShape">
-              <a:avLst/>
-            </a:prstTxWarp>
-            <a:noAutofit/>
-          </a:bodyPr>
-          <a:lstStyle/>
-          <a:p>
-            <a:pPr algn="ctr" fontAlgn="ctr">
-              <a:spcBef>
-                <a:spcPts val="0"/>
-              </a:spcBef>
-              <a:spcAft>
-                <a:spcPts val="0"/>
-              </a:spcAft>
-              <a:defRPr/>
-            </a:pPr>
-            <a:endParaRPr lang="en-US" altLang="ja-JP" sz="2000" kern="0" dirty="0">
-              <a:solidFill>
-                <a:prstClr val="white"/>
-              </a:solidFill>
-              <a:latin typeface="+mj-lt"/>
-              <a:ea typeface="HG明朝E" panose="02020909000000000000" pitchFamily="17" charset="-128"/>
-              <a:cs typeface="Arial" pitchFamily="34" charset="0"/>
-            </a:endParaRPr>
-          </a:p>
-        </p:txBody>
-      </p:sp>
-      <p:sp>
-        <p:nvSpPr>
-          <p:cNvPr id="40" name="角丸四角形 21"/>
-          <p:cNvSpPr/>
-          <p:nvPr/>
-        </p:nvSpPr>
-        <p:spPr bwMode="auto">
-          <a:xfrm>
-            <a:off x="2843808" y="3030855"/>
-            <a:ext cx="4824534" cy="685589"/>
-          </a:xfrm>
-          <a:prstGeom prst="roundRect">
-            <a:avLst>
-              <a:gd name="adj" fmla="val 22240"/>
-            </a:avLst>
-          </a:prstGeom>
-          <a:solidFill>
-            <a:srgbClr val="4A7B7C"/>
-          </a:solidFill>
-          <a:ln w="25400" cap="flat" cmpd="sng" algn="ctr">
-            <a:noFill/>
-            <a:prstDash val="solid"/>
-            <a:round/>
-            <a:headEnd type="none" w="med" len="med"/>
-            <a:tailEnd type="none" w="med" len="med"/>
-          </a:ln>
-          <a:effectLst/>
-          <a:extLst/>
-        </p:spPr>
-        <p:txBody>
-          <a:bodyPr vert="horz" wrap="none" lIns="91440" tIns="45720" rIns="91440" bIns="45720" numCol="1" rtlCol="0" anchor="ctr" anchorCtr="0" compatLnSpc="1">
-            <a:prstTxWarp prst="textNoShape">
-              <a:avLst/>
-            </a:prstTxWarp>
-            <a:noAutofit/>
-          </a:bodyPr>
-          <a:lstStyle/>
-          <a:p>
-            <a:pPr algn="ctr" fontAlgn="ctr">
-              <a:spcBef>
-                <a:spcPts val="0"/>
-              </a:spcBef>
-              <a:spcAft>
-                <a:spcPts val="0"/>
-              </a:spcAft>
-              <a:defRPr/>
-            </a:pPr>
-            <a:r>
-              <a:rPr lang="en-US" altLang="ja-JP" sz="2000" kern="0" dirty="0">
-                <a:solidFill>
-                  <a:prstClr val="white"/>
-                </a:solidFill>
-                <a:ea typeface="HG明朝E" panose="02020909000000000000" pitchFamily="17" charset="-128"/>
-                <a:cs typeface="Arial" pitchFamily="34" charset="0"/>
-              </a:rPr>
-              <a:t>WoT Runtime</a:t>
-            </a:r>
-          </a:p>
-        </p:txBody>
-      </p:sp>
-      <p:sp>
-        <p:nvSpPr>
-          <p:cNvPr id="58" name="角丸四角形 21"/>
-          <p:cNvSpPr/>
-          <p:nvPr/>
-        </p:nvSpPr>
-        <p:spPr bwMode="auto">
-          <a:xfrm>
-            <a:off x="2843808" y="2446766"/>
-            <a:ext cx="4824536" cy="576000"/>
-          </a:xfrm>
-          <a:prstGeom prst="roundRect">
-            <a:avLst>
-              <a:gd name="adj" fmla="val 18750"/>
-            </a:avLst>
-          </a:prstGeom>
-          <a:solidFill>
-            <a:srgbClr val="005A9C"/>
-          </a:solidFill>
-          <a:ln w="25400" cap="flat" cmpd="sng" algn="ctr">
-            <a:noFill/>
-            <a:prstDash val="solid"/>
-            <a:round/>
-            <a:headEnd type="none" w="med" len="med"/>
-            <a:tailEnd type="none" w="med" len="med"/>
-          </a:ln>
-          <a:effectLst/>
-          <a:extLst/>
-        </p:spPr>
-        <p:txBody>
-          <a:bodyPr vert="horz" wrap="none" lIns="91440" tIns="45720" rIns="91440" bIns="90000" numCol="1" rtlCol="0" anchor="b" anchorCtr="0" compatLnSpc="1">
-            <a:prstTxWarp prst="textNoShape">
-              <a:avLst/>
-            </a:prstTxWarp>
-            <a:noAutofit/>
-          </a:bodyPr>
-          <a:lstStyle/>
-          <a:p>
-            <a:pPr algn="ctr" fontAlgn="ctr">
-              <a:spcBef>
-                <a:spcPts val="0"/>
-              </a:spcBef>
-              <a:spcAft>
-                <a:spcPts val="0"/>
-              </a:spcAft>
-              <a:defRPr/>
-            </a:pPr>
-            <a:r>
-              <a:rPr lang="en-US" altLang="ja-JP" sz="2000" kern="0" dirty="0">
-                <a:solidFill>
-                  <a:prstClr val="white"/>
-                </a:solidFill>
-                <a:latin typeface="+mj-lt"/>
-                <a:ea typeface="HG明朝E" panose="02020909000000000000" pitchFamily="17" charset="-128"/>
-                <a:cs typeface="Arial" pitchFamily="34" charset="0"/>
-              </a:rPr>
-              <a:t>WoT Scripting API</a:t>
-            </a:r>
-          </a:p>
-        </p:txBody>
-      </p:sp>
-      <p:sp>
-        <p:nvSpPr>
-          <p:cNvPr id="44" name="角丸四角形 21"/>
-          <p:cNvSpPr/>
-          <p:nvPr/>
-        </p:nvSpPr>
-        <p:spPr bwMode="auto">
-          <a:xfrm>
-            <a:off x="-2394149" y="2637424"/>
-            <a:ext cx="2340000" cy="1079531"/>
-          </a:xfrm>
-          <a:prstGeom prst="roundRect">
-            <a:avLst>
-              <a:gd name="adj" fmla="val 25084"/>
-            </a:avLst>
-          </a:prstGeom>
-          <a:solidFill>
-            <a:srgbClr val="4A7B7C"/>
-          </a:solidFill>
-          <a:ln w="25400" cap="flat" cmpd="sng" algn="ctr">
-            <a:noFill/>
-            <a:prstDash val="solid"/>
-            <a:round/>
-            <a:headEnd type="none" w="med" len="med"/>
-            <a:tailEnd type="none" w="med" len="med"/>
-          </a:ln>
-          <a:effectLst/>
-          <a:extLst/>
-        </p:spPr>
-        <p:txBody>
-          <a:bodyPr vert="horz" wrap="none" lIns="91440" tIns="45720" rIns="91440" bIns="45720" numCol="1" rtlCol="0" anchor="ctr" anchorCtr="0" compatLnSpc="1">
-            <a:prstTxWarp prst="textNoShape">
-              <a:avLst/>
-            </a:prstTxWarp>
-            <a:noAutofit/>
-          </a:bodyPr>
-          <a:lstStyle/>
-          <a:p>
-            <a:pPr algn="ctr" fontAlgn="ctr">
-              <a:spcBef>
-                <a:spcPts val="0"/>
-              </a:spcBef>
-              <a:spcAft>
-                <a:spcPts val="0"/>
-              </a:spcAft>
-              <a:defRPr/>
-            </a:pPr>
-            <a:endParaRPr lang="en-US" altLang="ja-JP" sz="2000" kern="0" dirty="0">
-              <a:solidFill>
-                <a:prstClr val="white"/>
-              </a:solidFill>
-              <a:latin typeface="+mj-lt"/>
-              <a:ea typeface="HG明朝E" panose="02020909000000000000" pitchFamily="17" charset="-128"/>
-              <a:cs typeface="Arial" pitchFamily="34" charset="0"/>
-            </a:endParaRPr>
-          </a:p>
-        </p:txBody>
-      </p:sp>
-      <p:sp>
-        <p:nvSpPr>
-          <p:cNvPr id="46" name="角丸四角形 21"/>
-          <p:cNvSpPr/>
-          <p:nvPr/>
-        </p:nvSpPr>
-        <p:spPr bwMode="auto">
-          <a:xfrm>
-            <a:off x="-2394149" y="3031366"/>
-            <a:ext cx="2340000" cy="685589"/>
-          </a:xfrm>
-          <a:prstGeom prst="roundRect">
-            <a:avLst>
-              <a:gd name="adj" fmla="val 22240"/>
-            </a:avLst>
-          </a:prstGeom>
-          <a:solidFill>
-            <a:srgbClr val="4A7B7C"/>
-          </a:solidFill>
-          <a:ln w="25400" cap="flat" cmpd="sng" algn="ctr">
-            <a:noFill/>
-            <a:prstDash val="solid"/>
-            <a:round/>
-            <a:headEnd type="none" w="med" len="med"/>
-            <a:tailEnd type="none" w="med" len="med"/>
-          </a:ln>
-          <a:effectLst/>
-          <a:extLst/>
-        </p:spPr>
-        <p:txBody>
-          <a:bodyPr vert="horz" wrap="none" lIns="91440" tIns="45720" rIns="91440" bIns="45720" numCol="1" rtlCol="0" anchor="ctr" anchorCtr="0" compatLnSpc="1">
-            <a:prstTxWarp prst="textNoShape">
-              <a:avLst/>
-            </a:prstTxWarp>
-            <a:noAutofit/>
-          </a:bodyPr>
-          <a:lstStyle/>
-          <a:p>
-            <a:pPr algn="ctr" fontAlgn="ctr">
-              <a:spcBef>
-                <a:spcPts val="0"/>
-              </a:spcBef>
-              <a:spcAft>
-                <a:spcPts val="0"/>
-              </a:spcAft>
-              <a:defRPr/>
-            </a:pPr>
-            <a:r>
-              <a:rPr lang="en-US" altLang="ja-JP" sz="2000" kern="0" dirty="0">
-                <a:solidFill>
-                  <a:prstClr val="white"/>
-                </a:solidFill>
-                <a:ea typeface="HG明朝E" panose="02020909000000000000" pitchFamily="17" charset="-128"/>
-                <a:cs typeface="Arial" pitchFamily="34" charset="0"/>
-              </a:rPr>
-              <a:t>Browser + Library</a:t>
-            </a:r>
-          </a:p>
-        </p:txBody>
-      </p:sp>
-      <p:sp>
-        <p:nvSpPr>
-          <p:cNvPr id="30" name="角丸四角形 21"/>
-          <p:cNvSpPr/>
-          <p:nvPr/>
-        </p:nvSpPr>
-        <p:spPr bwMode="auto">
-          <a:xfrm>
-            <a:off x="-2394150" y="2447278"/>
-            <a:ext cx="2340000" cy="576000"/>
-          </a:xfrm>
-          <a:prstGeom prst="roundRect">
-            <a:avLst>
-              <a:gd name="adj" fmla="val 18750"/>
-            </a:avLst>
-          </a:prstGeom>
-          <a:solidFill>
-            <a:srgbClr val="005A9C"/>
-          </a:solidFill>
-          <a:ln w="25400" cap="flat" cmpd="sng" algn="ctr">
-            <a:noFill/>
-            <a:prstDash val="solid"/>
-            <a:round/>
-            <a:headEnd type="none" w="med" len="med"/>
-            <a:tailEnd type="none" w="med" len="med"/>
-          </a:ln>
-          <a:effectLst/>
-          <a:extLst/>
-        </p:spPr>
-        <p:txBody>
-          <a:bodyPr vert="horz" wrap="none" lIns="91440" tIns="45720" rIns="91440" bIns="90000" numCol="1" rtlCol="0" anchor="b" anchorCtr="0" compatLnSpc="1">
-            <a:prstTxWarp prst="textNoShape">
-              <a:avLst/>
-            </a:prstTxWarp>
-            <a:noAutofit/>
-          </a:bodyPr>
-          <a:lstStyle/>
-          <a:p>
-            <a:pPr algn="ctr" fontAlgn="ctr">
-              <a:spcBef>
-                <a:spcPts val="0"/>
-              </a:spcBef>
-              <a:spcAft>
-                <a:spcPts val="0"/>
-              </a:spcAft>
-              <a:defRPr/>
-            </a:pPr>
-            <a:r>
-              <a:rPr lang="en-US" altLang="ja-JP" sz="2000" kern="0" dirty="0">
-                <a:solidFill>
-                  <a:prstClr val="white"/>
-                </a:solidFill>
-                <a:latin typeface="+mj-lt"/>
-                <a:ea typeface="HG明朝E" panose="02020909000000000000" pitchFamily="17" charset="-128"/>
-                <a:cs typeface="Arial" pitchFamily="34" charset="0"/>
-              </a:rPr>
-              <a:t>WoT Scripting API</a:t>
-            </a:r>
-          </a:p>
-        </p:txBody>
-      </p:sp>
     </p:spTree>
   </p:cSld>
   <p:clrMapOvr>
@@ -12715,7 +11967,7 @@
       </p:grpSpPr>
       <p:sp>
         <p:nvSpPr>
-          <p:cNvPr id="33" name="角丸四角形 6"/>
+          <p:cNvPr id="38" name="角丸四角形 6"/>
           <p:cNvSpPr/>
           <p:nvPr/>
         </p:nvSpPr>
@@ -12790,67 +12042,7 @@
                 <a:ea typeface="HG明朝E" panose="02020909000000000000" pitchFamily="17" charset="-128"/>
                 <a:cs typeface="Arial" pitchFamily="34" charset="0"/>
               </a:rPr>
-              <a:t>Minimal Servient (Device)</a:t>
-            </a:r>
-          </a:p>
-        </p:txBody>
-      </p:sp>
-      <p:sp>
-        <p:nvSpPr>
-          <p:cNvPr id="66" name="角丸四角形 21"/>
-          <p:cNvSpPr/>
-          <p:nvPr/>
-        </p:nvSpPr>
-        <p:spPr bwMode="auto">
-          <a:xfrm>
-            <a:off x="2843808" y="3844720"/>
-            <a:ext cx="2340000" cy="1512000"/>
-          </a:xfrm>
-          <a:prstGeom prst="roundRect">
-            <a:avLst>
-              <a:gd name="adj" fmla="val 7143"/>
-            </a:avLst>
-          </a:prstGeom>
-          <a:solidFill>
-            <a:srgbClr val="00B050"/>
-          </a:solidFill>
-          <a:ln w="25400" cap="flat" cmpd="sng" algn="ctr">
-            <a:noFill/>
-            <a:prstDash val="solid"/>
-            <a:round/>
-            <a:headEnd type="none" w="med" len="med"/>
-            <a:tailEnd type="none" w="med" len="med"/>
-          </a:ln>
-          <a:effectLst/>
-          <a:extLst/>
-        </p:spPr>
-        <p:txBody>
-          <a:bodyPr vert="horz" wrap="none" lIns="91440" tIns="45720" rIns="91440" bIns="45720" numCol="1" rtlCol="0" anchor="t" anchorCtr="0" compatLnSpc="1">
-            <a:prstTxWarp prst="textNoShape">
-              <a:avLst/>
-            </a:prstTxWarp>
-            <a:noAutofit/>
-          </a:bodyPr>
-          <a:lstStyle/>
-          <a:p>
-            <a:pPr algn="ctr" fontAlgn="ctr">
-              <a:spcBef>
-                <a:spcPts val="0"/>
-              </a:spcBef>
-              <a:spcAft>
-                <a:spcPts val="0"/>
-              </a:spcAft>
-              <a:defRPr/>
-            </a:pPr>
-            <a:r>
-              <a:rPr lang="en-US" altLang="ja-JP" sz="2000" kern="0" dirty="0">
-                <a:solidFill>
-                  <a:prstClr val="white"/>
-                </a:solidFill>
-                <a:ea typeface="HG明朝E" panose="02020909000000000000" pitchFamily="17" charset="-128"/>
-                <a:cs typeface="Arial" pitchFamily="34" charset="0"/>
-              </a:rPr>
-              <a:t>Protocol Binding</a:t>
+              <a:t>Servient (Device)</a:t>
             </a:r>
           </a:p>
         </p:txBody>
@@ -13378,6 +12570,64 @@
               </a:rPr>
               <a:t>FTP</a:t>
             </a:r>
+          </a:p>
+        </p:txBody>
+      </p:sp>
+      <p:sp>
+        <p:nvSpPr>
+          <p:cNvPr id="43" name="角丸四角形 21"/>
+          <p:cNvSpPr/>
+          <p:nvPr/>
+        </p:nvSpPr>
+        <p:spPr bwMode="auto">
+          <a:xfrm>
+            <a:off x="2843808" y="1672527"/>
+            <a:ext cx="4824536" cy="1135800"/>
+          </a:xfrm>
+          <a:prstGeom prst="roundRect">
+            <a:avLst>
+              <a:gd name="adj" fmla="val 10186"/>
+            </a:avLst>
+          </a:prstGeom>
+          <a:solidFill>
+            <a:srgbClr val="8EB4E3"/>
+          </a:solidFill>
+          <a:ln w="25400" cap="flat" cmpd="sng" algn="ctr">
+            <a:noFill/>
+            <a:prstDash val="solid"/>
+            <a:round/>
+            <a:headEnd type="none" w="med" len="med"/>
+            <a:tailEnd type="none" w="med" len="med"/>
+          </a:ln>
+          <a:effectLst/>
+          <a:extLst/>
+        </p:spPr>
+        <p:txBody>
+          <a:bodyPr vert="horz" wrap="none" lIns="91440" tIns="45720" rIns="91440" bIns="45720" numCol="1" rtlCol="0" anchor="t" anchorCtr="0" compatLnSpc="1">
+            <a:prstTxWarp prst="textNoShape">
+              <a:avLst/>
+            </a:prstTxWarp>
+            <a:noAutofit/>
+          </a:bodyPr>
+          <a:lstStyle/>
+          <a:p>
+            <a:pPr algn="ctr" fontAlgn="ctr">
+              <a:spcBef>
+                <a:spcPts val="0"/>
+              </a:spcBef>
+              <a:spcAft>
+                <a:spcPts val="0"/>
+              </a:spcAft>
+              <a:defRPr/>
+            </a:pPr>
+            <a:endParaRPr lang="en-US" altLang="ja-JP" sz="1600" kern="0" dirty="0">
+              <a:solidFill>
+                <a:prstClr val="black"/>
+              </a:solidFill>
+              <a:latin typeface="+mj-lt"/>
+              <a:ea typeface="HG明朝E" panose="02020909000000000000" pitchFamily="17" charset="-128"/>
+              <a:cs typeface="Arial" pitchFamily="34" charset="0"/>
+            </a:endParaRPr>
           </a:p>
         </p:txBody>
       </p:sp>
@@ -13826,6 +13076,66 @@
       </p:sp>
       <p:sp>
         <p:nvSpPr>
+          <p:cNvPr id="53" name="角丸四角形 21"/>
+          <p:cNvSpPr/>
+          <p:nvPr/>
+        </p:nvSpPr>
+        <p:spPr bwMode="auto">
+          <a:xfrm>
+            <a:off x="2843808" y="3844720"/>
+            <a:ext cx="2340000" cy="1512000"/>
+          </a:xfrm>
+          <a:prstGeom prst="roundRect">
+            <a:avLst>
+              <a:gd name="adj" fmla="val 7143"/>
+            </a:avLst>
+          </a:prstGeom>
+          <a:solidFill>
+            <a:srgbClr val="00B050"/>
+          </a:solidFill>
+          <a:ln w="25400" cap="flat" cmpd="sng" algn="ctr">
+            <a:noFill/>
+            <a:prstDash val="solid"/>
+            <a:round/>
+            <a:headEnd type="none" w="med" len="med"/>
+            <a:tailEnd type="none" w="med" len="med"/>
+          </a:ln>
+          <a:effectLst/>
+          <a:extLst/>
+        </p:spPr>
+        <p:txBody>
+          <a:bodyPr vert="horz" wrap="none" lIns="91440" tIns="45720" rIns="91440" bIns="45720" numCol="1" rtlCol="0" anchor="t" anchorCtr="0" compatLnSpc="1">
+            <a:prstTxWarp prst="textNoShape">
+              <a:avLst/>
+            </a:prstTxWarp>
+            <a:noAutofit/>
+          </a:bodyPr>
+          <a:lstStyle/>
+          <a:p>
+            <a:pPr algn="ctr" fontAlgn="ctr">
+              <a:spcBef>
+                <a:spcPts val="0"/>
+              </a:spcBef>
+              <a:spcAft>
+                <a:spcPts val="0"/>
+              </a:spcAft>
+              <a:defRPr/>
+            </a:pPr>
+            <a:r>
+              <a:rPr lang="en-US" altLang="ja-JP" sz="2000" kern="0" dirty="0">
+                <a:solidFill>
+                  <a:prstClr val="white"/>
+                </a:solidFill>
+                <a:ea typeface="HG明朝E" panose="02020909000000000000" pitchFamily="17" charset="-128"/>
+                <a:cs typeface="Arial" pitchFamily="34" charset="0"/>
+              </a:rPr>
+              <a:t>Protocol Bindings</a:t>
+            </a:r>
+          </a:p>
+        </p:txBody>
+      </p:sp>
+      <p:sp>
+        <p:nvSpPr>
           <p:cNvPr id="54" name="角丸四角形 21"/>
           <p:cNvSpPr/>
           <p:nvPr/>
@@ -13883,7 +13193,7 @@
                 <a:ea typeface="HG明朝E" panose="02020909000000000000" pitchFamily="17" charset="-128"/>
                 <a:cs typeface="Arial" pitchFamily="34" charset="0"/>
               </a:rPr>
-              <a:t>Driver API</a:t>
+              <a:t>System API</a:t>
             </a:r>
           </a:p>
         </p:txBody>
@@ -13968,25 +13278,99 @@
       </p:sp>
       <p:sp>
         <p:nvSpPr>
-          <p:cNvPr id="58" name="角丸四角形 21"/>
+          <p:cNvPr id="59" name="Abgerundetes Rechteck 58"/>
           <p:cNvSpPr/>
           <p:nvPr/>
         </p:nvSpPr>
+        <p:spPr>
+          <a:xfrm>
+            <a:off x="5866551" y="1869267"/>
+            <a:ext cx="1656184" cy="393538"/>
+          </a:xfrm>
+          <a:prstGeom prst="roundRect">
+            <a:avLst/>
+          </a:prstGeom>
+          <a:solidFill>
+            <a:srgbClr val="FFFF99"/>
+          </a:solidFill>
+          <a:ln w="6350">
+            <a:solidFill>
+              <a:schemeClr val="tx1"/>
+            </a:solidFill>
+          </a:ln>
+        </p:spPr>
+        <p:style>
+          <a:lnRef idx="2">
+            <a:schemeClr val="accent1">
+              <a:shade val="50000"/>
+            </a:schemeClr>
+          </a:lnRef>
+          <a:fillRef idx="1">
+            <a:schemeClr val="accent1"/>
+          </a:fillRef>
+          <a:effectRef idx="0">
+            <a:schemeClr val="accent1"/>
+          </a:effectRef>
+          <a:fontRef idx="minor">
+            <a:schemeClr val="lt1"/>
+          </a:fontRef>
+        </p:style>
+        <p:txBody>
+          <a:bodyPr rtlCol="0" anchor="ctr"/>
+          <a:lstStyle/>
+          <a:p>
+            <a:pPr algn="ctr"/>
+            <a:r>
+              <a:rPr lang="de-DE" sz="1400" dirty="0">
+                <a:solidFill>
+                  <a:schemeClr val="tx1"/>
+                </a:solidFill>
+                <a:latin typeface="+mj-lt"/>
+                <a:cs typeface="Arial" pitchFamily="34" charset="0"/>
+              </a:rPr>
+              <a:t>Security </a:t>
+            </a:r>
+            <a:r>
+              <a:rPr lang="de-DE" sz="1400" dirty="0" err="1">
+                <a:solidFill>
+                  <a:schemeClr val="tx1"/>
+                </a:solidFill>
+                <a:latin typeface="+mj-lt"/>
+                <a:cs typeface="Arial" pitchFamily="34" charset="0"/>
+              </a:rPr>
+              <a:t>Metadata</a:t>
+            </a:r>
+            <a:endParaRPr lang="de-DE" sz="1400" dirty="0">
+              <a:solidFill>
+                <a:schemeClr val="tx1"/>
+              </a:solidFill>
+              <a:latin typeface="+mj-lt"/>
+              <a:cs typeface="Arial" pitchFamily="34" charset="0"/>
+            </a:endParaRPr>
+          </a:p>
+        </p:txBody>
+      </p:sp>
+      <p:sp>
+        <p:nvSpPr>
+          <p:cNvPr id="60" name="縦巻き 49"/>
+          <p:cNvSpPr/>
+          <p:nvPr/>
+        </p:nvSpPr>
         <p:spPr bwMode="auto">
           <a:xfrm>
-            <a:off x="2843808" y="1671320"/>
-            <a:ext cx="4824536" cy="2045123"/>
-          </a:xfrm>
-          <a:prstGeom prst="roundRect">
-            <a:avLst>
-              <a:gd name="adj" fmla="val 5281"/>
-            </a:avLst>
+            <a:off x="2987824" y="1855199"/>
+            <a:ext cx="2664296" cy="421673"/>
+          </a:xfrm>
+          <a:prstGeom prst="verticalScroll">
+            <a:avLst/>
           </a:prstGeom>
           <a:solidFill>
-            <a:srgbClr val="005A9C"/>
+            <a:sysClr val="window" lastClr="FFFFFF"/>
           </a:solidFill>
-          <a:ln w="25400" cap="flat" cmpd="sng" algn="ctr">
-            <a:noFill/>
+          <a:ln w="6350" cap="flat" cmpd="sng" algn="ctr">
+            <a:solidFill>
+              <a:sysClr val="windowText" lastClr="000000"/>
+            </a:solidFill>
             <a:prstDash val="solid"/>
             <a:round/>
             <a:headEnd type="none" w="med" len="med"/>
@@ -13996,7 +13380,7 @@
           <a:extLst/>
         </p:spPr>
         <p:txBody>
-          <a:bodyPr vert="horz" wrap="none" lIns="91440" tIns="45720" rIns="91440" bIns="90000" numCol="1" rtlCol="0" anchor="ctr" anchorCtr="0" compatLnSpc="1">
+          <a:bodyPr vert="horz" wrap="none" lIns="91440" tIns="45720" rIns="91440" bIns="45720" numCol="1" rtlCol="0" anchor="ctr" anchorCtr="0" compatLnSpc="1">
             <a:prstTxWarp prst="textNoShape">
               <a:avLst/>
             </a:prstTxWarp>
@@ -14004,38 +13388,52 @@
           </a:bodyPr>
           <a:lstStyle/>
           <a:p>
-            <a:pPr algn="ctr" fontAlgn="ctr">
+            <a:pPr marL="0" marR="0" lvl="0" indent="0" algn="ctr" defTabSz="914400" eaLnBrk="1" fontAlgn="ctr" latinLnBrk="0" hangingPunct="1">
+              <a:lnSpc>
+                <a:spcPct val="100000"/>
+              </a:lnSpc>
               <a:spcBef>
                 <a:spcPts val="0"/>
               </a:spcBef>
               <a:spcAft>
                 <a:spcPts val="0"/>
               </a:spcAft>
+              <a:buClrTx/>
+              <a:buSzTx/>
+              <a:buFontTx/>
+              <a:buNone/>
+              <a:tabLst/>
               <a:defRPr/>
             </a:pPr>
             <a:r>
-              <a:rPr lang="en-US" altLang="ja-JP" sz="2000" kern="0" dirty="0">
-                <a:solidFill>
-                  <a:prstClr val="white"/>
-                </a:solidFill>
+              <a:rPr kumimoji="0" lang="en-US" altLang="ja-JP" b="0" i="0" u="none" strike="noStrike" kern="0" cap="none" spc="0" normalizeH="0" baseline="0" dirty="0">
+                <a:ln>
+                  <a:noFill/>
+                </a:ln>
+                <a:solidFill>
+                  <a:prstClr val="black"/>
+                </a:solidFill>
+                <a:effectLst/>
+                <a:uLnTx/>
+                <a:uFillTx/>
                 <a:latin typeface="+mj-lt"/>
                 <a:ea typeface="HG明朝E" panose="02020909000000000000" pitchFamily="17" charset="-128"/>
                 <a:cs typeface="Arial" pitchFamily="34" charset="0"/>
               </a:rPr>
-              <a:t>Firmware</a:t>
-            </a:r>
-          </a:p>
-        </p:txBody>
-      </p:sp>
-      <p:sp>
-        <p:nvSpPr>
-          <p:cNvPr id="72" name="Rechteck 71"/>
+              <a:t>Application Script</a:t>
+            </a:r>
+          </a:p>
+        </p:txBody>
+      </p:sp>
+      <p:sp>
+        <p:nvSpPr>
+          <p:cNvPr id="70" name="Rechteck 69"/>
           <p:cNvSpPr/>
           <p:nvPr/>
         </p:nvSpPr>
         <p:spPr>
           <a:xfrm>
-            <a:off x="4104000" y="4348776"/>
+            <a:off x="2987824" y="4348776"/>
             <a:ext cx="936000" cy="360040"/>
           </a:xfrm>
           <a:prstGeom prst="rect">
@@ -14072,6 +13470,120 @@
           <a:p>
             <a:pPr algn="ctr"/>
             <a:r>
+              <a:rPr lang="de-DE" sz="1400" dirty="0">
+                <a:solidFill>
+                  <a:schemeClr val="bg1"/>
+                </a:solidFill>
+                <a:latin typeface="+mj-lt"/>
+                <a:cs typeface="Arial" pitchFamily="34" charset="0"/>
+              </a:rPr>
+              <a:t>HTTP(S)</a:t>
+            </a:r>
+          </a:p>
+        </p:txBody>
+      </p:sp>
+      <p:sp>
+        <p:nvSpPr>
+          <p:cNvPr id="71" name="Rechteck 70"/>
+          <p:cNvSpPr/>
+          <p:nvPr/>
+        </p:nvSpPr>
+        <p:spPr>
+          <a:xfrm>
+            <a:off x="2987824" y="4852832"/>
+            <a:ext cx="936000" cy="360040"/>
+          </a:xfrm>
+          <a:prstGeom prst="rect">
+            <a:avLst/>
+          </a:prstGeom>
+          <a:solidFill>
+            <a:srgbClr val="008000"/>
+          </a:solidFill>
+          <a:ln w="6350">
+            <a:solidFill>
+              <a:schemeClr val="tx1"/>
+            </a:solidFill>
+          </a:ln>
+        </p:spPr>
+        <p:style>
+          <a:lnRef idx="2">
+            <a:schemeClr val="accent3">
+              <a:shade val="50000"/>
+            </a:schemeClr>
+          </a:lnRef>
+          <a:fillRef idx="1">
+            <a:schemeClr val="accent3"/>
+          </a:fillRef>
+          <a:effectRef idx="0">
+            <a:schemeClr val="accent3"/>
+          </a:effectRef>
+          <a:fontRef idx="minor">
+            <a:schemeClr val="lt1"/>
+          </a:fontRef>
+        </p:style>
+        <p:txBody>
+          <a:bodyPr rtlCol="0" anchor="ctr"/>
+          <a:lstStyle/>
+          <a:p>
+            <a:pPr algn="ctr"/>
+            <a:r>
+              <a:rPr lang="de-DE" sz="1400" dirty="0">
+                <a:solidFill>
+                  <a:schemeClr val="bg1"/>
+                </a:solidFill>
+                <a:latin typeface="+mj-lt"/>
+                <a:cs typeface="Arial" pitchFamily="34" charset="0"/>
+              </a:rPr>
+              <a:t>…</a:t>
+            </a:r>
+          </a:p>
+        </p:txBody>
+      </p:sp>
+      <p:sp>
+        <p:nvSpPr>
+          <p:cNvPr id="72" name="Rechteck 71"/>
+          <p:cNvSpPr/>
+          <p:nvPr/>
+        </p:nvSpPr>
+        <p:spPr>
+          <a:xfrm>
+            <a:off x="4104000" y="4348776"/>
+            <a:ext cx="936000" cy="360040"/>
+          </a:xfrm>
+          <a:prstGeom prst="rect">
+            <a:avLst/>
+          </a:prstGeom>
+          <a:solidFill>
+            <a:srgbClr val="008000"/>
+          </a:solidFill>
+          <a:ln w="6350">
+            <a:solidFill>
+              <a:schemeClr val="tx1"/>
+            </a:solidFill>
+          </a:ln>
+        </p:spPr>
+        <p:style>
+          <a:lnRef idx="2">
+            <a:schemeClr val="accent3">
+              <a:shade val="50000"/>
+            </a:schemeClr>
+          </a:lnRef>
+          <a:fillRef idx="1">
+            <a:schemeClr val="accent3"/>
+          </a:fillRef>
+          <a:effectRef idx="0">
+            <a:schemeClr val="accent3"/>
+          </a:effectRef>
+          <a:fontRef idx="minor">
+            <a:schemeClr val="lt1"/>
+          </a:fontRef>
+        </p:style>
+        <p:txBody>
+          <a:bodyPr rtlCol="0" anchor="ctr"/>
+          <a:lstStyle/>
+          <a:p>
+            <a:pPr algn="ctr"/>
+            <a:r>
               <a:rPr lang="de-DE" sz="1400" dirty="0" err="1">
                 <a:solidFill>
                   <a:schemeClr val="bg1"/>
@@ -14099,43 +13611,70 @@
           </a:p>
         </p:txBody>
       </p:sp>
-      <p:pic>
-        <p:nvPicPr>
-          <p:cNvPr id="39" name="Picture 1"/>
-          <p:cNvPicPr>
-            <a:picLocks noChangeAspect="1" noChangeArrowheads="1"/>
-          </p:cNvPicPr>
-          <p:nvPr/>
-        </p:nvPicPr>
-        <p:blipFill>
-          <a:blip r:embed="rId3" cstate="print"/>
-          <a:srcRect/>
-          <a:stretch>
-            <a:fillRect/>
-          </a:stretch>
-        </p:blipFill>
-        <p:spPr bwMode="auto">
-          <a:xfrm>
-            <a:off x="2195736" y="702321"/>
-            <a:ext cx="1332992" cy="1512168"/>
+      <p:sp>
+        <p:nvSpPr>
+          <p:cNvPr id="73" name="Rechteck 72"/>
+          <p:cNvSpPr/>
+          <p:nvPr/>
+        </p:nvSpPr>
+        <p:spPr>
+          <a:xfrm>
+            <a:off x="4104000" y="4852832"/>
+            <a:ext cx="936000" cy="360040"/>
           </a:xfrm>
           <a:prstGeom prst="rect">
             <a:avLst/>
           </a:prstGeom>
-          <a:noFill/>
-          <a:ln w="9525">
-            <a:noFill/>
-            <a:miter lim="800000"/>
-            <a:headEnd/>
-            <a:tailEnd/>
-          </a:ln>
-          <a:effectLst/>
-        </p:spPr>
-      </p:pic>
+          <a:solidFill>
+            <a:srgbClr val="008000"/>
+          </a:solidFill>
+          <a:ln w="6350">
+            <a:solidFill>
+              <a:schemeClr val="tx1"/>
+            </a:solidFill>
+          </a:ln>
+        </p:spPr>
+        <p:style>
+          <a:lnRef idx="2">
+            <a:schemeClr val="accent3">
+              <a:shade val="50000"/>
+            </a:schemeClr>
+          </a:lnRef>
+          <a:fillRef idx="1">
+            <a:schemeClr val="accent3"/>
+          </a:fillRef>
+          <a:effectRef idx="0">
+            <a:schemeClr val="accent3"/>
+          </a:effectRef>
+          <a:fontRef idx="minor">
+            <a:schemeClr val="lt1"/>
+          </a:fontRef>
+        </p:style>
+        <p:txBody>
+          <a:bodyPr rtlCol="0" anchor="ctr"/>
+          <a:lstStyle/>
+          <a:p>
+            <a:pPr algn="ctr"/>
+            <a:r>
+              <a:rPr lang="de-DE" sz="1400" dirty="0">
+                <a:solidFill>
+                  <a:schemeClr val="bg1"/>
+                </a:solidFill>
+                <a:latin typeface="+mj-lt"/>
+                <a:cs typeface="Arial" pitchFamily="34" charset="0"/>
+              </a:rPr>
+              <a:t>MQTT</a:t>
+            </a:r>
+          </a:p>
+        </p:txBody>
+      </p:sp>
       <p:cxnSp>
         <p:nvCxnSpPr>
-          <p:cNvPr id="68" name="Gewinkelte Verbindung 67"/>
-          <p:cNvCxnSpPr/>
+          <p:cNvPr id="56" name="Gewinkelte Verbindung 55"/>
+          <p:cNvCxnSpPr>
+            <a:stCxn id="25" idx="2"/>
+            <a:endCxn id="53" idx="2"/>
+          </p:cNvCxnSpPr>
           <p:nvPr/>
         </p:nvCxnSpPr>
         <p:spPr>
@@ -14172,50 +13711,73 @@
       </p:cxnSp>
       <p:pic>
         <p:nvPicPr>
-          <p:cNvPr id="31" name="Picture 2"/>
+          <p:cNvPr id="37" name="Picture 6" descr="https://www.adafruit.com/includes/templates/adafruit2013/images/little_pi.png"/>
           <p:cNvPicPr>
-            <a:picLocks noChangeAspect="1"/>
+            <a:picLocks noChangeAspect="1" noChangeArrowheads="1"/>
           </p:cNvPicPr>
           <p:nvPr/>
         </p:nvPicPr>
         <p:blipFill>
-          <a:blip r:embed="rId4" cstate="print">
-            <a:extLst>
-              <a:ext uri="{BEBA8EAE-BF5A-486C-A8C5-ECC9F3942E4B}">
-                <a14:imgProps xmlns:a14="http://schemas.microsoft.com/office/drawing/2010/main">
-                  <a14:imgLayer r:embed="rId5">
-                    <a14:imgEffect>
-                      <a14:backgroundRemoval t="10000" b="90000" l="10000" r="90000"/>
-                    </a14:imgEffect>
-                  </a14:imgLayer>
-                </a14:imgProps>
-              </a:ext>
-            </a:extLst>
-          </a:blip>
+          <a:blip r:embed="rId3" cstate="print"/>
+          <a:srcRect/>
           <a:stretch>
             <a:fillRect/>
           </a:stretch>
         </p:blipFill>
-        <p:spPr>
-          <a:xfrm>
-            <a:off x="5225065" y="4869160"/>
-            <a:ext cx="1536170" cy="1152128"/>
+        <p:spPr bwMode="auto">
+          <a:xfrm>
+            <a:off x="1979712" y="476672"/>
+            <a:ext cx="1821802" cy="1656184"/>
           </a:xfrm>
           <a:prstGeom prst="rect">
             <a:avLst/>
           </a:prstGeom>
+          <a:noFill/>
         </p:spPr>
       </p:pic>
-      <p:sp>
-        <p:nvSpPr>
-          <p:cNvPr id="34" name="角丸四角形 21"/>
+      <p:pic>
+        <p:nvPicPr>
+          <p:cNvPr id="1026" name="Picture 2"/>
+          <p:cNvPicPr>
+            <a:picLocks noChangeAspect="1" noChangeArrowheads="1"/>
+          </p:cNvPicPr>
+          <p:nvPr/>
+        </p:nvPicPr>
+        <p:blipFill>
+          <a:blip r:embed="rId4" cstate="print"/>
+          <a:srcRect/>
+          <a:stretch>
+            <a:fillRect/>
+          </a:stretch>
+        </p:blipFill>
+        <p:spPr bwMode="auto">
+          <a:xfrm>
+            <a:off x="5292080" y="5042051"/>
+            <a:ext cx="1370434" cy="1008112"/>
+          </a:xfrm>
+          <a:prstGeom prst="rect">
+            <a:avLst/>
+          </a:prstGeom>
+          <a:noFill/>
+          <a:ln w="9525">
+            <a:noFill/>
+            <a:miter lim="800000"/>
+            <a:headEnd/>
+            <a:tailEnd/>
+          </a:ln>
+          <a:effectLst/>
+        </p:spPr>
+      </p:pic>
+      <p:sp>
+        <p:nvSpPr>
+          <p:cNvPr id="39" name="角丸四角形 21"/>
           <p:cNvSpPr/>
           <p:nvPr/>
         </p:nvSpPr>
         <p:spPr bwMode="auto">
           <a:xfrm>
-            <a:off x="-2394149" y="2637424"/>
-            <a:ext cx="2340000" cy="1079531"/>
+            <a:off x="2843808" y="2636912"/>
+            <a:ext cx="4824534" cy="1079531"/>
           </a:xfrm>
           <a:prstGeom prst="roundRect">
             <a:avLst>
@@ -14266,7 +13828,186 @@
       </p:sp>
       <p:sp>
         <p:nvSpPr>
-          <p:cNvPr id="35" name="角丸四角形 21"/>
+          <p:cNvPr id="40" name="角丸四角形 21"/>
+          <p:cNvSpPr/>
+          <p:nvPr/>
+        </p:nvSpPr>
+        <p:spPr bwMode="auto">
+          <a:xfrm>
+            <a:off x="2843808" y="3030855"/>
+            <a:ext cx="4824534" cy="685589"/>
+          </a:xfrm>
+          <a:prstGeom prst="roundRect">
+            <a:avLst>
+              <a:gd name="adj" fmla="val 22240"/>
+            </a:avLst>
+          </a:prstGeom>
+          <a:solidFill>
+            <a:srgbClr val="4A7B7C"/>
+          </a:solidFill>
+          <a:ln w="25400" cap="flat" cmpd="sng" algn="ctr">
+            <a:noFill/>
+            <a:prstDash val="solid"/>
+            <a:round/>
+            <a:headEnd type="none" w="med" len="med"/>
+            <a:tailEnd type="none" w="med" len="med"/>
+          </a:ln>
+          <a:effectLst/>
+          <a:extLst/>
+        </p:spPr>
+        <p:txBody>
+          <a:bodyPr vert="horz" wrap="none" lIns="91440" tIns="45720" rIns="91440" bIns="45720" numCol="1" rtlCol="0" anchor="ctr" anchorCtr="0" compatLnSpc="1">
+            <a:prstTxWarp prst="textNoShape">
+              <a:avLst/>
+            </a:prstTxWarp>
+            <a:noAutofit/>
+          </a:bodyPr>
+          <a:lstStyle/>
+          <a:p>
+            <a:pPr algn="ctr" fontAlgn="ctr">
+              <a:spcBef>
+                <a:spcPts val="0"/>
+              </a:spcBef>
+              <a:spcAft>
+                <a:spcPts val="0"/>
+              </a:spcAft>
+              <a:defRPr/>
+            </a:pPr>
+            <a:r>
+              <a:rPr lang="en-US" altLang="ja-JP" sz="2000" kern="0" dirty="0">
+                <a:solidFill>
+                  <a:prstClr val="white"/>
+                </a:solidFill>
+                <a:ea typeface="HG明朝E" panose="02020909000000000000" pitchFamily="17" charset="-128"/>
+                <a:cs typeface="Arial" pitchFamily="34" charset="0"/>
+              </a:rPr>
+              <a:t>WoT Runtime</a:t>
+            </a:r>
+          </a:p>
+        </p:txBody>
+      </p:sp>
+      <p:sp>
+        <p:nvSpPr>
+          <p:cNvPr id="58" name="角丸四角形 21"/>
+          <p:cNvSpPr/>
+          <p:nvPr/>
+        </p:nvSpPr>
+        <p:spPr bwMode="auto">
+          <a:xfrm>
+            <a:off x="2843808" y="2446766"/>
+            <a:ext cx="4824536" cy="576000"/>
+          </a:xfrm>
+          <a:prstGeom prst="roundRect">
+            <a:avLst>
+              <a:gd name="adj" fmla="val 18750"/>
+            </a:avLst>
+          </a:prstGeom>
+          <a:solidFill>
+            <a:srgbClr val="005A9C"/>
+          </a:solidFill>
+          <a:ln w="25400" cap="flat" cmpd="sng" algn="ctr">
+            <a:noFill/>
+            <a:prstDash val="solid"/>
+            <a:round/>
+            <a:headEnd type="none" w="med" len="med"/>
+            <a:tailEnd type="none" w="med" len="med"/>
+          </a:ln>
+          <a:effectLst/>
+          <a:extLst/>
+        </p:spPr>
+        <p:txBody>
+          <a:bodyPr vert="horz" wrap="none" lIns="91440" tIns="45720" rIns="91440" bIns="90000" numCol="1" rtlCol="0" anchor="b" anchorCtr="0" compatLnSpc="1">
+            <a:prstTxWarp prst="textNoShape">
+              <a:avLst/>
+            </a:prstTxWarp>
+            <a:noAutofit/>
+          </a:bodyPr>
+          <a:lstStyle/>
+          <a:p>
+            <a:pPr algn="ctr" fontAlgn="ctr">
+              <a:spcBef>
+                <a:spcPts val="0"/>
+              </a:spcBef>
+              <a:spcAft>
+                <a:spcPts val="0"/>
+              </a:spcAft>
+              <a:defRPr/>
+            </a:pPr>
+            <a:r>
+              <a:rPr lang="en-US" altLang="ja-JP" sz="2000" kern="0" dirty="0">
+                <a:solidFill>
+                  <a:prstClr val="white"/>
+                </a:solidFill>
+                <a:latin typeface="+mj-lt"/>
+                <a:ea typeface="HG明朝E" panose="02020909000000000000" pitchFamily="17" charset="-128"/>
+                <a:cs typeface="Arial" pitchFamily="34" charset="0"/>
+              </a:rPr>
+              <a:t>WoT Scripting API</a:t>
+            </a:r>
+          </a:p>
+        </p:txBody>
+      </p:sp>
+      <p:sp>
+        <p:nvSpPr>
+          <p:cNvPr id="44" name="角丸四角形 21"/>
+          <p:cNvSpPr/>
+          <p:nvPr/>
+        </p:nvSpPr>
+        <p:spPr bwMode="auto">
+          <a:xfrm>
+            <a:off x="-2394149" y="2637424"/>
+            <a:ext cx="2340000" cy="1079531"/>
+          </a:xfrm>
+          <a:prstGeom prst="roundRect">
+            <a:avLst>
+              <a:gd name="adj" fmla="val 25084"/>
+            </a:avLst>
+          </a:prstGeom>
+          <a:solidFill>
+            <a:srgbClr val="4A7B7C"/>
+          </a:solidFill>
+          <a:ln w="25400" cap="flat" cmpd="sng" algn="ctr">
+            <a:noFill/>
+            <a:prstDash val="solid"/>
+            <a:round/>
+            <a:headEnd type="none" w="med" len="med"/>
+            <a:tailEnd type="none" w="med" len="med"/>
+          </a:ln>
+          <a:effectLst/>
+          <a:extLst/>
+        </p:spPr>
+        <p:txBody>
+          <a:bodyPr vert="horz" wrap="none" lIns="91440" tIns="45720" rIns="91440" bIns="45720" numCol="1" rtlCol="0" anchor="ctr" anchorCtr="0" compatLnSpc="1">
+            <a:prstTxWarp prst="textNoShape">
+              <a:avLst/>
+            </a:prstTxWarp>
+            <a:noAutofit/>
+          </a:bodyPr>
+          <a:lstStyle/>
+          <a:p>
+            <a:pPr algn="ctr" fontAlgn="ctr">
+              <a:spcBef>
+                <a:spcPts val="0"/>
+              </a:spcBef>
+              <a:spcAft>
+                <a:spcPts val="0"/>
+              </a:spcAft>
+              <a:defRPr/>
+            </a:pPr>
+            <a:endParaRPr lang="en-US" altLang="ja-JP" sz="2000" kern="0" dirty="0">
+              <a:solidFill>
+                <a:prstClr val="white"/>
+              </a:solidFill>
+              <a:latin typeface="+mj-lt"/>
+              <a:ea typeface="HG明朝E" panose="02020909000000000000" pitchFamily="17" charset="-128"/>
+              <a:cs typeface="Arial" pitchFamily="34" charset="0"/>
+            </a:endParaRPr>
+          </a:p>
+        </p:txBody>
+      </p:sp>
+      <p:sp>
+        <p:nvSpPr>
+          <p:cNvPr id="46" name="角丸四角形 21"/>
           <p:cNvSpPr/>
           <p:nvPr/>
         </p:nvSpPr>
@@ -14412,13 +14153,155 @@
       </p:grpSpPr>
       <p:sp>
         <p:nvSpPr>
+          <p:cNvPr id="33" name="角丸四角形 6"/>
+          <p:cNvSpPr/>
+          <p:nvPr/>
+        </p:nvSpPr>
+        <p:spPr bwMode="auto">
+          <a:xfrm>
+            <a:off x="2699792" y="1150070"/>
+            <a:ext cx="5112568" cy="4366650"/>
+          </a:xfrm>
+          <a:prstGeom prst="roundRect">
+            <a:avLst>
+              <a:gd name="adj" fmla="val 4472"/>
+            </a:avLst>
+          </a:prstGeom>
+          <a:solidFill>
+            <a:sysClr val="window" lastClr="FFFFFF">
+              <a:lumMod val="50000"/>
+            </a:sysClr>
+          </a:solidFill>
+          <a:ln w="9525" cap="flat" cmpd="sng" algn="ctr">
+            <a:noFill/>
+            <a:prstDash val="solid"/>
+            <a:headEnd type="none" w="med" len="med"/>
+            <a:tailEnd type="none" w="med" len="med"/>
+          </a:ln>
+          <a:effectLst>
+            <a:outerShdw blurRad="76200" dist="50800" dir="2700000" rotWithShape="0">
+              <a:srgbClr val="000000">
+                <a:alpha val="30000"/>
+              </a:srgbClr>
+            </a:outerShdw>
+          </a:effectLst>
+          <a:extLst/>
+        </p:spPr>
+        <p:txBody>
+          <a:bodyPr vert="horz" wrap="none" lIns="91440" tIns="36000" rIns="91440" bIns="72000" numCol="1" rtlCol="0" anchor="t" anchorCtr="0" compatLnSpc="1">
+            <a:prstTxWarp prst="textNoShape">
+              <a:avLst/>
+            </a:prstTxWarp>
+            <a:noAutofit/>
+          </a:bodyPr>
+          <a:lstStyle/>
+          <a:p>
+            <a:pPr marL="0" marR="0" lvl="0" indent="0" algn="ctr" defTabSz="914400" eaLnBrk="1" fontAlgn="ctr" latinLnBrk="0" hangingPunct="1">
+              <a:lnSpc>
+                <a:spcPct val="100000"/>
+              </a:lnSpc>
+              <a:spcBef>
+                <a:spcPts val="0"/>
+              </a:spcBef>
+              <a:spcAft>
+                <a:spcPts val="0"/>
+              </a:spcAft>
+              <a:buClrTx/>
+              <a:buSzTx/>
+              <a:buFontTx/>
+              <a:buNone/>
+              <a:tabLst/>
+              <a:defRPr/>
+            </a:pPr>
+            <a:r>
+              <a:rPr kumimoji="0" lang="en-US" altLang="ja-JP" sz="2000" b="1" i="0" u="none" strike="noStrike" kern="0" cap="none" spc="0" normalizeH="0" baseline="0" dirty="0">
+                <a:ln>
+                  <a:noFill/>
+                </a:ln>
+                <a:solidFill>
+                  <a:srgbClr val="000000"/>
+                </a:solidFill>
+                <a:effectLst/>
+                <a:uLnTx/>
+                <a:uFillTx/>
+                <a:latin typeface="+mj-lt"/>
+                <a:ea typeface="HG明朝E" panose="02020909000000000000" pitchFamily="17" charset="-128"/>
+                <a:cs typeface="Arial" pitchFamily="34" charset="0"/>
+              </a:rPr>
+              <a:t>Minimal Servient (Device)</a:t>
+            </a:r>
+          </a:p>
+        </p:txBody>
+      </p:sp>
+      <p:sp>
+        <p:nvSpPr>
+          <p:cNvPr id="66" name="角丸四角形 21"/>
+          <p:cNvSpPr/>
+          <p:nvPr/>
+        </p:nvSpPr>
+        <p:spPr bwMode="auto">
+          <a:xfrm>
+            <a:off x="2843808" y="3844720"/>
+            <a:ext cx="2340000" cy="1512000"/>
+          </a:xfrm>
+          <a:prstGeom prst="roundRect">
+            <a:avLst>
+              <a:gd name="adj" fmla="val 7143"/>
+            </a:avLst>
+          </a:prstGeom>
+          <a:solidFill>
+            <a:srgbClr val="00B050"/>
+          </a:solidFill>
+          <a:ln w="25400" cap="flat" cmpd="sng" algn="ctr">
+            <a:noFill/>
+            <a:prstDash val="solid"/>
+            <a:round/>
+            <a:headEnd type="none" w="med" len="med"/>
+            <a:tailEnd type="none" w="med" len="med"/>
+          </a:ln>
+          <a:effectLst/>
+          <a:extLst/>
+        </p:spPr>
+        <p:txBody>
+          <a:bodyPr vert="horz" wrap="none" lIns="91440" tIns="45720" rIns="91440" bIns="45720" numCol="1" rtlCol="0" anchor="t" anchorCtr="0" compatLnSpc="1">
+            <a:prstTxWarp prst="textNoShape">
+              <a:avLst/>
+            </a:prstTxWarp>
+            <a:noAutofit/>
+          </a:bodyPr>
+          <a:lstStyle/>
+          <a:p>
+            <a:pPr algn="ctr" fontAlgn="ctr">
+              <a:spcBef>
+                <a:spcPts val="0"/>
+              </a:spcBef>
+              <a:spcAft>
+                <a:spcPts val="0"/>
+              </a:spcAft>
+              <a:defRPr/>
+            </a:pPr>
+            <a:r>
+              <a:rPr lang="en-US" altLang="ja-JP" sz="2000" kern="0" dirty="0">
+                <a:solidFill>
+                  <a:prstClr val="white"/>
+                </a:solidFill>
+                <a:ea typeface="HG明朝E" panose="02020909000000000000" pitchFamily="17" charset="-128"/>
+                <a:cs typeface="Arial" pitchFamily="34" charset="0"/>
+              </a:rPr>
+              <a:t>Protocol Binding</a:t>
+            </a:r>
+          </a:p>
+        </p:txBody>
+      </p:sp>
+      <p:sp>
+        <p:nvSpPr>
           <p:cNvPr id="23" name="角丸四角形 6"/>
           <p:cNvSpPr/>
           <p:nvPr/>
         </p:nvSpPr>
         <p:spPr bwMode="auto">
           <a:xfrm>
-            <a:off x="-2556298" y="1152000"/>
+            <a:off x="-2556298" y="1150070"/>
             <a:ext cx="2664296" cy="4366800"/>
           </a:xfrm>
           <a:prstGeom prst="roundRect">
@@ -14933,125 +14816,6 @@
               </a:rPr>
               <a:t>FTP</a:t>
             </a:r>
-          </a:p>
-        </p:txBody>
-      </p:sp>
-      <p:sp>
-        <p:nvSpPr>
-          <p:cNvPr id="36" name="角丸四角形 6"/>
-          <p:cNvSpPr/>
-          <p:nvPr/>
-        </p:nvSpPr>
-        <p:spPr bwMode="auto">
-          <a:xfrm>
-            <a:off x="2699792" y="1152000"/>
-            <a:ext cx="5112568" cy="4366650"/>
-          </a:xfrm>
-          <a:prstGeom prst="roundRect">
-            <a:avLst>
-              <a:gd name="adj" fmla="val 4472"/>
-            </a:avLst>
-          </a:prstGeom>
-          <a:solidFill>
-            <a:sysClr val="window" lastClr="FFFFFF">
-              <a:lumMod val="50000"/>
-            </a:sysClr>
-          </a:solidFill>
-          <a:ln w="9525" cap="flat" cmpd="sng" algn="ctr">
-            <a:noFill/>
-            <a:prstDash val="solid"/>
-            <a:headEnd type="none" w="med" len="med"/>
-            <a:tailEnd type="none" w="med" len="med"/>
-          </a:ln>
-          <a:effectLst>
-            <a:outerShdw blurRad="76200" dist="50800" dir="2700000" rotWithShape="0">
-              <a:srgbClr val="000000">
-                <a:alpha val="30000"/>
-              </a:srgbClr>
-            </a:outerShdw>
-          </a:effectLst>
-          <a:extLst/>
-        </p:spPr>
-        <p:txBody>
-          <a:bodyPr vert="horz" wrap="none" lIns="91440" tIns="36000" rIns="91440" bIns="72000" numCol="1" rtlCol="0" anchor="t" anchorCtr="0" compatLnSpc="1">
-            <a:prstTxWarp prst="textNoShape">
-              <a:avLst/>
-            </a:prstTxWarp>
-            <a:noAutofit/>
-          </a:bodyPr>
-          <a:lstStyle/>
-          <a:p>
-            <a:pPr lvl="0" algn="ctr" fontAlgn="ctr">
-              <a:defRPr/>
-            </a:pPr>
-            <a:r>
-              <a:rPr lang="en-US" altLang="ja-JP" sz="2000" b="1" kern="0" dirty="0">
-                <a:solidFill>
-                  <a:srgbClr val="000000"/>
-                </a:solidFill>
-                <a:ea typeface="HG明朝E" panose="02020909000000000000" pitchFamily="17" charset="-128"/>
-                <a:cs typeface="Arial" pitchFamily="34" charset="0"/>
-              </a:rPr>
-              <a:t>Servient (Smartphone)</a:t>
-            </a:r>
-          </a:p>
-        </p:txBody>
-      </p:sp>
-      <p:sp>
-        <p:nvSpPr>
-          <p:cNvPr id="43" name="角丸四角形 21"/>
-          <p:cNvSpPr/>
-          <p:nvPr/>
-        </p:nvSpPr>
-        <p:spPr bwMode="auto">
-          <a:xfrm>
-            <a:off x="2843808" y="1672527"/>
-            <a:ext cx="4824536" cy="1135800"/>
-          </a:xfrm>
-          <a:prstGeom prst="roundRect">
-            <a:avLst>
-              <a:gd name="adj" fmla="val 10186"/>
-            </a:avLst>
-          </a:prstGeom>
-          <a:solidFill>
-            <a:srgbClr val="8EB4E3"/>
-          </a:solidFill>
-          <a:ln w="25400" cap="flat" cmpd="sng" algn="ctr">
-            <a:noFill/>
-            <a:prstDash val="solid"/>
-            <a:round/>
-            <a:headEnd type="none" w="med" len="med"/>
-            <a:tailEnd type="none" w="med" len="med"/>
-          </a:ln>
-          <a:effectLst/>
-          <a:extLst/>
-        </p:spPr>
-        <p:txBody>
-          <a:bodyPr vert="horz" wrap="none" lIns="91440" tIns="45720" rIns="91440" bIns="45720" numCol="1" rtlCol="0" anchor="t" anchorCtr="0" compatLnSpc="1">
-            <a:prstTxWarp prst="textNoShape">
-              <a:avLst/>
-            </a:prstTxWarp>
-            <a:noAutofit/>
-          </a:bodyPr>
-          <a:lstStyle/>
-          <a:p>
-            <a:pPr algn="ctr" fontAlgn="ctr">
-              <a:spcBef>
-                <a:spcPts val="0"/>
-              </a:spcBef>
-              <a:spcAft>
-                <a:spcPts val="0"/>
-              </a:spcAft>
-              <a:defRPr/>
-            </a:pPr>
-            <a:endParaRPr lang="en-US" altLang="ja-JP" sz="1600" kern="0" dirty="0">
-              <a:solidFill>
-                <a:prstClr val="black"/>
-              </a:solidFill>
-              <a:latin typeface="+mj-lt"/>
-              <a:ea typeface="HG明朝E" panose="02020909000000000000" pitchFamily="17" charset="-128"/>
-              <a:cs typeface="Arial" pitchFamily="34" charset="0"/>
-            </a:endParaRPr>
           </a:p>
         </p:txBody>
       </p:sp>
@@ -15500,66 +15264,6 @@
       </p:sp>
       <p:sp>
         <p:nvSpPr>
-          <p:cNvPr id="53" name="角丸四角形 21"/>
-          <p:cNvSpPr/>
-          <p:nvPr/>
-        </p:nvSpPr>
-        <p:spPr bwMode="auto">
-          <a:xfrm>
-            <a:off x="2843808" y="3844720"/>
-            <a:ext cx="2340000" cy="1512000"/>
-          </a:xfrm>
-          <a:prstGeom prst="roundRect">
-            <a:avLst>
-              <a:gd name="adj" fmla="val 7143"/>
-            </a:avLst>
-          </a:prstGeom>
-          <a:solidFill>
-            <a:srgbClr val="00B050"/>
-          </a:solidFill>
-          <a:ln w="25400" cap="flat" cmpd="sng" algn="ctr">
-            <a:noFill/>
-            <a:prstDash val="solid"/>
-            <a:round/>
-            <a:headEnd type="none" w="med" len="med"/>
-            <a:tailEnd type="none" w="med" len="med"/>
-          </a:ln>
-          <a:effectLst/>
-          <a:extLst/>
-        </p:spPr>
-        <p:txBody>
-          <a:bodyPr vert="horz" wrap="none" lIns="91440" tIns="45720" rIns="91440" bIns="45720" numCol="1" rtlCol="0" anchor="t" anchorCtr="0" compatLnSpc="1">
-            <a:prstTxWarp prst="textNoShape">
-              <a:avLst/>
-            </a:prstTxWarp>
-            <a:noAutofit/>
-          </a:bodyPr>
-          <a:lstStyle/>
-          <a:p>
-            <a:pPr algn="ctr" fontAlgn="ctr">
-              <a:spcBef>
-                <a:spcPts val="0"/>
-              </a:spcBef>
-              <a:spcAft>
-                <a:spcPts val="0"/>
-              </a:spcAft>
-              <a:defRPr/>
-            </a:pPr>
-            <a:r>
-              <a:rPr lang="en-US" altLang="ja-JP" sz="2000" kern="0" dirty="0">
-                <a:solidFill>
-                  <a:prstClr val="white"/>
-                </a:solidFill>
-                <a:ea typeface="HG明朝E" panose="02020909000000000000" pitchFamily="17" charset="-128"/>
-                <a:cs typeface="Arial" pitchFamily="34" charset="0"/>
-              </a:rPr>
-              <a:t>Protocol Bindings</a:t>
-            </a:r>
-          </a:p>
-        </p:txBody>
-      </p:sp>
-      <p:sp>
-        <p:nvSpPr>
           <p:cNvPr id="54" name="角丸四角形 21"/>
           <p:cNvSpPr/>
           <p:nvPr/>
@@ -15617,21 +15321,21 @@
                 <a:ea typeface="HG明朝E" panose="02020909000000000000" pitchFamily="17" charset="-128"/>
                 <a:cs typeface="Arial" pitchFamily="34" charset="0"/>
               </a:rPr>
-              <a:t>System API</a:t>
-            </a:r>
-          </a:p>
-        </p:txBody>
-      </p:sp>
-      <p:sp>
-        <p:nvSpPr>
-          <p:cNvPr id="55" name="Rechteck 54"/>
+              <a:t>Driver API</a:t>
+            </a:r>
+          </a:p>
+        </p:txBody>
+      </p:sp>
+      <p:sp>
+        <p:nvSpPr>
+          <p:cNvPr id="57" name="Rechteck 56"/>
           <p:cNvSpPr/>
           <p:nvPr/>
         </p:nvSpPr>
         <p:spPr>
           <a:xfrm>
-            <a:off x="6588000" y="4348615"/>
-            <a:ext cx="934735" cy="864096"/>
+            <a:off x="5472000" y="4348776"/>
+            <a:ext cx="936000" cy="864096"/>
           </a:xfrm>
           <a:prstGeom prst="rect">
             <a:avLst/>
@@ -15676,7 +15380,7 @@
                 <a:latin typeface="+mj-lt"/>
                 <a:cs typeface="Arial" pitchFamily="34" charset="0"/>
               </a:rPr>
-              <a:t>Proprietary</a:t>
+              <a:t>Local</a:t>
             </a:r>
             <a:br>
               <a:rPr lang="de-DE" sz="1400" dirty="0">
@@ -15688,149 +15392,39 @@
               </a:rPr>
             </a:br>
             <a:r>
-              <a:rPr lang="de-DE" sz="1400" dirty="0" err="1">
+              <a:rPr lang="de-DE" sz="1400" dirty="0">
                 <a:solidFill>
                   <a:schemeClr val="tx1"/>
                 </a:solidFill>
                 <a:latin typeface="+mj-lt"/>
                 <a:cs typeface="Arial" pitchFamily="34" charset="0"/>
               </a:rPr>
-              <a:t>Communi</a:t>
-            </a:r>
-            <a:r>
-              <a:rPr lang="de-DE" sz="1400" dirty="0">
-                <a:solidFill>
-                  <a:schemeClr val="tx1"/>
-                </a:solidFill>
-                <a:latin typeface="+mj-lt"/>
-                <a:cs typeface="Arial" pitchFamily="34" charset="0"/>
-              </a:rPr>
-              <a:t>-</a:t>
-            </a:r>
-            <a:br>
-              <a:rPr lang="de-DE" sz="1400" dirty="0">
-                <a:solidFill>
-                  <a:schemeClr val="tx1"/>
-                </a:solidFill>
-                <a:latin typeface="+mj-lt"/>
-                <a:cs typeface="Arial" pitchFamily="34" charset="0"/>
-              </a:rPr>
-            </a:br>
-            <a:r>
-              <a:rPr lang="de-DE" sz="1400" dirty="0" err="1">
-                <a:solidFill>
-                  <a:schemeClr val="tx1"/>
-                </a:solidFill>
-                <a:latin typeface="+mj-lt"/>
-                <a:cs typeface="Arial" pitchFamily="34" charset="0"/>
-              </a:rPr>
-              <a:t>cation</a:t>
-            </a:r>
-            <a:endParaRPr lang="de-DE" sz="1400" dirty="0">
-              <a:solidFill>
-                <a:schemeClr val="tx1"/>
-              </a:solidFill>
-              <a:latin typeface="+mj-lt"/>
-              <a:cs typeface="Arial" pitchFamily="34" charset="0"/>
-            </a:endParaRPr>
-          </a:p>
-        </p:txBody>
-      </p:sp>
-      <p:sp>
-        <p:nvSpPr>
-          <p:cNvPr id="59" name="Abgerundetes Rechteck 58"/>
+              <a:t>Hardware</a:t>
+            </a:r>
+          </a:p>
+        </p:txBody>
+      </p:sp>
+      <p:sp>
+        <p:nvSpPr>
+          <p:cNvPr id="58" name="角丸四角形 21"/>
           <p:cNvSpPr/>
           <p:nvPr/>
         </p:nvSpPr>
-        <p:spPr>
-          <a:xfrm>
-            <a:off x="5866551" y="1869267"/>
-            <a:ext cx="1656184" cy="393538"/>
+        <p:spPr bwMode="auto">
+          <a:xfrm>
+            <a:off x="2843808" y="1671320"/>
+            <a:ext cx="4824536" cy="2045123"/>
           </a:xfrm>
           <a:prstGeom prst="roundRect">
-            <a:avLst/>
+            <a:avLst>
+              <a:gd name="adj" fmla="val 5281"/>
+            </a:avLst>
           </a:prstGeom>
           <a:solidFill>
-            <a:srgbClr val="FFFF99"/>
+            <a:srgbClr val="005A9C"/>
           </a:solidFill>
-          <a:ln w="6350">
-            <a:solidFill>
-              <a:schemeClr val="tx1"/>
-            </a:solidFill>
-          </a:ln>
-        </p:spPr>
-        <p:style>
-          <a:lnRef idx="2">
-            <a:schemeClr val="accent1">
-              <a:shade val="50000"/>
-            </a:schemeClr>
-          </a:lnRef>
-          <a:fillRef idx="1">
-            <a:schemeClr val="accent1"/>
-          </a:fillRef>
-          <a:effectRef idx="0">
-            <a:schemeClr val="accent1"/>
-          </a:effectRef>
-          <a:fontRef idx="minor">
-            <a:schemeClr val="lt1"/>
-          </a:fontRef>
-        </p:style>
-        <p:txBody>
-          <a:bodyPr rtlCol="0" anchor="ctr"/>
-          <a:lstStyle/>
-          <a:p>
-            <a:pPr algn="ctr"/>
-            <a:r>
-              <a:rPr lang="de-DE" sz="1400" dirty="0">
-                <a:solidFill>
-                  <a:schemeClr val="tx1"/>
-                </a:solidFill>
-                <a:latin typeface="+mj-lt"/>
-                <a:cs typeface="Arial" pitchFamily="34" charset="0"/>
-              </a:rPr>
-              <a:t>Security </a:t>
-            </a:r>
-            <a:r>
-              <a:rPr lang="de-DE" sz="1400" dirty="0" err="1">
-                <a:solidFill>
-                  <a:schemeClr val="tx1"/>
-                </a:solidFill>
-                <a:latin typeface="+mj-lt"/>
-                <a:cs typeface="Arial" pitchFamily="34" charset="0"/>
-              </a:rPr>
-              <a:t>Metadata</a:t>
-            </a:r>
-            <a:endParaRPr lang="de-DE" sz="1400" dirty="0">
-              <a:solidFill>
-                <a:schemeClr val="tx1"/>
-              </a:solidFill>
-              <a:latin typeface="+mj-lt"/>
-              <a:cs typeface="Arial" pitchFamily="34" charset="0"/>
-            </a:endParaRPr>
-          </a:p>
-        </p:txBody>
-      </p:sp>
-      <p:sp>
-        <p:nvSpPr>
-          <p:cNvPr id="60" name="縦巻き 49"/>
-          <p:cNvSpPr/>
-          <p:nvPr/>
-        </p:nvSpPr>
-        <p:spPr bwMode="auto">
-          <a:xfrm>
-            <a:off x="2987824" y="1855199"/>
-            <a:ext cx="2664296" cy="421673"/>
-          </a:xfrm>
-          <a:prstGeom prst="verticalScroll">
-            <a:avLst/>
-          </a:prstGeom>
-          <a:solidFill>
-            <a:sysClr val="window" lastClr="FFFFFF"/>
-          </a:solidFill>
-          <a:ln w="6350" cap="flat" cmpd="sng" algn="ctr">
-            <a:solidFill>
-              <a:sysClr val="windowText" lastClr="000000"/>
-            </a:solidFill>
+          <a:ln w="25400" cap="flat" cmpd="sng" algn="ctr">
+            <a:noFill/>
             <a:prstDash val="solid"/>
             <a:round/>
             <a:headEnd type="none" w="med" len="med"/>
@@ -15840,7 +15434,7 @@
           <a:extLst/>
         </p:spPr>
         <p:txBody>
-          <a:bodyPr vert="horz" wrap="none" lIns="91440" tIns="45720" rIns="91440" bIns="45720" numCol="1" rtlCol="0" anchor="ctr" anchorCtr="0" compatLnSpc="1">
+          <a:bodyPr vert="horz" wrap="none" lIns="91440" tIns="45720" rIns="91440" bIns="90000" numCol="1" rtlCol="0" anchor="ctr" anchorCtr="0" compatLnSpc="1">
             <a:prstTxWarp prst="textNoShape">
               <a:avLst/>
             </a:prstTxWarp>
@@ -15848,52 +15442,38 @@
           </a:bodyPr>
           <a:lstStyle/>
           <a:p>
-            <a:pPr marL="0" marR="0" lvl="0" indent="0" algn="ctr" defTabSz="914400" eaLnBrk="1" fontAlgn="ctr" latinLnBrk="0" hangingPunct="1">
-              <a:lnSpc>
-                <a:spcPct val="100000"/>
-              </a:lnSpc>
+            <a:pPr algn="ctr" fontAlgn="ctr">
               <a:spcBef>
                 <a:spcPts val="0"/>
               </a:spcBef>
               <a:spcAft>
                 <a:spcPts val="0"/>
               </a:spcAft>
-              <a:buClrTx/>
-              <a:buSzTx/>
-              <a:buFontTx/>
-              <a:buNone/>
-              <a:tabLst/>
               <a:defRPr/>
             </a:pPr>
             <a:r>
-              <a:rPr kumimoji="0" lang="en-US" altLang="ja-JP" b="0" i="0" u="none" strike="noStrike" kern="0" cap="none" spc="0" normalizeH="0" baseline="0" dirty="0">
-                <a:ln>
-                  <a:noFill/>
-                </a:ln>
-                <a:solidFill>
-                  <a:prstClr val="black"/>
-                </a:solidFill>
-                <a:effectLst/>
-                <a:uLnTx/>
-                <a:uFillTx/>
+              <a:rPr lang="en-US" altLang="ja-JP" sz="2000" kern="0" dirty="0">
+                <a:solidFill>
+                  <a:prstClr val="white"/>
+                </a:solidFill>
                 <a:latin typeface="+mj-lt"/>
                 <a:ea typeface="HG明朝E" panose="02020909000000000000" pitchFamily="17" charset="-128"/>
                 <a:cs typeface="Arial" pitchFamily="34" charset="0"/>
               </a:rPr>
-              <a:t>Gateway Script</a:t>
-            </a:r>
-          </a:p>
-        </p:txBody>
-      </p:sp>
-      <p:sp>
-        <p:nvSpPr>
-          <p:cNvPr id="70" name="Rechteck 69"/>
+              <a:t>Firmware</a:t>
+            </a:r>
+          </a:p>
+        </p:txBody>
+      </p:sp>
+      <p:sp>
+        <p:nvSpPr>
+          <p:cNvPr id="72" name="Rechteck 71"/>
           <p:cNvSpPr/>
           <p:nvPr/>
         </p:nvSpPr>
         <p:spPr>
           <a:xfrm>
-            <a:off x="2987824" y="4348776"/>
+            <a:off x="4104000" y="4348776"/>
             <a:ext cx="936000" cy="360040"/>
           </a:xfrm>
           <a:prstGeom prst="rect">
@@ -15930,120 +15510,6 @@
           <a:p>
             <a:pPr algn="ctr"/>
             <a:r>
-              <a:rPr lang="de-DE" sz="1400" dirty="0">
-                <a:solidFill>
-                  <a:schemeClr val="bg1"/>
-                </a:solidFill>
-                <a:latin typeface="+mj-lt"/>
-                <a:cs typeface="Arial" pitchFamily="34" charset="0"/>
-              </a:rPr>
-              <a:t>HTTP(S)</a:t>
-            </a:r>
-          </a:p>
-        </p:txBody>
-      </p:sp>
-      <p:sp>
-        <p:nvSpPr>
-          <p:cNvPr id="71" name="Rechteck 70"/>
-          <p:cNvSpPr/>
-          <p:nvPr/>
-        </p:nvSpPr>
-        <p:spPr>
-          <a:xfrm>
-            <a:off x="2987824" y="4852832"/>
-            <a:ext cx="936000" cy="360040"/>
-          </a:xfrm>
-          <a:prstGeom prst="rect">
-            <a:avLst/>
-          </a:prstGeom>
-          <a:solidFill>
-            <a:srgbClr val="008000"/>
-          </a:solidFill>
-          <a:ln w="6350">
-            <a:solidFill>
-              <a:schemeClr val="tx1"/>
-            </a:solidFill>
-          </a:ln>
-        </p:spPr>
-        <p:style>
-          <a:lnRef idx="2">
-            <a:schemeClr val="accent3">
-              <a:shade val="50000"/>
-            </a:schemeClr>
-          </a:lnRef>
-          <a:fillRef idx="1">
-            <a:schemeClr val="accent3"/>
-          </a:fillRef>
-          <a:effectRef idx="0">
-            <a:schemeClr val="accent3"/>
-          </a:effectRef>
-          <a:fontRef idx="minor">
-            <a:schemeClr val="lt1"/>
-          </a:fontRef>
-        </p:style>
-        <p:txBody>
-          <a:bodyPr rtlCol="0" anchor="ctr"/>
-          <a:lstStyle/>
-          <a:p>
-            <a:pPr algn="ctr"/>
-            <a:r>
-              <a:rPr lang="de-DE" sz="1400" dirty="0">
-                <a:solidFill>
-                  <a:schemeClr val="bg1"/>
-                </a:solidFill>
-                <a:latin typeface="+mj-lt"/>
-                <a:cs typeface="Arial" pitchFamily="34" charset="0"/>
-              </a:rPr>
-              <a:t>…</a:t>
-            </a:r>
-          </a:p>
-        </p:txBody>
-      </p:sp>
-      <p:sp>
-        <p:nvSpPr>
-          <p:cNvPr id="72" name="Rechteck 71"/>
-          <p:cNvSpPr/>
-          <p:nvPr/>
-        </p:nvSpPr>
-        <p:spPr>
-          <a:xfrm>
-            <a:off x="4104000" y="4348776"/>
-            <a:ext cx="936000" cy="360040"/>
-          </a:xfrm>
-          <a:prstGeom prst="rect">
-            <a:avLst/>
-          </a:prstGeom>
-          <a:solidFill>
-            <a:srgbClr val="008000"/>
-          </a:solidFill>
-          <a:ln w="6350">
-            <a:solidFill>
-              <a:schemeClr val="tx1"/>
-            </a:solidFill>
-          </a:ln>
-        </p:spPr>
-        <p:style>
-          <a:lnRef idx="2">
-            <a:schemeClr val="accent3">
-              <a:shade val="50000"/>
-            </a:schemeClr>
-          </a:lnRef>
-          <a:fillRef idx="1">
-            <a:schemeClr val="accent3"/>
-          </a:fillRef>
-          <a:effectRef idx="0">
-            <a:schemeClr val="accent3"/>
-          </a:effectRef>
-          <a:fontRef idx="minor">
-            <a:schemeClr val="lt1"/>
-          </a:fontRef>
-        </p:style>
-        <p:txBody>
-          <a:bodyPr rtlCol="0" anchor="ctr"/>
-          <a:lstStyle/>
-          <a:p>
-            <a:pPr algn="ctr"/>
-            <a:r>
               <a:rPr lang="de-DE" sz="1400" dirty="0" err="1">
                 <a:solidFill>
                   <a:schemeClr val="bg1"/>
@@ -16071,70 +15537,43 @@
           </a:p>
         </p:txBody>
       </p:sp>
-      <p:sp>
-        <p:nvSpPr>
-          <p:cNvPr id="73" name="Rechteck 72"/>
-          <p:cNvSpPr/>
-          <p:nvPr/>
-        </p:nvSpPr>
-        <p:spPr>
-          <a:xfrm>
-            <a:off x="4104000" y="4852832"/>
-            <a:ext cx="936000" cy="360040"/>
+      <p:pic>
+        <p:nvPicPr>
+          <p:cNvPr id="39" name="Picture 1"/>
+          <p:cNvPicPr>
+            <a:picLocks noChangeAspect="1" noChangeArrowheads="1"/>
+          </p:cNvPicPr>
+          <p:nvPr/>
+        </p:nvPicPr>
+        <p:blipFill>
+          <a:blip r:embed="rId3" cstate="print"/>
+          <a:srcRect/>
+          <a:stretch>
+            <a:fillRect/>
+          </a:stretch>
+        </p:blipFill>
+        <p:spPr bwMode="auto">
+          <a:xfrm>
+            <a:off x="2195736" y="702321"/>
+            <a:ext cx="1332992" cy="1512168"/>
           </a:xfrm>
           <a:prstGeom prst="rect">
             <a:avLst/>
           </a:prstGeom>
-          <a:solidFill>
-            <a:srgbClr val="008000"/>
-          </a:solidFill>
-          <a:ln w="6350">
-            <a:solidFill>
-              <a:schemeClr val="tx1"/>
-            </a:solidFill>
-          </a:ln>
-        </p:spPr>
-        <p:style>
-          <a:lnRef idx="2">
-            <a:schemeClr val="accent3">
-              <a:shade val="50000"/>
-            </a:schemeClr>
-          </a:lnRef>
-          <a:fillRef idx="1">
-            <a:schemeClr val="accent3"/>
-          </a:fillRef>
-          <a:effectRef idx="0">
-            <a:schemeClr val="accent3"/>
-          </a:effectRef>
-          <a:fontRef idx="minor">
-            <a:schemeClr val="lt1"/>
-          </a:fontRef>
-        </p:style>
-        <p:txBody>
-          <a:bodyPr rtlCol="0" anchor="ctr"/>
-          <a:lstStyle/>
-          <a:p>
-            <a:pPr algn="ctr"/>
-            <a:r>
-              <a:rPr lang="de-DE" sz="1400" dirty="0">
-                <a:solidFill>
-                  <a:schemeClr val="bg1"/>
-                </a:solidFill>
-                <a:latin typeface="+mj-lt"/>
-                <a:cs typeface="Arial" pitchFamily="34" charset="0"/>
-              </a:rPr>
-              <a:t>MQTT</a:t>
-            </a:r>
-          </a:p>
-        </p:txBody>
-      </p:sp>
+          <a:noFill/>
+          <a:ln w="9525">
+            <a:noFill/>
+            <a:miter lim="800000"/>
+            <a:headEnd/>
+            <a:tailEnd/>
+          </a:ln>
+          <a:effectLst/>
+        </p:spPr>
+      </p:pic>
       <p:cxnSp>
         <p:nvCxnSpPr>
-          <p:cNvPr id="56" name="Gewinkelte Verbindung 55"/>
-          <p:cNvCxnSpPr>
-            <a:stCxn id="25" idx="2"/>
-            <a:endCxn id="53" idx="2"/>
-          </p:cNvCxnSpPr>
+          <p:cNvPr id="68" name="Gewinkelte Verbindung 67"/>
+          <p:cNvCxnSpPr/>
           <p:nvPr/>
         </p:nvCxnSpPr>
         <p:spPr>
@@ -16171,149 +15610,50 @@
       </p:cxnSp>
       <p:pic>
         <p:nvPicPr>
-          <p:cNvPr id="37" name="Picture 1"/>
+          <p:cNvPr id="31" name="Picture 2"/>
           <p:cNvPicPr>
-            <a:picLocks noChangeAspect="1" noChangeArrowheads="1"/>
+            <a:picLocks noChangeAspect="1"/>
           </p:cNvPicPr>
           <p:nvPr/>
         </p:nvPicPr>
         <p:blipFill>
-          <a:blip r:embed="rId3" cstate="print"/>
-          <a:srcRect/>
+          <a:blip r:embed="rId4" cstate="print">
+            <a:extLst>
+              <a:ext uri="{BEBA8EAE-BF5A-486C-A8C5-ECC9F3942E4B}">
+                <a14:imgProps xmlns:a14="http://schemas.microsoft.com/office/drawing/2010/main">
+                  <a14:imgLayer r:embed="rId5">
+                    <a14:imgEffect>
+                      <a14:backgroundRemoval t="10000" b="90000" l="10000" r="90000"/>
+                    </a14:imgEffect>
+                  </a14:imgLayer>
+                </a14:imgProps>
+              </a:ext>
+            </a:extLst>
+          </a:blip>
           <a:stretch>
             <a:fillRect/>
           </a:stretch>
         </p:blipFill>
-        <p:spPr bwMode="auto">
-          <a:xfrm flipH="1">
-            <a:off x="2105240" y="620688"/>
-            <a:ext cx="1015025" cy="1728192"/>
+        <p:spPr>
+          <a:xfrm>
+            <a:off x="5225065" y="4869160"/>
+            <a:ext cx="1536170" cy="1152128"/>
           </a:xfrm>
           <a:prstGeom prst="rect">
             <a:avLst/>
           </a:prstGeom>
-          <a:noFill/>
-          <a:ln w="9525">
-            <a:noFill/>
-            <a:miter lim="800000"/>
-            <a:headEnd/>
-            <a:tailEnd/>
-          </a:ln>
-          <a:effectLst/>
         </p:spPr>
       </p:pic>
       <p:sp>
         <p:nvSpPr>
-          <p:cNvPr id="41" name="角丸四角形 6"/>
+          <p:cNvPr id="34" name="角丸四角形 21"/>
           <p:cNvSpPr/>
           <p:nvPr/>
         </p:nvSpPr>
         <p:spPr bwMode="auto">
           <a:xfrm>
-            <a:off x="6438252" y="6010393"/>
-            <a:ext cx="1234230" cy="387424"/>
-          </a:xfrm>
-          <a:prstGeom prst="roundRect">
-            <a:avLst>
-              <a:gd name="adj" fmla="val 27876"/>
-            </a:avLst>
-          </a:prstGeom>
-          <a:solidFill>
-            <a:sysClr val="window" lastClr="FFFFFF">
-              <a:lumMod val="50000"/>
-            </a:sysClr>
-          </a:solidFill>
-          <a:ln w="9525" cap="flat" cmpd="sng" algn="ctr">
-            <a:noFill/>
-            <a:prstDash val="solid"/>
-            <a:headEnd type="none" w="med" len="med"/>
-            <a:tailEnd type="none" w="med" len="med"/>
-          </a:ln>
-          <a:effectLst>
-            <a:outerShdw blurRad="76200" dist="50800" dir="2700000" rotWithShape="0">
-              <a:srgbClr val="000000">
-                <a:alpha val="30000"/>
-              </a:srgbClr>
-            </a:outerShdw>
-          </a:effectLst>
-          <a:extLst/>
-        </p:spPr>
-        <p:txBody>
-          <a:bodyPr vert="horz" wrap="none" lIns="91440" tIns="36000" rIns="91440" bIns="72000" numCol="1" rtlCol="0" anchor="ctr" anchorCtr="0" compatLnSpc="1">
-            <a:prstTxWarp prst="textNoShape">
-              <a:avLst/>
-            </a:prstTxWarp>
-            <a:noAutofit/>
-          </a:bodyPr>
-          <a:lstStyle/>
-          <a:p>
-            <a:pPr lvl="0" algn="ctr" fontAlgn="ctr">
-              <a:defRPr/>
-            </a:pPr>
-            <a:r>
-              <a:rPr lang="en-US" altLang="ja-JP" sz="1400" kern="0" dirty="0">
-                <a:solidFill>
-                  <a:srgbClr val="000000"/>
-                </a:solidFill>
-                <a:latin typeface="+mn-lt"/>
-                <a:ea typeface="HG明朝E" panose="02020909000000000000" pitchFamily="17" charset="-128"/>
-                <a:cs typeface="Arial" pitchFamily="34" charset="0"/>
-              </a:rPr>
-              <a:t>Legacy Device</a:t>
-            </a:r>
-          </a:p>
-        </p:txBody>
-      </p:sp>
-      <p:cxnSp>
-        <p:nvCxnSpPr>
-          <p:cNvPr id="44" name="Gerade Verbindung mit Pfeil 43"/>
-          <p:cNvCxnSpPr>
-            <a:endCxn id="41" idx="0"/>
-          </p:cNvCxnSpPr>
-          <p:nvPr/>
-        </p:nvCxnSpPr>
-        <p:spPr>
-          <a:xfrm flipH="1">
-            <a:off x="7055367" y="5212711"/>
-            <a:ext cx="1" cy="797682"/>
-          </a:xfrm>
-          <a:prstGeom prst="straightConnector1">
-            <a:avLst/>
-          </a:prstGeom>
-          <a:ln w="38100">
-            <a:solidFill>
-              <a:schemeClr val="tx1"/>
-            </a:solidFill>
-            <a:prstDash val="sysDot"/>
-            <a:headEnd type="arrow" w="med" len="med"/>
-            <a:tailEnd type="arrow" w="med" len="med"/>
-          </a:ln>
-        </p:spPr>
-        <p:style>
-          <a:lnRef idx="1">
-            <a:schemeClr val="accent1"/>
-          </a:lnRef>
-          <a:fillRef idx="0">
-            <a:schemeClr val="accent1"/>
-          </a:fillRef>
-          <a:effectRef idx="0">
-            <a:schemeClr val="accent1"/>
-          </a:effectRef>
-          <a:fontRef idx="minor">
-            <a:schemeClr val="tx1"/>
-          </a:fontRef>
-        </p:style>
-      </p:cxnSp>
-      <p:sp>
-        <p:nvSpPr>
-          <p:cNvPr id="39" name="角丸四角形 21"/>
-          <p:cNvSpPr/>
-          <p:nvPr/>
-        </p:nvSpPr>
-        <p:spPr bwMode="auto">
-          <a:xfrm>
-            <a:off x="2843808" y="2636912"/>
-            <a:ext cx="4824534" cy="1079531"/>
+            <a:off x="-2394149" y="2637424"/>
+            <a:ext cx="2340000" cy="1079531"/>
           </a:xfrm>
           <a:prstGeom prst="roundRect">
             <a:avLst>
@@ -16364,14 +15704,14 @@
       </p:sp>
       <p:sp>
         <p:nvSpPr>
-          <p:cNvPr id="46" name="角丸四角形 21"/>
+          <p:cNvPr id="35" name="角丸四角形 21"/>
           <p:cNvSpPr/>
           <p:nvPr/>
         </p:nvSpPr>
         <p:spPr bwMode="auto">
           <a:xfrm>
-            <a:off x="2843808" y="3030855"/>
-            <a:ext cx="4824534" cy="685589"/>
+            <a:off x="-2394149" y="3031366"/>
+            <a:ext cx="2340000" cy="685589"/>
           </a:xfrm>
           <a:prstGeom prst="roundRect">
             <a:avLst>
@@ -16417,21 +15757,21 @@
                 <a:ea typeface="HG明朝E" panose="02020909000000000000" pitchFamily="17" charset="-128"/>
                 <a:cs typeface="Arial" pitchFamily="34" charset="0"/>
               </a:rPr>
-              <a:t>WoT Runtime</a:t>
-            </a:r>
-          </a:p>
-        </p:txBody>
-      </p:sp>
-      <p:sp>
-        <p:nvSpPr>
-          <p:cNvPr id="58" name="角丸四角形 21"/>
+              <a:t>Browser + Library</a:t>
+            </a:r>
+          </a:p>
+        </p:txBody>
+      </p:sp>
+      <p:sp>
+        <p:nvSpPr>
+          <p:cNvPr id="30" name="角丸四角形 21"/>
           <p:cNvSpPr/>
           <p:nvPr/>
         </p:nvSpPr>
         <p:spPr bwMode="auto">
           <a:xfrm>
-            <a:off x="2843808" y="2446766"/>
-            <a:ext cx="4824536" cy="576000"/>
+            <a:off x="-2394150" y="2447278"/>
+            <a:ext cx="2340000" cy="576000"/>
           </a:xfrm>
           <a:prstGeom prst="roundRect">
             <a:avLst>
@@ -16483,211 +15823,6 @@
           </a:p>
         </p:txBody>
       </p:sp>
-      <p:sp>
-        <p:nvSpPr>
-          <p:cNvPr id="57" name="角丸四角形 21"/>
-          <p:cNvSpPr/>
-          <p:nvPr/>
-        </p:nvSpPr>
-        <p:spPr bwMode="auto">
-          <a:xfrm>
-            <a:off x="-2394149" y="2637424"/>
-            <a:ext cx="2340000" cy="1079531"/>
-          </a:xfrm>
-          <a:prstGeom prst="roundRect">
-            <a:avLst>
-              <a:gd name="adj" fmla="val 25084"/>
-            </a:avLst>
-          </a:prstGeom>
-          <a:solidFill>
-            <a:srgbClr val="4A7B7C"/>
-          </a:solidFill>
-          <a:ln w="25400" cap="flat" cmpd="sng" algn="ctr">
-            <a:noFill/>
-            <a:prstDash val="solid"/>
-            <a:round/>
-            <a:headEnd type="none" w="med" len="med"/>
-            <a:tailEnd type="none" w="med" len="med"/>
-          </a:ln>
-          <a:effectLst/>
-          <a:extLst/>
-        </p:spPr>
-        <p:txBody>
-          <a:bodyPr vert="horz" wrap="none" lIns="91440" tIns="45720" rIns="91440" bIns="45720" numCol="1" rtlCol="0" anchor="ctr" anchorCtr="0" compatLnSpc="1">
-            <a:prstTxWarp prst="textNoShape">
-              <a:avLst/>
-            </a:prstTxWarp>
-            <a:noAutofit/>
-          </a:bodyPr>
-          <a:lstStyle/>
-          <a:p>
-            <a:pPr algn="ctr" fontAlgn="ctr">
-              <a:spcBef>
-                <a:spcPts val="0"/>
-              </a:spcBef>
-              <a:spcAft>
-                <a:spcPts val="0"/>
-              </a:spcAft>
-              <a:defRPr/>
-            </a:pPr>
-            <a:endParaRPr lang="en-US" altLang="ja-JP" sz="2000" kern="0" dirty="0">
-              <a:solidFill>
-                <a:prstClr val="white"/>
-              </a:solidFill>
-              <a:latin typeface="+mj-lt"/>
-              <a:ea typeface="HG明朝E" panose="02020909000000000000" pitchFamily="17" charset="-128"/>
-              <a:cs typeface="Arial" pitchFamily="34" charset="0"/>
-            </a:endParaRPr>
-          </a:p>
-        </p:txBody>
-      </p:sp>
-      <p:sp>
-        <p:nvSpPr>
-          <p:cNvPr id="65" name="角丸四角形 21"/>
-          <p:cNvSpPr/>
-          <p:nvPr/>
-        </p:nvSpPr>
-        <p:spPr bwMode="auto">
-          <a:xfrm>
-            <a:off x="-2394149" y="3031366"/>
-            <a:ext cx="2340000" cy="685589"/>
-          </a:xfrm>
-          <a:prstGeom prst="roundRect">
-            <a:avLst>
-              <a:gd name="adj" fmla="val 22240"/>
-            </a:avLst>
-          </a:prstGeom>
-          <a:solidFill>
-            <a:srgbClr val="4A7B7C"/>
-          </a:solidFill>
-          <a:ln w="25400" cap="flat" cmpd="sng" algn="ctr">
-            <a:noFill/>
-            <a:prstDash val="solid"/>
-            <a:round/>
-            <a:headEnd type="none" w="med" len="med"/>
-            <a:tailEnd type="none" w="med" len="med"/>
-          </a:ln>
-          <a:effectLst/>
-          <a:extLst/>
-        </p:spPr>
-        <p:txBody>
-          <a:bodyPr vert="horz" wrap="none" lIns="91440" tIns="45720" rIns="91440" bIns="45720" numCol="1" rtlCol="0" anchor="ctr" anchorCtr="0" compatLnSpc="1">
-            <a:prstTxWarp prst="textNoShape">
-              <a:avLst/>
-            </a:prstTxWarp>
-            <a:noAutofit/>
-          </a:bodyPr>
-          <a:lstStyle/>
-          <a:p>
-            <a:pPr algn="ctr" fontAlgn="ctr">
-              <a:spcBef>
-                <a:spcPts val="0"/>
-              </a:spcBef>
-              <a:spcAft>
-                <a:spcPts val="0"/>
-              </a:spcAft>
-              <a:defRPr/>
-            </a:pPr>
-            <a:r>
-              <a:rPr lang="en-US" altLang="ja-JP" sz="2000" kern="0" dirty="0">
-                <a:solidFill>
-                  <a:prstClr val="white"/>
-                </a:solidFill>
-                <a:ea typeface="HG明朝E" panose="02020909000000000000" pitchFamily="17" charset="-128"/>
-                <a:cs typeface="Arial" pitchFamily="34" charset="0"/>
-              </a:rPr>
-              <a:t>Browser + Library</a:t>
-            </a:r>
-          </a:p>
-        </p:txBody>
-      </p:sp>
-      <p:sp>
-        <p:nvSpPr>
-          <p:cNvPr id="30" name="角丸四角形 21"/>
-          <p:cNvSpPr/>
-          <p:nvPr/>
-        </p:nvSpPr>
-        <p:spPr bwMode="auto">
-          <a:xfrm>
-            <a:off x="-2394150" y="2447278"/>
-            <a:ext cx="2340000" cy="576000"/>
-          </a:xfrm>
-          <a:prstGeom prst="roundRect">
-            <a:avLst>
-              <a:gd name="adj" fmla="val 18750"/>
-            </a:avLst>
-          </a:prstGeom>
-          <a:solidFill>
-            <a:srgbClr val="005A9C"/>
-          </a:solidFill>
-          <a:ln w="25400" cap="flat" cmpd="sng" algn="ctr">
-            <a:noFill/>
-            <a:prstDash val="solid"/>
-            <a:round/>
-            <a:headEnd type="none" w="med" len="med"/>
-            <a:tailEnd type="none" w="med" len="med"/>
-          </a:ln>
-          <a:effectLst/>
-          <a:extLst/>
-        </p:spPr>
-        <p:txBody>
-          <a:bodyPr vert="horz" wrap="none" lIns="91440" tIns="45720" rIns="91440" bIns="90000" numCol="1" rtlCol="0" anchor="b" anchorCtr="0" compatLnSpc="1">
-            <a:prstTxWarp prst="textNoShape">
-              <a:avLst/>
-            </a:prstTxWarp>
-            <a:noAutofit/>
-          </a:bodyPr>
-          <a:lstStyle/>
-          <a:p>
-            <a:pPr algn="ctr" fontAlgn="ctr">
-              <a:spcBef>
-                <a:spcPts val="0"/>
-              </a:spcBef>
-              <a:spcAft>
-                <a:spcPts val="0"/>
-              </a:spcAft>
-              <a:defRPr/>
-            </a:pPr>
-            <a:r>
-              <a:rPr lang="en-US" altLang="ja-JP" sz="2000" kern="0" dirty="0">
-                <a:solidFill>
-                  <a:prstClr val="white"/>
-                </a:solidFill>
-                <a:latin typeface="+mj-lt"/>
-                <a:ea typeface="HG明朝E" panose="02020909000000000000" pitchFamily="17" charset="-128"/>
-                <a:cs typeface="Arial" pitchFamily="34" charset="0"/>
-              </a:rPr>
-              <a:t>WoT Scripting API</a:t>
-            </a:r>
-          </a:p>
-        </p:txBody>
-      </p:sp>
-      <p:pic>
-        <p:nvPicPr>
-          <p:cNvPr id="67" name="Picture 4" descr="https://cdn.shopify.com/s/files/1/0601/1741/products/LiFx_White_1.png?v=1415983126"/>
-          <p:cNvPicPr>
-            <a:picLocks noChangeAspect="1" noChangeArrowheads="1"/>
-          </p:cNvPicPr>
-          <p:nvPr/>
-        </p:nvPicPr>
-        <p:blipFill>
-          <a:blip r:embed="rId4" cstate="print"/>
-          <a:srcRect/>
-          <a:stretch>
-            <a:fillRect/>
-          </a:stretch>
-        </p:blipFill>
-        <p:spPr bwMode="auto">
-          <a:xfrm>
-            <a:off x="7319206" y="5655881"/>
-            <a:ext cx="1134393" cy="1328553"/>
-          </a:xfrm>
-          <a:prstGeom prst="rect">
-            <a:avLst/>
-          </a:prstGeom>
-          <a:noFill/>
-        </p:spPr>
-      </p:pic>
     </p:spTree>
   </p:cSld>
   <p:clrMapOvr>
@@ -17295,7 +16430,7 @@
                 <a:ea typeface="HG明朝E" panose="02020909000000000000" pitchFamily="17" charset="-128"/>
                 <a:cs typeface="Arial" pitchFamily="34" charset="0"/>
               </a:rPr>
-              <a:t>Servient (Gateway)</a:t>
+              <a:t>Servient (Smartphone)</a:t>
             </a:r>
           </a:p>
         </p:txBody>
@@ -18041,6 +17176,2309 @@
       </p:sp>
       <p:sp>
         <p:nvSpPr>
+          <p:cNvPr id="59" name="Abgerundetes Rechteck 58"/>
+          <p:cNvSpPr/>
+          <p:nvPr/>
+        </p:nvSpPr>
+        <p:spPr>
+          <a:xfrm>
+            <a:off x="5866551" y="1869267"/>
+            <a:ext cx="1656184" cy="393538"/>
+          </a:xfrm>
+          <a:prstGeom prst="roundRect">
+            <a:avLst/>
+          </a:prstGeom>
+          <a:solidFill>
+            <a:srgbClr val="FFFF99"/>
+          </a:solidFill>
+          <a:ln w="6350">
+            <a:solidFill>
+              <a:schemeClr val="tx1"/>
+            </a:solidFill>
+          </a:ln>
+        </p:spPr>
+        <p:style>
+          <a:lnRef idx="2">
+            <a:schemeClr val="accent1">
+              <a:shade val="50000"/>
+            </a:schemeClr>
+          </a:lnRef>
+          <a:fillRef idx="1">
+            <a:schemeClr val="accent1"/>
+          </a:fillRef>
+          <a:effectRef idx="0">
+            <a:schemeClr val="accent1"/>
+          </a:effectRef>
+          <a:fontRef idx="minor">
+            <a:schemeClr val="lt1"/>
+          </a:fontRef>
+        </p:style>
+        <p:txBody>
+          <a:bodyPr rtlCol="0" anchor="ctr"/>
+          <a:lstStyle/>
+          <a:p>
+            <a:pPr algn="ctr"/>
+            <a:r>
+              <a:rPr lang="de-DE" sz="1400" dirty="0">
+                <a:solidFill>
+                  <a:schemeClr val="tx1"/>
+                </a:solidFill>
+                <a:latin typeface="+mj-lt"/>
+                <a:cs typeface="Arial" pitchFamily="34" charset="0"/>
+              </a:rPr>
+              <a:t>Security </a:t>
+            </a:r>
+            <a:r>
+              <a:rPr lang="de-DE" sz="1400" dirty="0" err="1">
+                <a:solidFill>
+                  <a:schemeClr val="tx1"/>
+                </a:solidFill>
+                <a:latin typeface="+mj-lt"/>
+                <a:cs typeface="Arial" pitchFamily="34" charset="0"/>
+              </a:rPr>
+              <a:t>Metadata</a:t>
+            </a:r>
+            <a:endParaRPr lang="de-DE" sz="1400" dirty="0">
+              <a:solidFill>
+                <a:schemeClr val="tx1"/>
+              </a:solidFill>
+              <a:latin typeface="+mj-lt"/>
+              <a:cs typeface="Arial" pitchFamily="34" charset="0"/>
+            </a:endParaRPr>
+          </a:p>
+        </p:txBody>
+      </p:sp>
+      <p:sp>
+        <p:nvSpPr>
+          <p:cNvPr id="60" name="縦巻き 49"/>
+          <p:cNvSpPr/>
+          <p:nvPr/>
+        </p:nvSpPr>
+        <p:spPr bwMode="auto">
+          <a:xfrm>
+            <a:off x="2987824" y="1855199"/>
+            <a:ext cx="2664296" cy="421673"/>
+          </a:xfrm>
+          <a:prstGeom prst="verticalScroll">
+            <a:avLst/>
+          </a:prstGeom>
+          <a:solidFill>
+            <a:sysClr val="window" lastClr="FFFFFF"/>
+          </a:solidFill>
+          <a:ln w="6350" cap="flat" cmpd="sng" algn="ctr">
+            <a:solidFill>
+              <a:sysClr val="windowText" lastClr="000000"/>
+            </a:solidFill>
+            <a:prstDash val="solid"/>
+            <a:round/>
+            <a:headEnd type="none" w="med" len="med"/>
+            <a:tailEnd type="none" w="med" len="med"/>
+          </a:ln>
+          <a:effectLst/>
+          <a:extLst/>
+        </p:spPr>
+        <p:txBody>
+          <a:bodyPr vert="horz" wrap="none" lIns="91440" tIns="45720" rIns="91440" bIns="45720" numCol="1" rtlCol="0" anchor="ctr" anchorCtr="0" compatLnSpc="1">
+            <a:prstTxWarp prst="textNoShape">
+              <a:avLst/>
+            </a:prstTxWarp>
+            <a:noAutofit/>
+          </a:bodyPr>
+          <a:lstStyle/>
+          <a:p>
+            <a:pPr marL="0" marR="0" lvl="0" indent="0" algn="ctr" defTabSz="914400" eaLnBrk="1" fontAlgn="ctr" latinLnBrk="0" hangingPunct="1">
+              <a:lnSpc>
+                <a:spcPct val="100000"/>
+              </a:lnSpc>
+              <a:spcBef>
+                <a:spcPts val="0"/>
+              </a:spcBef>
+              <a:spcAft>
+                <a:spcPts val="0"/>
+              </a:spcAft>
+              <a:buClrTx/>
+              <a:buSzTx/>
+              <a:buFontTx/>
+              <a:buNone/>
+              <a:tabLst/>
+              <a:defRPr/>
+            </a:pPr>
+            <a:r>
+              <a:rPr kumimoji="0" lang="en-US" altLang="ja-JP" b="0" i="0" u="none" strike="noStrike" kern="0" cap="none" spc="0" normalizeH="0" baseline="0" dirty="0">
+                <a:ln>
+                  <a:noFill/>
+                </a:ln>
+                <a:solidFill>
+                  <a:prstClr val="black"/>
+                </a:solidFill>
+                <a:effectLst/>
+                <a:uLnTx/>
+                <a:uFillTx/>
+                <a:latin typeface="+mj-lt"/>
+                <a:ea typeface="HG明朝E" panose="02020909000000000000" pitchFamily="17" charset="-128"/>
+                <a:cs typeface="Arial" pitchFamily="34" charset="0"/>
+              </a:rPr>
+              <a:t>Gateway Script</a:t>
+            </a:r>
+          </a:p>
+        </p:txBody>
+      </p:sp>
+      <p:sp>
+        <p:nvSpPr>
+          <p:cNvPr id="70" name="Rechteck 69"/>
+          <p:cNvSpPr/>
+          <p:nvPr/>
+        </p:nvSpPr>
+        <p:spPr>
+          <a:xfrm>
+            <a:off x="2987824" y="4348776"/>
+            <a:ext cx="936000" cy="360040"/>
+          </a:xfrm>
+          <a:prstGeom prst="rect">
+            <a:avLst/>
+          </a:prstGeom>
+          <a:solidFill>
+            <a:srgbClr val="008000"/>
+          </a:solidFill>
+          <a:ln w="6350">
+            <a:solidFill>
+              <a:schemeClr val="tx1"/>
+            </a:solidFill>
+          </a:ln>
+        </p:spPr>
+        <p:style>
+          <a:lnRef idx="2">
+            <a:schemeClr val="accent3">
+              <a:shade val="50000"/>
+            </a:schemeClr>
+          </a:lnRef>
+          <a:fillRef idx="1">
+            <a:schemeClr val="accent3"/>
+          </a:fillRef>
+          <a:effectRef idx="0">
+            <a:schemeClr val="accent3"/>
+          </a:effectRef>
+          <a:fontRef idx="minor">
+            <a:schemeClr val="lt1"/>
+          </a:fontRef>
+        </p:style>
+        <p:txBody>
+          <a:bodyPr rtlCol="0" anchor="ctr"/>
+          <a:lstStyle/>
+          <a:p>
+            <a:pPr algn="ctr"/>
+            <a:r>
+              <a:rPr lang="de-DE" sz="1400" dirty="0">
+                <a:solidFill>
+                  <a:schemeClr val="bg1"/>
+                </a:solidFill>
+                <a:latin typeface="+mj-lt"/>
+                <a:cs typeface="Arial" pitchFamily="34" charset="0"/>
+              </a:rPr>
+              <a:t>HTTP(S)</a:t>
+            </a:r>
+          </a:p>
+        </p:txBody>
+      </p:sp>
+      <p:sp>
+        <p:nvSpPr>
+          <p:cNvPr id="71" name="Rechteck 70"/>
+          <p:cNvSpPr/>
+          <p:nvPr/>
+        </p:nvSpPr>
+        <p:spPr>
+          <a:xfrm>
+            <a:off x="2987824" y="4852832"/>
+            <a:ext cx="936000" cy="360040"/>
+          </a:xfrm>
+          <a:prstGeom prst="rect">
+            <a:avLst/>
+          </a:prstGeom>
+          <a:solidFill>
+            <a:srgbClr val="008000"/>
+          </a:solidFill>
+          <a:ln w="6350">
+            <a:solidFill>
+              <a:schemeClr val="tx1"/>
+            </a:solidFill>
+          </a:ln>
+        </p:spPr>
+        <p:style>
+          <a:lnRef idx="2">
+            <a:schemeClr val="accent3">
+              <a:shade val="50000"/>
+            </a:schemeClr>
+          </a:lnRef>
+          <a:fillRef idx="1">
+            <a:schemeClr val="accent3"/>
+          </a:fillRef>
+          <a:effectRef idx="0">
+            <a:schemeClr val="accent3"/>
+          </a:effectRef>
+          <a:fontRef idx="minor">
+            <a:schemeClr val="lt1"/>
+          </a:fontRef>
+        </p:style>
+        <p:txBody>
+          <a:bodyPr rtlCol="0" anchor="ctr"/>
+          <a:lstStyle/>
+          <a:p>
+            <a:pPr algn="ctr"/>
+            <a:r>
+              <a:rPr lang="de-DE" sz="1400" dirty="0">
+                <a:solidFill>
+                  <a:schemeClr val="bg1"/>
+                </a:solidFill>
+                <a:latin typeface="+mj-lt"/>
+                <a:cs typeface="Arial" pitchFamily="34" charset="0"/>
+              </a:rPr>
+              <a:t>…</a:t>
+            </a:r>
+          </a:p>
+        </p:txBody>
+      </p:sp>
+      <p:sp>
+        <p:nvSpPr>
+          <p:cNvPr id="72" name="Rechteck 71"/>
+          <p:cNvSpPr/>
+          <p:nvPr/>
+        </p:nvSpPr>
+        <p:spPr>
+          <a:xfrm>
+            <a:off x="4104000" y="4348776"/>
+            <a:ext cx="936000" cy="360040"/>
+          </a:xfrm>
+          <a:prstGeom prst="rect">
+            <a:avLst/>
+          </a:prstGeom>
+          <a:solidFill>
+            <a:srgbClr val="008000"/>
+          </a:solidFill>
+          <a:ln w="6350">
+            <a:solidFill>
+              <a:schemeClr val="tx1"/>
+            </a:solidFill>
+          </a:ln>
+        </p:spPr>
+        <p:style>
+          <a:lnRef idx="2">
+            <a:schemeClr val="accent3">
+              <a:shade val="50000"/>
+            </a:schemeClr>
+          </a:lnRef>
+          <a:fillRef idx="1">
+            <a:schemeClr val="accent3"/>
+          </a:fillRef>
+          <a:effectRef idx="0">
+            <a:schemeClr val="accent3"/>
+          </a:effectRef>
+          <a:fontRef idx="minor">
+            <a:schemeClr val="lt1"/>
+          </a:fontRef>
+        </p:style>
+        <p:txBody>
+          <a:bodyPr rtlCol="0" anchor="ctr"/>
+          <a:lstStyle/>
+          <a:p>
+            <a:pPr algn="ctr"/>
+            <a:r>
+              <a:rPr lang="de-DE" sz="1400" dirty="0" err="1">
+                <a:solidFill>
+                  <a:schemeClr val="bg1"/>
+                </a:solidFill>
+                <a:cs typeface="Arial" pitchFamily="34" charset="0"/>
+              </a:rPr>
+              <a:t>CoAP</a:t>
+            </a:r>
+            <a:r>
+              <a:rPr lang="de-DE" sz="1400" dirty="0">
+                <a:solidFill>
+                  <a:schemeClr val="bg1"/>
+                </a:solidFill>
+                <a:cs typeface="Arial" pitchFamily="34" charset="0"/>
+              </a:rPr>
+              <a:t>(S)</a:t>
+            </a:r>
+            <a:endParaRPr lang="de-DE" sz="1400" dirty="0">
+              <a:solidFill>
+                <a:schemeClr val="bg1"/>
+              </a:solidFill>
+              <a:latin typeface="+mj-lt"/>
+              <a:cs typeface="Arial" pitchFamily="34" charset="0"/>
+            </a:endParaRPr>
+          </a:p>
+        </p:txBody>
+      </p:sp>
+      <p:sp>
+        <p:nvSpPr>
+          <p:cNvPr id="73" name="Rechteck 72"/>
+          <p:cNvSpPr/>
+          <p:nvPr/>
+        </p:nvSpPr>
+        <p:spPr>
+          <a:xfrm>
+            <a:off x="4104000" y="4852832"/>
+            <a:ext cx="936000" cy="360040"/>
+          </a:xfrm>
+          <a:prstGeom prst="rect">
+            <a:avLst/>
+          </a:prstGeom>
+          <a:solidFill>
+            <a:srgbClr val="008000"/>
+          </a:solidFill>
+          <a:ln w="6350">
+            <a:solidFill>
+              <a:schemeClr val="tx1"/>
+            </a:solidFill>
+          </a:ln>
+        </p:spPr>
+        <p:style>
+          <a:lnRef idx="2">
+            <a:schemeClr val="accent3">
+              <a:shade val="50000"/>
+            </a:schemeClr>
+          </a:lnRef>
+          <a:fillRef idx="1">
+            <a:schemeClr val="accent3"/>
+          </a:fillRef>
+          <a:effectRef idx="0">
+            <a:schemeClr val="accent3"/>
+          </a:effectRef>
+          <a:fontRef idx="minor">
+            <a:schemeClr val="lt1"/>
+          </a:fontRef>
+        </p:style>
+        <p:txBody>
+          <a:bodyPr rtlCol="0" anchor="ctr"/>
+          <a:lstStyle/>
+          <a:p>
+            <a:pPr algn="ctr"/>
+            <a:r>
+              <a:rPr lang="de-DE" sz="1400" dirty="0">
+                <a:solidFill>
+                  <a:schemeClr val="bg1"/>
+                </a:solidFill>
+                <a:latin typeface="+mj-lt"/>
+                <a:cs typeface="Arial" pitchFamily="34" charset="0"/>
+              </a:rPr>
+              <a:t>MQTT</a:t>
+            </a:r>
+          </a:p>
+        </p:txBody>
+      </p:sp>
+      <p:cxnSp>
+        <p:nvCxnSpPr>
+          <p:cNvPr id="56" name="Gewinkelte Verbindung 55"/>
+          <p:cNvCxnSpPr>
+            <a:stCxn id="25" idx="2"/>
+            <a:endCxn id="53" idx="2"/>
+          </p:cNvCxnSpPr>
+          <p:nvPr/>
+        </p:nvCxnSpPr>
+        <p:spPr>
+          <a:xfrm rot="16200000" flipH="1">
+            <a:off x="1390689" y="2733600"/>
+            <a:ext cx="8281" cy="5237958"/>
+          </a:xfrm>
+          <a:prstGeom prst="bentConnector3">
+            <a:avLst>
+              <a:gd name="adj1" fmla="val 5650129"/>
+            </a:avLst>
+          </a:prstGeom>
+          <a:ln w="38100">
+            <a:solidFill>
+              <a:srgbClr val="FF0000"/>
+            </a:solidFill>
+            <a:tailEnd type="arrow"/>
+          </a:ln>
+        </p:spPr>
+        <p:style>
+          <a:lnRef idx="1">
+            <a:schemeClr val="accent1"/>
+          </a:lnRef>
+          <a:fillRef idx="0">
+            <a:schemeClr val="accent1"/>
+          </a:fillRef>
+          <a:effectRef idx="0">
+            <a:schemeClr val="accent1"/>
+          </a:effectRef>
+          <a:fontRef idx="minor">
+            <a:schemeClr val="tx1"/>
+          </a:fontRef>
+        </p:style>
+      </p:cxnSp>
+      <p:pic>
+        <p:nvPicPr>
+          <p:cNvPr id="37" name="Picture 1"/>
+          <p:cNvPicPr>
+            <a:picLocks noChangeAspect="1" noChangeArrowheads="1"/>
+          </p:cNvPicPr>
+          <p:nvPr/>
+        </p:nvPicPr>
+        <p:blipFill>
+          <a:blip r:embed="rId3" cstate="print"/>
+          <a:srcRect/>
+          <a:stretch>
+            <a:fillRect/>
+          </a:stretch>
+        </p:blipFill>
+        <p:spPr bwMode="auto">
+          <a:xfrm flipH="1">
+            <a:off x="2105240" y="620688"/>
+            <a:ext cx="1015025" cy="1728192"/>
+          </a:xfrm>
+          <a:prstGeom prst="rect">
+            <a:avLst/>
+          </a:prstGeom>
+          <a:noFill/>
+          <a:ln w="9525">
+            <a:noFill/>
+            <a:miter lim="800000"/>
+            <a:headEnd/>
+            <a:tailEnd/>
+          </a:ln>
+          <a:effectLst/>
+        </p:spPr>
+      </p:pic>
+      <p:sp>
+        <p:nvSpPr>
+          <p:cNvPr id="41" name="角丸四角形 6"/>
+          <p:cNvSpPr/>
+          <p:nvPr/>
+        </p:nvSpPr>
+        <p:spPr bwMode="auto">
+          <a:xfrm>
+            <a:off x="6438252" y="6010393"/>
+            <a:ext cx="1234230" cy="387424"/>
+          </a:xfrm>
+          <a:prstGeom prst="roundRect">
+            <a:avLst>
+              <a:gd name="adj" fmla="val 27876"/>
+            </a:avLst>
+          </a:prstGeom>
+          <a:solidFill>
+            <a:sysClr val="window" lastClr="FFFFFF">
+              <a:lumMod val="50000"/>
+            </a:sysClr>
+          </a:solidFill>
+          <a:ln w="9525" cap="flat" cmpd="sng" algn="ctr">
+            <a:noFill/>
+            <a:prstDash val="solid"/>
+            <a:headEnd type="none" w="med" len="med"/>
+            <a:tailEnd type="none" w="med" len="med"/>
+          </a:ln>
+          <a:effectLst>
+            <a:outerShdw blurRad="76200" dist="50800" dir="2700000" rotWithShape="0">
+              <a:srgbClr val="000000">
+                <a:alpha val="30000"/>
+              </a:srgbClr>
+            </a:outerShdw>
+          </a:effectLst>
+          <a:extLst/>
+        </p:spPr>
+        <p:txBody>
+          <a:bodyPr vert="horz" wrap="none" lIns="91440" tIns="36000" rIns="91440" bIns="72000" numCol="1" rtlCol="0" anchor="ctr" anchorCtr="0" compatLnSpc="1">
+            <a:prstTxWarp prst="textNoShape">
+              <a:avLst/>
+            </a:prstTxWarp>
+            <a:noAutofit/>
+          </a:bodyPr>
+          <a:lstStyle/>
+          <a:p>
+            <a:pPr lvl="0" algn="ctr" fontAlgn="ctr">
+              <a:defRPr/>
+            </a:pPr>
+            <a:r>
+              <a:rPr lang="en-US" altLang="ja-JP" sz="1400" kern="0" dirty="0">
+                <a:solidFill>
+                  <a:srgbClr val="000000"/>
+                </a:solidFill>
+                <a:latin typeface="+mn-lt"/>
+                <a:ea typeface="HG明朝E" panose="02020909000000000000" pitchFamily="17" charset="-128"/>
+                <a:cs typeface="Arial" pitchFamily="34" charset="0"/>
+              </a:rPr>
+              <a:t>Legacy Device</a:t>
+            </a:r>
+          </a:p>
+        </p:txBody>
+      </p:sp>
+      <p:cxnSp>
+        <p:nvCxnSpPr>
+          <p:cNvPr id="44" name="Gerade Verbindung mit Pfeil 43"/>
+          <p:cNvCxnSpPr>
+            <a:endCxn id="41" idx="0"/>
+          </p:cNvCxnSpPr>
+          <p:nvPr/>
+        </p:nvCxnSpPr>
+        <p:spPr>
+          <a:xfrm flipH="1">
+            <a:off x="7055367" y="5212711"/>
+            <a:ext cx="1" cy="797682"/>
+          </a:xfrm>
+          <a:prstGeom prst="straightConnector1">
+            <a:avLst/>
+          </a:prstGeom>
+          <a:ln w="38100">
+            <a:solidFill>
+              <a:schemeClr val="tx1"/>
+            </a:solidFill>
+            <a:prstDash val="sysDot"/>
+            <a:headEnd type="arrow" w="med" len="med"/>
+            <a:tailEnd type="arrow" w="med" len="med"/>
+          </a:ln>
+        </p:spPr>
+        <p:style>
+          <a:lnRef idx="1">
+            <a:schemeClr val="accent1"/>
+          </a:lnRef>
+          <a:fillRef idx="0">
+            <a:schemeClr val="accent1"/>
+          </a:fillRef>
+          <a:effectRef idx="0">
+            <a:schemeClr val="accent1"/>
+          </a:effectRef>
+          <a:fontRef idx="minor">
+            <a:schemeClr val="tx1"/>
+          </a:fontRef>
+        </p:style>
+      </p:cxnSp>
+      <p:sp>
+        <p:nvSpPr>
+          <p:cNvPr id="39" name="角丸四角形 21"/>
+          <p:cNvSpPr/>
+          <p:nvPr/>
+        </p:nvSpPr>
+        <p:spPr bwMode="auto">
+          <a:xfrm>
+            <a:off x="2843808" y="2636912"/>
+            <a:ext cx="4824534" cy="1079531"/>
+          </a:xfrm>
+          <a:prstGeom prst="roundRect">
+            <a:avLst>
+              <a:gd name="adj" fmla="val 25084"/>
+            </a:avLst>
+          </a:prstGeom>
+          <a:solidFill>
+            <a:srgbClr val="4A7B7C"/>
+          </a:solidFill>
+          <a:ln w="25400" cap="flat" cmpd="sng" algn="ctr">
+            <a:noFill/>
+            <a:prstDash val="solid"/>
+            <a:round/>
+            <a:headEnd type="none" w="med" len="med"/>
+            <a:tailEnd type="none" w="med" len="med"/>
+          </a:ln>
+          <a:effectLst/>
+          <a:extLst/>
+        </p:spPr>
+        <p:txBody>
+          <a:bodyPr vert="horz" wrap="none" lIns="91440" tIns="45720" rIns="91440" bIns="45720" numCol="1" rtlCol="0" anchor="ctr" anchorCtr="0" compatLnSpc="1">
+            <a:prstTxWarp prst="textNoShape">
+              <a:avLst/>
+            </a:prstTxWarp>
+            <a:noAutofit/>
+          </a:bodyPr>
+          <a:lstStyle/>
+          <a:p>
+            <a:pPr algn="ctr" fontAlgn="ctr">
+              <a:spcBef>
+                <a:spcPts val="0"/>
+              </a:spcBef>
+              <a:spcAft>
+                <a:spcPts val="0"/>
+              </a:spcAft>
+              <a:defRPr/>
+            </a:pPr>
+            <a:endParaRPr lang="en-US" altLang="ja-JP" sz="2000" kern="0" dirty="0">
+              <a:solidFill>
+                <a:prstClr val="white"/>
+              </a:solidFill>
+              <a:latin typeface="+mj-lt"/>
+              <a:ea typeface="HG明朝E" panose="02020909000000000000" pitchFamily="17" charset="-128"/>
+              <a:cs typeface="Arial" pitchFamily="34" charset="0"/>
+            </a:endParaRPr>
+          </a:p>
+        </p:txBody>
+      </p:sp>
+      <p:sp>
+        <p:nvSpPr>
+          <p:cNvPr id="46" name="角丸四角形 21"/>
+          <p:cNvSpPr/>
+          <p:nvPr/>
+        </p:nvSpPr>
+        <p:spPr bwMode="auto">
+          <a:xfrm>
+            <a:off x="2843808" y="3030855"/>
+            <a:ext cx="4824534" cy="685589"/>
+          </a:xfrm>
+          <a:prstGeom prst="roundRect">
+            <a:avLst>
+              <a:gd name="adj" fmla="val 22240"/>
+            </a:avLst>
+          </a:prstGeom>
+          <a:solidFill>
+            <a:srgbClr val="4A7B7C"/>
+          </a:solidFill>
+          <a:ln w="25400" cap="flat" cmpd="sng" algn="ctr">
+            <a:noFill/>
+            <a:prstDash val="solid"/>
+            <a:round/>
+            <a:headEnd type="none" w="med" len="med"/>
+            <a:tailEnd type="none" w="med" len="med"/>
+          </a:ln>
+          <a:effectLst/>
+          <a:extLst/>
+        </p:spPr>
+        <p:txBody>
+          <a:bodyPr vert="horz" wrap="none" lIns="91440" tIns="45720" rIns="91440" bIns="45720" numCol="1" rtlCol="0" anchor="ctr" anchorCtr="0" compatLnSpc="1">
+            <a:prstTxWarp prst="textNoShape">
+              <a:avLst/>
+            </a:prstTxWarp>
+            <a:noAutofit/>
+          </a:bodyPr>
+          <a:lstStyle/>
+          <a:p>
+            <a:pPr algn="ctr" fontAlgn="ctr">
+              <a:spcBef>
+                <a:spcPts val="0"/>
+              </a:spcBef>
+              <a:spcAft>
+                <a:spcPts val="0"/>
+              </a:spcAft>
+              <a:defRPr/>
+            </a:pPr>
+            <a:r>
+              <a:rPr lang="en-US" altLang="ja-JP" sz="2000" kern="0" dirty="0">
+                <a:solidFill>
+                  <a:prstClr val="white"/>
+                </a:solidFill>
+                <a:ea typeface="HG明朝E" panose="02020909000000000000" pitchFamily="17" charset="-128"/>
+                <a:cs typeface="Arial" pitchFamily="34" charset="0"/>
+              </a:rPr>
+              <a:t>WoT Runtime</a:t>
+            </a:r>
+          </a:p>
+        </p:txBody>
+      </p:sp>
+      <p:sp>
+        <p:nvSpPr>
+          <p:cNvPr id="58" name="角丸四角形 21"/>
+          <p:cNvSpPr/>
+          <p:nvPr/>
+        </p:nvSpPr>
+        <p:spPr bwMode="auto">
+          <a:xfrm>
+            <a:off x="2843808" y="2446766"/>
+            <a:ext cx="4824536" cy="576000"/>
+          </a:xfrm>
+          <a:prstGeom prst="roundRect">
+            <a:avLst>
+              <a:gd name="adj" fmla="val 18750"/>
+            </a:avLst>
+          </a:prstGeom>
+          <a:solidFill>
+            <a:srgbClr val="005A9C"/>
+          </a:solidFill>
+          <a:ln w="25400" cap="flat" cmpd="sng" algn="ctr">
+            <a:noFill/>
+            <a:prstDash val="solid"/>
+            <a:round/>
+            <a:headEnd type="none" w="med" len="med"/>
+            <a:tailEnd type="none" w="med" len="med"/>
+          </a:ln>
+          <a:effectLst/>
+          <a:extLst/>
+        </p:spPr>
+        <p:txBody>
+          <a:bodyPr vert="horz" wrap="none" lIns="91440" tIns="45720" rIns="91440" bIns="90000" numCol="1" rtlCol="0" anchor="b" anchorCtr="0" compatLnSpc="1">
+            <a:prstTxWarp prst="textNoShape">
+              <a:avLst/>
+            </a:prstTxWarp>
+            <a:noAutofit/>
+          </a:bodyPr>
+          <a:lstStyle/>
+          <a:p>
+            <a:pPr algn="ctr" fontAlgn="ctr">
+              <a:spcBef>
+                <a:spcPts val="0"/>
+              </a:spcBef>
+              <a:spcAft>
+                <a:spcPts val="0"/>
+              </a:spcAft>
+              <a:defRPr/>
+            </a:pPr>
+            <a:r>
+              <a:rPr lang="en-US" altLang="ja-JP" sz="2000" kern="0" dirty="0">
+                <a:solidFill>
+                  <a:prstClr val="white"/>
+                </a:solidFill>
+                <a:latin typeface="+mj-lt"/>
+                <a:ea typeface="HG明朝E" panose="02020909000000000000" pitchFamily="17" charset="-128"/>
+                <a:cs typeface="Arial" pitchFamily="34" charset="0"/>
+              </a:rPr>
+              <a:t>WoT Scripting API</a:t>
+            </a:r>
+          </a:p>
+        </p:txBody>
+      </p:sp>
+      <p:sp>
+        <p:nvSpPr>
+          <p:cNvPr id="57" name="角丸四角形 21"/>
+          <p:cNvSpPr/>
+          <p:nvPr/>
+        </p:nvSpPr>
+        <p:spPr bwMode="auto">
+          <a:xfrm>
+            <a:off x="-2394149" y="2637424"/>
+            <a:ext cx="2340000" cy="1079531"/>
+          </a:xfrm>
+          <a:prstGeom prst="roundRect">
+            <a:avLst>
+              <a:gd name="adj" fmla="val 25084"/>
+            </a:avLst>
+          </a:prstGeom>
+          <a:solidFill>
+            <a:srgbClr val="4A7B7C"/>
+          </a:solidFill>
+          <a:ln w="25400" cap="flat" cmpd="sng" algn="ctr">
+            <a:noFill/>
+            <a:prstDash val="solid"/>
+            <a:round/>
+            <a:headEnd type="none" w="med" len="med"/>
+            <a:tailEnd type="none" w="med" len="med"/>
+          </a:ln>
+          <a:effectLst/>
+          <a:extLst/>
+        </p:spPr>
+        <p:txBody>
+          <a:bodyPr vert="horz" wrap="none" lIns="91440" tIns="45720" rIns="91440" bIns="45720" numCol="1" rtlCol="0" anchor="ctr" anchorCtr="0" compatLnSpc="1">
+            <a:prstTxWarp prst="textNoShape">
+              <a:avLst/>
+            </a:prstTxWarp>
+            <a:noAutofit/>
+          </a:bodyPr>
+          <a:lstStyle/>
+          <a:p>
+            <a:pPr algn="ctr" fontAlgn="ctr">
+              <a:spcBef>
+                <a:spcPts val="0"/>
+              </a:spcBef>
+              <a:spcAft>
+                <a:spcPts val="0"/>
+              </a:spcAft>
+              <a:defRPr/>
+            </a:pPr>
+            <a:endParaRPr lang="en-US" altLang="ja-JP" sz="2000" kern="0" dirty="0">
+              <a:solidFill>
+                <a:prstClr val="white"/>
+              </a:solidFill>
+              <a:latin typeface="+mj-lt"/>
+              <a:ea typeface="HG明朝E" panose="02020909000000000000" pitchFamily="17" charset="-128"/>
+              <a:cs typeface="Arial" pitchFamily="34" charset="0"/>
+            </a:endParaRPr>
+          </a:p>
+        </p:txBody>
+      </p:sp>
+      <p:sp>
+        <p:nvSpPr>
+          <p:cNvPr id="65" name="角丸四角形 21"/>
+          <p:cNvSpPr/>
+          <p:nvPr/>
+        </p:nvSpPr>
+        <p:spPr bwMode="auto">
+          <a:xfrm>
+            <a:off x="-2394149" y="3031366"/>
+            <a:ext cx="2340000" cy="685589"/>
+          </a:xfrm>
+          <a:prstGeom prst="roundRect">
+            <a:avLst>
+              <a:gd name="adj" fmla="val 22240"/>
+            </a:avLst>
+          </a:prstGeom>
+          <a:solidFill>
+            <a:srgbClr val="4A7B7C"/>
+          </a:solidFill>
+          <a:ln w="25400" cap="flat" cmpd="sng" algn="ctr">
+            <a:noFill/>
+            <a:prstDash val="solid"/>
+            <a:round/>
+            <a:headEnd type="none" w="med" len="med"/>
+            <a:tailEnd type="none" w="med" len="med"/>
+          </a:ln>
+          <a:effectLst/>
+          <a:extLst/>
+        </p:spPr>
+        <p:txBody>
+          <a:bodyPr vert="horz" wrap="none" lIns="91440" tIns="45720" rIns="91440" bIns="45720" numCol="1" rtlCol="0" anchor="ctr" anchorCtr="0" compatLnSpc="1">
+            <a:prstTxWarp prst="textNoShape">
+              <a:avLst/>
+            </a:prstTxWarp>
+            <a:noAutofit/>
+          </a:bodyPr>
+          <a:lstStyle/>
+          <a:p>
+            <a:pPr algn="ctr" fontAlgn="ctr">
+              <a:spcBef>
+                <a:spcPts val="0"/>
+              </a:spcBef>
+              <a:spcAft>
+                <a:spcPts val="0"/>
+              </a:spcAft>
+              <a:defRPr/>
+            </a:pPr>
+            <a:r>
+              <a:rPr lang="en-US" altLang="ja-JP" sz="2000" kern="0" dirty="0">
+                <a:solidFill>
+                  <a:prstClr val="white"/>
+                </a:solidFill>
+                <a:ea typeface="HG明朝E" panose="02020909000000000000" pitchFamily="17" charset="-128"/>
+                <a:cs typeface="Arial" pitchFamily="34" charset="0"/>
+              </a:rPr>
+              <a:t>Browser + Library</a:t>
+            </a:r>
+          </a:p>
+        </p:txBody>
+      </p:sp>
+      <p:sp>
+        <p:nvSpPr>
+          <p:cNvPr id="30" name="角丸四角形 21"/>
+          <p:cNvSpPr/>
+          <p:nvPr/>
+        </p:nvSpPr>
+        <p:spPr bwMode="auto">
+          <a:xfrm>
+            <a:off x="-2394150" y="2447278"/>
+            <a:ext cx="2340000" cy="576000"/>
+          </a:xfrm>
+          <a:prstGeom prst="roundRect">
+            <a:avLst>
+              <a:gd name="adj" fmla="val 18750"/>
+            </a:avLst>
+          </a:prstGeom>
+          <a:solidFill>
+            <a:srgbClr val="005A9C"/>
+          </a:solidFill>
+          <a:ln w="25400" cap="flat" cmpd="sng" algn="ctr">
+            <a:noFill/>
+            <a:prstDash val="solid"/>
+            <a:round/>
+            <a:headEnd type="none" w="med" len="med"/>
+            <a:tailEnd type="none" w="med" len="med"/>
+          </a:ln>
+          <a:effectLst/>
+          <a:extLst/>
+        </p:spPr>
+        <p:txBody>
+          <a:bodyPr vert="horz" wrap="none" lIns="91440" tIns="45720" rIns="91440" bIns="90000" numCol="1" rtlCol="0" anchor="b" anchorCtr="0" compatLnSpc="1">
+            <a:prstTxWarp prst="textNoShape">
+              <a:avLst/>
+            </a:prstTxWarp>
+            <a:noAutofit/>
+          </a:bodyPr>
+          <a:lstStyle/>
+          <a:p>
+            <a:pPr algn="ctr" fontAlgn="ctr">
+              <a:spcBef>
+                <a:spcPts val="0"/>
+              </a:spcBef>
+              <a:spcAft>
+                <a:spcPts val="0"/>
+              </a:spcAft>
+              <a:defRPr/>
+            </a:pPr>
+            <a:r>
+              <a:rPr lang="en-US" altLang="ja-JP" sz="2000" kern="0" dirty="0">
+                <a:solidFill>
+                  <a:prstClr val="white"/>
+                </a:solidFill>
+                <a:latin typeface="+mj-lt"/>
+                <a:ea typeface="HG明朝E" panose="02020909000000000000" pitchFamily="17" charset="-128"/>
+                <a:cs typeface="Arial" pitchFamily="34" charset="0"/>
+              </a:rPr>
+              <a:t>WoT Scripting API</a:t>
+            </a:r>
+          </a:p>
+        </p:txBody>
+      </p:sp>
+      <p:pic>
+        <p:nvPicPr>
+          <p:cNvPr id="67" name="Picture 4" descr="https://cdn.shopify.com/s/files/1/0601/1741/products/LiFx_White_1.png?v=1415983126"/>
+          <p:cNvPicPr>
+            <a:picLocks noChangeAspect="1" noChangeArrowheads="1"/>
+          </p:cNvPicPr>
+          <p:nvPr/>
+        </p:nvPicPr>
+        <p:blipFill>
+          <a:blip r:embed="rId4" cstate="print"/>
+          <a:srcRect/>
+          <a:stretch>
+            <a:fillRect/>
+          </a:stretch>
+        </p:blipFill>
+        <p:spPr bwMode="auto">
+          <a:xfrm>
+            <a:off x="7319206" y="5655881"/>
+            <a:ext cx="1134393" cy="1328553"/>
+          </a:xfrm>
+          <a:prstGeom prst="rect">
+            <a:avLst/>
+          </a:prstGeom>
+          <a:noFill/>
+        </p:spPr>
+      </p:pic>
+    </p:spTree>
+  </p:cSld>
+  <p:clrMapOvr>
+    <a:masterClrMapping/>
+  </p:clrMapOvr>
+</p:sld>
+</file>
+
+<file path=ppt/slides/slide14.xml><?xml version="1.0" encoding="utf-8"?>
+<p:sld xmlns:a="http://schemas.openxmlformats.org/drawingml/2006/main" xmlns:r="http://schemas.openxmlformats.org/officeDocument/2006/relationships" xmlns:p="http://schemas.openxmlformats.org/presentationml/2006/main">
+  <p:cSld>
+    <p:spTree>
+      <p:nvGrpSpPr>
+        <p:cNvPr id="1" name=""/>
+        <p:cNvGrpSpPr/>
+        <p:nvPr/>
+      </p:nvGrpSpPr>
+      <p:grpSpPr>
+        <a:xfrm>
+          <a:off x="0" y="0"/>
+          <a:ext cx="0" cy="0"/>
+          <a:chOff x="0" y="0"/>
+          <a:chExt cx="0" cy="0"/>
+        </a:xfrm>
+      </p:grpSpPr>
+      <p:sp>
+        <p:nvSpPr>
+          <p:cNvPr id="23" name="角丸四角形 6"/>
+          <p:cNvSpPr/>
+          <p:nvPr/>
+        </p:nvSpPr>
+        <p:spPr bwMode="auto">
+          <a:xfrm>
+            <a:off x="-2556298" y="1152000"/>
+            <a:ext cx="2664296" cy="4366800"/>
+          </a:xfrm>
+          <a:prstGeom prst="roundRect">
+            <a:avLst>
+              <a:gd name="adj" fmla="val 4472"/>
+            </a:avLst>
+          </a:prstGeom>
+          <a:solidFill>
+            <a:sysClr val="window" lastClr="FFFFFF">
+              <a:lumMod val="50000"/>
+            </a:sysClr>
+          </a:solidFill>
+          <a:ln w="9525" cap="flat" cmpd="sng" algn="ctr">
+            <a:noFill/>
+            <a:prstDash val="solid"/>
+            <a:headEnd type="none" w="med" len="med"/>
+            <a:tailEnd type="none" w="med" len="med"/>
+          </a:ln>
+          <a:effectLst>
+            <a:outerShdw blurRad="76200" dist="50800" dir="2700000" rotWithShape="0">
+              <a:srgbClr val="000000">
+                <a:alpha val="30000"/>
+              </a:srgbClr>
+            </a:outerShdw>
+          </a:effectLst>
+          <a:extLst/>
+        </p:spPr>
+        <p:txBody>
+          <a:bodyPr vert="horz" wrap="none" lIns="91440" tIns="36000" rIns="91440" bIns="72000" numCol="1" rtlCol="0" anchor="t" anchorCtr="0" compatLnSpc="1">
+            <a:prstTxWarp prst="textNoShape">
+              <a:avLst/>
+            </a:prstTxWarp>
+            <a:noAutofit/>
+          </a:bodyPr>
+          <a:lstStyle/>
+          <a:p>
+            <a:pPr lvl="0" algn="ctr" fontAlgn="ctr">
+              <a:defRPr/>
+            </a:pPr>
+            <a:r>
+              <a:rPr lang="en-US" altLang="ja-JP" sz="2000" b="1" kern="0" dirty="0">
+                <a:solidFill>
+                  <a:srgbClr val="000000"/>
+                </a:solidFill>
+                <a:ea typeface="HG明朝E" panose="02020909000000000000" pitchFamily="17" charset="-128"/>
+                <a:cs typeface="Arial" pitchFamily="34" charset="0"/>
+              </a:rPr>
+              <a:t>WoT Client (Browser)</a:t>
+            </a:r>
+          </a:p>
+        </p:txBody>
+      </p:sp>
+      <p:sp>
+        <p:nvSpPr>
+          <p:cNvPr id="25" name="角丸四角形 21"/>
+          <p:cNvSpPr/>
+          <p:nvPr/>
+        </p:nvSpPr>
+        <p:spPr bwMode="auto">
+          <a:xfrm>
+            <a:off x="-2394150" y="3836439"/>
+            <a:ext cx="2340000" cy="1512000"/>
+          </a:xfrm>
+          <a:prstGeom prst="roundRect">
+            <a:avLst>
+              <a:gd name="adj" fmla="val 7143"/>
+            </a:avLst>
+          </a:prstGeom>
+          <a:solidFill>
+            <a:srgbClr val="00B050"/>
+          </a:solidFill>
+          <a:ln w="25400" cap="flat" cmpd="sng" algn="ctr">
+            <a:noFill/>
+            <a:prstDash val="solid"/>
+            <a:round/>
+            <a:headEnd type="none" w="med" len="med"/>
+            <a:tailEnd type="none" w="med" len="med"/>
+          </a:ln>
+          <a:effectLst/>
+          <a:extLst/>
+        </p:spPr>
+        <p:txBody>
+          <a:bodyPr vert="horz" wrap="none" lIns="91440" tIns="45720" rIns="91440" bIns="45720" numCol="1" rtlCol="0" anchor="t" anchorCtr="0" compatLnSpc="1">
+            <a:prstTxWarp prst="textNoShape">
+              <a:avLst/>
+            </a:prstTxWarp>
+            <a:noAutofit/>
+          </a:bodyPr>
+          <a:lstStyle/>
+          <a:p>
+            <a:pPr algn="ctr" fontAlgn="ctr">
+              <a:spcBef>
+                <a:spcPts val="0"/>
+              </a:spcBef>
+              <a:spcAft>
+                <a:spcPts val="0"/>
+              </a:spcAft>
+              <a:defRPr/>
+            </a:pPr>
+            <a:r>
+              <a:rPr lang="en-US" altLang="ja-JP" sz="2000" kern="0" dirty="0">
+                <a:solidFill>
+                  <a:prstClr val="white"/>
+                </a:solidFill>
+                <a:latin typeface="+mj-lt"/>
+                <a:ea typeface="HG明朝E" panose="02020909000000000000" pitchFamily="17" charset="-128"/>
+                <a:cs typeface="Arial" pitchFamily="34" charset="0"/>
+              </a:rPr>
+              <a:t>Protocol Bindings</a:t>
+            </a:r>
+          </a:p>
+        </p:txBody>
+      </p:sp>
+      <p:sp>
+        <p:nvSpPr>
+          <p:cNvPr id="29" name="角丸四角形 21"/>
+          <p:cNvSpPr/>
+          <p:nvPr/>
+        </p:nvSpPr>
+        <p:spPr bwMode="auto">
+          <a:xfrm>
+            <a:off x="-2394150" y="1674000"/>
+            <a:ext cx="2340000" cy="1208320"/>
+          </a:xfrm>
+          <a:prstGeom prst="roundRect">
+            <a:avLst>
+              <a:gd name="adj" fmla="val 10186"/>
+            </a:avLst>
+          </a:prstGeom>
+          <a:solidFill>
+            <a:srgbClr val="8EB4E3"/>
+          </a:solidFill>
+          <a:ln w="25400" cap="flat" cmpd="sng" algn="ctr">
+            <a:noFill/>
+            <a:prstDash val="solid"/>
+            <a:round/>
+            <a:headEnd type="none" w="med" len="med"/>
+            <a:tailEnd type="none" w="med" len="med"/>
+          </a:ln>
+          <a:effectLst/>
+          <a:extLst/>
+        </p:spPr>
+        <p:txBody>
+          <a:bodyPr vert="horz" wrap="none" lIns="91440" tIns="45720" rIns="91440" bIns="45720" numCol="1" rtlCol="0" anchor="t" anchorCtr="0" compatLnSpc="1">
+            <a:prstTxWarp prst="textNoShape">
+              <a:avLst/>
+            </a:prstTxWarp>
+            <a:noAutofit/>
+          </a:bodyPr>
+          <a:lstStyle/>
+          <a:p>
+            <a:pPr algn="ctr" fontAlgn="ctr">
+              <a:spcBef>
+                <a:spcPts val="0"/>
+              </a:spcBef>
+              <a:spcAft>
+                <a:spcPts val="0"/>
+              </a:spcAft>
+              <a:defRPr/>
+            </a:pPr>
+            <a:endParaRPr lang="en-US" altLang="ja-JP" sz="1600" kern="0" dirty="0">
+              <a:solidFill>
+                <a:prstClr val="black"/>
+              </a:solidFill>
+              <a:latin typeface="+mj-lt"/>
+              <a:ea typeface="HG明朝E" panose="02020909000000000000" pitchFamily="17" charset="-128"/>
+              <a:cs typeface="Arial" pitchFamily="34" charset="0"/>
+            </a:endParaRPr>
+          </a:p>
+        </p:txBody>
+      </p:sp>
+      <p:sp>
+        <p:nvSpPr>
+          <p:cNvPr id="32" name="縦巻き 49"/>
+          <p:cNvSpPr/>
+          <p:nvPr/>
+        </p:nvSpPr>
+        <p:spPr bwMode="auto">
+          <a:xfrm>
+            <a:off x="-2232262" y="1855711"/>
+            <a:ext cx="2016224" cy="421673"/>
+          </a:xfrm>
+          <a:prstGeom prst="verticalScroll">
+            <a:avLst/>
+          </a:prstGeom>
+          <a:solidFill>
+            <a:sysClr val="window" lastClr="FFFFFF"/>
+          </a:solidFill>
+          <a:ln w="6350" cap="flat" cmpd="sng" algn="ctr">
+            <a:solidFill>
+              <a:sysClr val="windowText" lastClr="000000"/>
+            </a:solidFill>
+            <a:prstDash val="solid"/>
+            <a:round/>
+            <a:headEnd type="none" w="med" len="med"/>
+            <a:tailEnd type="none" w="med" len="med"/>
+          </a:ln>
+          <a:effectLst/>
+          <a:extLst/>
+        </p:spPr>
+        <p:txBody>
+          <a:bodyPr vert="horz" wrap="none" lIns="91440" tIns="45720" rIns="91440" bIns="45720" numCol="1" rtlCol="0" anchor="ctr" anchorCtr="0" compatLnSpc="1">
+            <a:prstTxWarp prst="textNoShape">
+              <a:avLst/>
+            </a:prstTxWarp>
+            <a:noAutofit/>
+          </a:bodyPr>
+          <a:lstStyle/>
+          <a:p>
+            <a:pPr marL="0" marR="0" lvl="0" indent="0" algn="ctr" defTabSz="914400" eaLnBrk="1" fontAlgn="ctr" latinLnBrk="0" hangingPunct="1">
+              <a:lnSpc>
+                <a:spcPct val="100000"/>
+              </a:lnSpc>
+              <a:spcBef>
+                <a:spcPts val="0"/>
+              </a:spcBef>
+              <a:spcAft>
+                <a:spcPts val="0"/>
+              </a:spcAft>
+              <a:buClrTx/>
+              <a:buSzTx/>
+              <a:buFontTx/>
+              <a:buNone/>
+              <a:tabLst/>
+              <a:defRPr/>
+            </a:pPr>
+            <a:r>
+              <a:rPr kumimoji="0" lang="en-US" altLang="ja-JP" b="0" i="0" u="none" strike="noStrike" kern="0" cap="none" spc="0" normalizeH="0" baseline="0" dirty="0">
+                <a:ln>
+                  <a:noFill/>
+                </a:ln>
+                <a:solidFill>
+                  <a:prstClr val="black"/>
+                </a:solidFill>
+                <a:effectLst/>
+                <a:uLnTx/>
+                <a:uFillTx/>
+                <a:latin typeface="+mj-lt"/>
+                <a:ea typeface="HG明朝E" panose="02020909000000000000" pitchFamily="17" charset="-128"/>
+                <a:cs typeface="Arial" pitchFamily="34" charset="0"/>
+              </a:rPr>
+              <a:t>Application Script</a:t>
+            </a:r>
+          </a:p>
+        </p:txBody>
+      </p:sp>
+      <p:cxnSp>
+        <p:nvCxnSpPr>
+          <p:cNvPr id="42" name="Form 41"/>
+          <p:cNvCxnSpPr/>
+          <p:nvPr/>
+        </p:nvCxnSpPr>
+        <p:spPr>
+          <a:xfrm rot="16200000" flipV="1">
+            <a:off x="158714" y="1650605"/>
+            <a:ext cx="943687" cy="1765197"/>
+          </a:xfrm>
+          <a:prstGeom prst="bentConnector2">
+            <a:avLst/>
+          </a:prstGeom>
+          <a:ln w="38100">
+            <a:solidFill>
+              <a:schemeClr val="tx1"/>
+            </a:solidFill>
+            <a:prstDash val="sysDot"/>
+            <a:tailEnd type="arrow"/>
+          </a:ln>
+        </p:spPr>
+        <p:style>
+          <a:lnRef idx="1">
+            <a:schemeClr val="accent1"/>
+          </a:lnRef>
+          <a:fillRef idx="0">
+            <a:schemeClr val="accent1"/>
+          </a:fillRef>
+          <a:effectRef idx="0">
+            <a:schemeClr val="accent1"/>
+          </a:effectRef>
+          <a:fontRef idx="minor">
+            <a:schemeClr val="tx1"/>
+          </a:fontRef>
+        </p:style>
+      </p:cxnSp>
+      <p:sp>
+        <p:nvSpPr>
+          <p:cNvPr id="61" name="Rechteck 60"/>
+          <p:cNvSpPr/>
+          <p:nvPr/>
+        </p:nvSpPr>
+        <p:spPr>
+          <a:xfrm>
+            <a:off x="-2268266" y="4342144"/>
+            <a:ext cx="936000" cy="360040"/>
+          </a:xfrm>
+          <a:prstGeom prst="rect">
+            <a:avLst/>
+          </a:prstGeom>
+          <a:solidFill>
+            <a:srgbClr val="008000"/>
+          </a:solidFill>
+          <a:ln w="6350">
+            <a:solidFill>
+              <a:schemeClr val="tx1"/>
+            </a:solidFill>
+          </a:ln>
+        </p:spPr>
+        <p:style>
+          <a:lnRef idx="2">
+            <a:schemeClr val="accent3">
+              <a:shade val="50000"/>
+            </a:schemeClr>
+          </a:lnRef>
+          <a:fillRef idx="1">
+            <a:schemeClr val="accent3"/>
+          </a:fillRef>
+          <a:effectRef idx="0">
+            <a:schemeClr val="accent3"/>
+          </a:effectRef>
+          <a:fontRef idx="minor">
+            <a:schemeClr val="lt1"/>
+          </a:fontRef>
+        </p:style>
+        <p:txBody>
+          <a:bodyPr rtlCol="0" anchor="ctr"/>
+          <a:lstStyle/>
+          <a:p>
+            <a:pPr algn="ctr"/>
+            <a:r>
+              <a:rPr lang="de-DE" sz="1400" dirty="0">
+                <a:solidFill>
+                  <a:schemeClr val="bg1"/>
+                </a:solidFill>
+                <a:latin typeface="+mj-lt"/>
+                <a:cs typeface="Arial" pitchFamily="34" charset="0"/>
+              </a:rPr>
+              <a:t>HTTP(S)</a:t>
+            </a:r>
+          </a:p>
+        </p:txBody>
+      </p:sp>
+      <p:sp>
+        <p:nvSpPr>
+          <p:cNvPr id="62" name="Rechteck 61"/>
+          <p:cNvSpPr/>
+          <p:nvPr/>
+        </p:nvSpPr>
+        <p:spPr>
+          <a:xfrm>
+            <a:off x="-2268266" y="4844553"/>
+            <a:ext cx="936000" cy="360040"/>
+          </a:xfrm>
+          <a:prstGeom prst="rect">
+            <a:avLst/>
+          </a:prstGeom>
+          <a:solidFill>
+            <a:srgbClr val="008000"/>
+          </a:solidFill>
+          <a:ln w="6350">
+            <a:solidFill>
+              <a:schemeClr val="tx1"/>
+            </a:solidFill>
+          </a:ln>
+        </p:spPr>
+        <p:style>
+          <a:lnRef idx="2">
+            <a:schemeClr val="accent3">
+              <a:shade val="50000"/>
+            </a:schemeClr>
+          </a:lnRef>
+          <a:fillRef idx="1">
+            <a:schemeClr val="accent3"/>
+          </a:fillRef>
+          <a:effectRef idx="0">
+            <a:schemeClr val="accent3"/>
+          </a:effectRef>
+          <a:fontRef idx="minor">
+            <a:schemeClr val="lt1"/>
+          </a:fontRef>
+        </p:style>
+        <p:txBody>
+          <a:bodyPr rtlCol="0" anchor="ctr"/>
+          <a:lstStyle/>
+          <a:p>
+            <a:pPr algn="ctr"/>
+            <a:r>
+              <a:rPr lang="de-DE" sz="1400" dirty="0">
+                <a:solidFill>
+                  <a:schemeClr val="bg1"/>
+                </a:solidFill>
+                <a:latin typeface="+mj-lt"/>
+                <a:cs typeface="Arial" pitchFamily="34" charset="0"/>
+              </a:rPr>
+              <a:t>…</a:t>
+            </a:r>
+          </a:p>
+        </p:txBody>
+      </p:sp>
+      <p:sp>
+        <p:nvSpPr>
+          <p:cNvPr id="63" name="Rechteck 62"/>
+          <p:cNvSpPr/>
+          <p:nvPr/>
+        </p:nvSpPr>
+        <p:spPr>
+          <a:xfrm>
+            <a:off x="-1152090" y="4342144"/>
+            <a:ext cx="936000" cy="360040"/>
+          </a:xfrm>
+          <a:prstGeom prst="rect">
+            <a:avLst/>
+          </a:prstGeom>
+          <a:solidFill>
+            <a:srgbClr val="008000"/>
+          </a:solidFill>
+          <a:ln w="6350">
+            <a:solidFill>
+              <a:schemeClr val="tx1"/>
+            </a:solidFill>
+          </a:ln>
+        </p:spPr>
+        <p:style>
+          <a:lnRef idx="2">
+            <a:schemeClr val="accent3">
+              <a:shade val="50000"/>
+            </a:schemeClr>
+          </a:lnRef>
+          <a:fillRef idx="1">
+            <a:schemeClr val="accent3"/>
+          </a:fillRef>
+          <a:effectRef idx="0">
+            <a:schemeClr val="accent3"/>
+          </a:effectRef>
+          <a:fontRef idx="minor">
+            <a:schemeClr val="lt1"/>
+          </a:fontRef>
+        </p:style>
+        <p:txBody>
+          <a:bodyPr rtlCol="0" anchor="ctr"/>
+          <a:lstStyle/>
+          <a:p>
+            <a:pPr algn="ctr"/>
+            <a:r>
+              <a:rPr lang="de-DE" sz="1400" dirty="0">
+                <a:solidFill>
+                  <a:schemeClr val="bg1"/>
+                </a:solidFill>
+                <a:cs typeface="Arial" pitchFamily="34" charset="0"/>
+              </a:rPr>
+              <a:t>(S)RTP</a:t>
+            </a:r>
+            <a:endParaRPr lang="de-DE" sz="1400" dirty="0">
+              <a:solidFill>
+                <a:schemeClr val="bg1"/>
+              </a:solidFill>
+              <a:latin typeface="+mj-lt"/>
+              <a:cs typeface="Arial" pitchFamily="34" charset="0"/>
+            </a:endParaRPr>
+          </a:p>
+        </p:txBody>
+      </p:sp>
+      <p:sp>
+        <p:nvSpPr>
+          <p:cNvPr id="64" name="Rechteck 63"/>
+          <p:cNvSpPr/>
+          <p:nvPr/>
+        </p:nvSpPr>
+        <p:spPr>
+          <a:xfrm>
+            <a:off x="-1152090" y="4844553"/>
+            <a:ext cx="936000" cy="360040"/>
+          </a:xfrm>
+          <a:prstGeom prst="rect">
+            <a:avLst/>
+          </a:prstGeom>
+          <a:solidFill>
+            <a:srgbClr val="008000"/>
+          </a:solidFill>
+          <a:ln w="6350">
+            <a:solidFill>
+              <a:schemeClr val="tx1"/>
+            </a:solidFill>
+          </a:ln>
+        </p:spPr>
+        <p:style>
+          <a:lnRef idx="2">
+            <a:schemeClr val="accent3">
+              <a:shade val="50000"/>
+            </a:schemeClr>
+          </a:lnRef>
+          <a:fillRef idx="1">
+            <a:schemeClr val="accent3"/>
+          </a:fillRef>
+          <a:effectRef idx="0">
+            <a:schemeClr val="accent3"/>
+          </a:effectRef>
+          <a:fontRef idx="minor">
+            <a:schemeClr val="lt1"/>
+          </a:fontRef>
+        </p:style>
+        <p:txBody>
+          <a:bodyPr rtlCol="0" anchor="ctr"/>
+          <a:lstStyle/>
+          <a:p>
+            <a:pPr algn="ctr"/>
+            <a:r>
+              <a:rPr lang="de-DE" sz="1400" dirty="0">
+                <a:solidFill>
+                  <a:schemeClr val="bg1"/>
+                </a:solidFill>
+                <a:latin typeface="+mj-lt"/>
+                <a:cs typeface="Arial" pitchFamily="34" charset="0"/>
+              </a:rPr>
+              <a:t>FTP</a:t>
+            </a:r>
+          </a:p>
+        </p:txBody>
+      </p:sp>
+      <p:sp>
+        <p:nvSpPr>
+          <p:cNvPr id="36" name="角丸四角形 6"/>
+          <p:cNvSpPr/>
+          <p:nvPr/>
+        </p:nvSpPr>
+        <p:spPr bwMode="auto">
+          <a:xfrm>
+            <a:off x="2699792" y="1152000"/>
+            <a:ext cx="5112568" cy="4366650"/>
+          </a:xfrm>
+          <a:prstGeom prst="roundRect">
+            <a:avLst>
+              <a:gd name="adj" fmla="val 4472"/>
+            </a:avLst>
+          </a:prstGeom>
+          <a:solidFill>
+            <a:sysClr val="window" lastClr="FFFFFF">
+              <a:lumMod val="50000"/>
+            </a:sysClr>
+          </a:solidFill>
+          <a:ln w="9525" cap="flat" cmpd="sng" algn="ctr">
+            <a:noFill/>
+            <a:prstDash val="solid"/>
+            <a:headEnd type="none" w="med" len="med"/>
+            <a:tailEnd type="none" w="med" len="med"/>
+          </a:ln>
+          <a:effectLst>
+            <a:outerShdw blurRad="76200" dist="50800" dir="2700000" rotWithShape="0">
+              <a:srgbClr val="000000">
+                <a:alpha val="30000"/>
+              </a:srgbClr>
+            </a:outerShdw>
+          </a:effectLst>
+          <a:extLst/>
+        </p:spPr>
+        <p:txBody>
+          <a:bodyPr vert="horz" wrap="none" lIns="91440" tIns="36000" rIns="91440" bIns="72000" numCol="1" rtlCol="0" anchor="t" anchorCtr="0" compatLnSpc="1">
+            <a:prstTxWarp prst="textNoShape">
+              <a:avLst/>
+            </a:prstTxWarp>
+            <a:noAutofit/>
+          </a:bodyPr>
+          <a:lstStyle/>
+          <a:p>
+            <a:pPr lvl="0" algn="ctr" fontAlgn="ctr">
+              <a:defRPr/>
+            </a:pPr>
+            <a:r>
+              <a:rPr lang="en-US" altLang="ja-JP" sz="2000" b="1" kern="0" dirty="0">
+                <a:solidFill>
+                  <a:srgbClr val="000000"/>
+                </a:solidFill>
+                <a:ea typeface="HG明朝E" panose="02020909000000000000" pitchFamily="17" charset="-128"/>
+                <a:cs typeface="Arial" pitchFamily="34" charset="0"/>
+              </a:rPr>
+              <a:t>Servient (Gateway)</a:t>
+            </a:r>
+          </a:p>
+        </p:txBody>
+      </p:sp>
+      <p:sp>
+        <p:nvSpPr>
+          <p:cNvPr id="43" name="角丸四角形 21"/>
+          <p:cNvSpPr/>
+          <p:nvPr/>
+        </p:nvSpPr>
+        <p:spPr bwMode="auto">
+          <a:xfrm>
+            <a:off x="2843808" y="1672527"/>
+            <a:ext cx="4824536" cy="1135800"/>
+          </a:xfrm>
+          <a:prstGeom prst="roundRect">
+            <a:avLst>
+              <a:gd name="adj" fmla="val 10186"/>
+            </a:avLst>
+          </a:prstGeom>
+          <a:solidFill>
+            <a:srgbClr val="8EB4E3"/>
+          </a:solidFill>
+          <a:ln w="25400" cap="flat" cmpd="sng" algn="ctr">
+            <a:noFill/>
+            <a:prstDash val="solid"/>
+            <a:round/>
+            <a:headEnd type="none" w="med" len="med"/>
+            <a:tailEnd type="none" w="med" len="med"/>
+          </a:ln>
+          <a:effectLst/>
+          <a:extLst/>
+        </p:spPr>
+        <p:txBody>
+          <a:bodyPr vert="horz" wrap="none" lIns="91440" tIns="45720" rIns="91440" bIns="45720" numCol="1" rtlCol="0" anchor="t" anchorCtr="0" compatLnSpc="1">
+            <a:prstTxWarp prst="textNoShape">
+              <a:avLst/>
+            </a:prstTxWarp>
+            <a:noAutofit/>
+          </a:bodyPr>
+          <a:lstStyle/>
+          <a:p>
+            <a:pPr algn="ctr" fontAlgn="ctr">
+              <a:spcBef>
+                <a:spcPts val="0"/>
+              </a:spcBef>
+              <a:spcAft>
+                <a:spcPts val="0"/>
+              </a:spcAft>
+              <a:defRPr/>
+            </a:pPr>
+            <a:endParaRPr lang="en-US" altLang="ja-JP" sz="1600" kern="0" dirty="0">
+              <a:solidFill>
+                <a:prstClr val="black"/>
+              </a:solidFill>
+              <a:latin typeface="+mj-lt"/>
+              <a:ea typeface="HG明朝E" panose="02020909000000000000" pitchFamily="17" charset="-128"/>
+              <a:cs typeface="Arial" pitchFamily="34" charset="0"/>
+            </a:endParaRPr>
+          </a:p>
+        </p:txBody>
+      </p:sp>
+      <p:grpSp>
+        <p:nvGrpSpPr>
+          <p:cNvPr id="2" name="Group 38"/>
+          <p:cNvGrpSpPr/>
+          <p:nvPr/>
+        </p:nvGrpSpPr>
+        <p:grpSpPr>
+          <a:xfrm>
+            <a:off x="492036" y="2996952"/>
+            <a:ext cx="2060941" cy="828000"/>
+            <a:chOff x="2670082" y="4186219"/>
+            <a:chExt cx="2060941" cy="828000"/>
+          </a:xfrm>
+        </p:grpSpPr>
+        <p:sp>
+          <p:nvSpPr>
+            <p:cNvPr id="45" name="角丸四角形 21"/>
+            <p:cNvSpPr/>
+            <p:nvPr/>
+          </p:nvSpPr>
+          <p:spPr bwMode="auto">
+            <a:xfrm>
+              <a:off x="2670082" y="4186219"/>
+              <a:ext cx="2060941" cy="828000"/>
+            </a:xfrm>
+            <a:prstGeom prst="foldedCorner">
+              <a:avLst>
+                <a:gd name="adj" fmla="val 20194"/>
+              </a:avLst>
+            </a:prstGeom>
+            <a:solidFill>
+              <a:srgbClr val="4A7B7C"/>
+            </a:solidFill>
+            <a:ln w="25400" cap="flat" cmpd="sng" algn="ctr">
+              <a:noFill/>
+              <a:prstDash val="solid"/>
+              <a:round/>
+              <a:headEnd type="none" w="med" len="med"/>
+              <a:tailEnd type="none" w="med" len="med"/>
+            </a:ln>
+            <a:effectLst/>
+            <a:extLst/>
+          </p:spPr>
+          <p:txBody>
+            <a:bodyPr vert="horz" wrap="none" lIns="432000" tIns="144000" rIns="0" bIns="0" numCol="1" rtlCol="0" anchor="ctr" anchorCtr="0" compatLnSpc="1">
+              <a:prstTxWarp prst="textNoShape">
+                <a:avLst/>
+              </a:prstTxWarp>
+              <a:noAutofit/>
+            </a:bodyPr>
+            <a:lstStyle/>
+            <a:p>
+              <a:pPr marL="0" marR="0" lvl="0" indent="0" algn="ctr" defTabSz="914400" eaLnBrk="1" fontAlgn="ctr" latinLnBrk="0" hangingPunct="1">
+                <a:lnSpc>
+                  <a:spcPct val="100000"/>
+                </a:lnSpc>
+                <a:spcBef>
+                  <a:spcPts val="0"/>
+                </a:spcBef>
+                <a:spcAft>
+                  <a:spcPts val="0"/>
+                </a:spcAft>
+                <a:buClrTx/>
+                <a:buSzTx/>
+                <a:buFontTx/>
+                <a:buNone/>
+                <a:tabLst/>
+                <a:defRPr/>
+              </a:pPr>
+              <a:r>
+                <a:rPr kumimoji="0" lang="en-US" altLang="ja-JP" sz="2000" i="0" u="none" strike="noStrike" kern="0" cap="none" spc="0" normalizeH="0" baseline="0" dirty="0">
+                  <a:ln>
+                    <a:noFill/>
+                  </a:ln>
+                  <a:solidFill>
+                    <a:prstClr val="white"/>
+                  </a:solidFill>
+                  <a:effectLst/>
+                  <a:uLnTx/>
+                  <a:uFillTx/>
+                  <a:latin typeface="+mj-lt"/>
+                  <a:ea typeface="HG明朝E" panose="02020909000000000000" pitchFamily="17" charset="-128"/>
+                  <a:cs typeface="Arial" pitchFamily="34" charset="0"/>
+                </a:rPr>
+                <a:t>Thing</a:t>
+              </a:r>
+              <a:br>
+                <a:rPr kumimoji="0" lang="en-US" altLang="ja-JP" sz="2000" i="0" u="none" strike="noStrike" kern="0" cap="none" spc="0" normalizeH="0" baseline="0" dirty="0">
+                  <a:ln>
+                    <a:noFill/>
+                  </a:ln>
+                  <a:solidFill>
+                    <a:prstClr val="white"/>
+                  </a:solidFill>
+                  <a:effectLst/>
+                  <a:uLnTx/>
+                  <a:uFillTx/>
+                  <a:latin typeface="+mj-lt"/>
+                  <a:ea typeface="HG明朝E" panose="02020909000000000000" pitchFamily="17" charset="-128"/>
+                  <a:cs typeface="Arial" pitchFamily="34" charset="0"/>
+                </a:rPr>
+              </a:br>
+              <a:r>
+                <a:rPr kumimoji="0" lang="en-US" altLang="ja-JP" sz="2000" i="0" u="none" strike="noStrike" kern="0" cap="none" spc="0" normalizeH="0" baseline="0" dirty="0">
+                  <a:ln>
+                    <a:noFill/>
+                  </a:ln>
+                  <a:solidFill>
+                    <a:prstClr val="white"/>
+                  </a:solidFill>
+                  <a:effectLst/>
+                  <a:uLnTx/>
+                  <a:uFillTx/>
+                  <a:latin typeface="+mj-lt"/>
+                  <a:ea typeface="HG明朝E" panose="02020909000000000000" pitchFamily="17" charset="-128"/>
+                  <a:cs typeface="Arial" pitchFamily="34" charset="0"/>
+                </a:rPr>
+                <a:t>Description</a:t>
+              </a:r>
+              <a:endParaRPr kumimoji="0" lang="en-US" altLang="ja-JP" sz="2800" i="0" u="none" strike="noStrike" kern="0" cap="none" spc="0" normalizeH="0" baseline="0" dirty="0">
+                <a:ln>
+                  <a:noFill/>
+                </a:ln>
+                <a:solidFill>
+                  <a:prstClr val="white"/>
+                </a:solidFill>
+                <a:effectLst/>
+                <a:uLnTx/>
+                <a:uFillTx/>
+                <a:latin typeface="+mj-lt"/>
+                <a:ea typeface="HG明朝E" panose="02020909000000000000" pitchFamily="17" charset="-128"/>
+                <a:cs typeface="Arial" pitchFamily="34" charset="0"/>
+              </a:endParaRPr>
+            </a:p>
+          </p:txBody>
+        </p:sp>
+        <p:grpSp>
+          <p:nvGrpSpPr>
+            <p:cNvPr id="3" name="Group 28"/>
+            <p:cNvGrpSpPr/>
+            <p:nvPr/>
+          </p:nvGrpSpPr>
+          <p:grpSpPr>
+            <a:xfrm>
+              <a:off x="2812207" y="4399725"/>
+              <a:ext cx="413417" cy="426971"/>
+              <a:chOff x="4042160" y="993559"/>
+              <a:chExt cx="548293" cy="566272"/>
+            </a:xfrm>
+            <a:solidFill>
+              <a:sysClr val="window" lastClr="FFFFFF"/>
+            </a:solidFill>
+          </p:grpSpPr>
+          <p:sp>
+            <p:nvSpPr>
+              <p:cNvPr id="47" name="Isosceles Triangle 29"/>
+              <p:cNvSpPr/>
+              <p:nvPr/>
+            </p:nvSpPr>
+            <p:spPr>
+              <a:xfrm rot="1800000">
+                <a:off x="4184483" y="1052736"/>
+                <a:ext cx="405970" cy="349975"/>
+              </a:xfrm>
+              <a:prstGeom prst="triangle">
+                <a:avLst/>
+              </a:prstGeom>
+              <a:noFill/>
+              <a:ln w="28575" cap="rnd" cmpd="sng" algn="ctr">
+                <a:solidFill>
+                  <a:sysClr val="window" lastClr="FFFFFF"/>
+                </a:solidFill>
+                <a:prstDash val="solid"/>
+              </a:ln>
+              <a:effectLst/>
+            </p:spPr>
+            <p:txBody>
+              <a:bodyPr wrap="none" rtlCol="0" anchor="ctr"/>
+              <a:lstStyle/>
+              <a:p>
+                <a:pPr marL="0" marR="0" lvl="0" indent="0" algn="ctr" defTabSz="914400" eaLnBrk="1" fontAlgn="auto" latinLnBrk="0" hangingPunct="1">
+                  <a:lnSpc>
+                    <a:spcPct val="100000"/>
+                  </a:lnSpc>
+                  <a:spcBef>
+                    <a:spcPts val="0"/>
+                  </a:spcBef>
+                  <a:spcAft>
+                    <a:spcPts val="0"/>
+                  </a:spcAft>
+                  <a:buClrTx/>
+                  <a:buSzTx/>
+                  <a:buFontTx/>
+                  <a:buNone/>
+                  <a:tabLst/>
+                  <a:defRPr/>
+                </a:pPr>
+                <a:endParaRPr kumimoji="0" lang="en-US" sz="4400" i="0" u="none" strike="noStrike" kern="0" cap="none" spc="0" normalizeH="0" baseline="0">
+                  <a:ln>
+                    <a:noFill/>
+                  </a:ln>
+                  <a:solidFill>
+                    <a:prstClr val="white"/>
+                  </a:solidFill>
+                  <a:effectLst/>
+                  <a:uLnTx/>
+                  <a:uFillTx/>
+                  <a:latin typeface="+mj-lt"/>
+                  <a:cs typeface="Arial" pitchFamily="34" charset="0"/>
+                </a:endParaRPr>
+              </a:p>
+            </p:txBody>
+          </p:sp>
+          <p:sp>
+            <p:nvSpPr>
+              <p:cNvPr id="48" name="Oval 30"/>
+              <p:cNvSpPr/>
+              <p:nvPr/>
+            </p:nvSpPr>
+            <p:spPr>
+              <a:xfrm rot="19800000">
+                <a:off x="4394607" y="993559"/>
+                <a:ext cx="161145" cy="161145"/>
+              </a:xfrm>
+              <a:prstGeom prst="ellipse">
+                <a:avLst/>
+              </a:prstGeom>
+              <a:grpFill/>
+              <a:ln w="25400" cap="rnd" cmpd="sng" algn="ctr">
+                <a:noFill/>
+                <a:prstDash val="solid"/>
+              </a:ln>
+              <a:effectLst/>
+            </p:spPr>
+            <p:txBody>
+              <a:bodyPr wrap="none" rtlCol="0" anchor="ctr"/>
+              <a:lstStyle/>
+              <a:p>
+                <a:pPr marL="0" marR="0" lvl="0" indent="0" algn="ctr" defTabSz="914400" eaLnBrk="1" fontAlgn="auto" latinLnBrk="0" hangingPunct="1">
+                  <a:lnSpc>
+                    <a:spcPct val="100000"/>
+                  </a:lnSpc>
+                  <a:spcBef>
+                    <a:spcPts val="0"/>
+                  </a:spcBef>
+                  <a:spcAft>
+                    <a:spcPts val="0"/>
+                  </a:spcAft>
+                  <a:buClrTx/>
+                  <a:buSzTx/>
+                  <a:buFontTx/>
+                  <a:buNone/>
+                  <a:tabLst/>
+                  <a:defRPr/>
+                </a:pPr>
+                <a:endParaRPr kumimoji="0" lang="en-US" sz="4400" i="0" u="none" strike="noStrike" kern="0" cap="none" spc="0" normalizeH="0" baseline="0">
+                  <a:ln>
+                    <a:noFill/>
+                  </a:ln>
+                  <a:solidFill>
+                    <a:prstClr val="white"/>
+                  </a:solidFill>
+                  <a:effectLst/>
+                  <a:uLnTx/>
+                  <a:uFillTx/>
+                  <a:latin typeface="+mj-lt"/>
+                  <a:cs typeface="Arial" pitchFamily="34" charset="0"/>
+                </a:endParaRPr>
+              </a:p>
+            </p:txBody>
+          </p:sp>
+          <p:sp>
+            <p:nvSpPr>
+              <p:cNvPr id="49" name="Oval 31"/>
+              <p:cNvSpPr/>
+              <p:nvPr/>
+            </p:nvSpPr>
+            <p:spPr>
+              <a:xfrm rot="19800000">
+                <a:off x="4042160" y="1196566"/>
+                <a:ext cx="161145" cy="161145"/>
+              </a:xfrm>
+              <a:prstGeom prst="ellipse">
+                <a:avLst/>
+              </a:prstGeom>
+              <a:grpFill/>
+              <a:ln w="25400" cap="rnd" cmpd="sng" algn="ctr">
+                <a:noFill/>
+                <a:prstDash val="solid"/>
+              </a:ln>
+              <a:effectLst/>
+            </p:spPr>
+            <p:txBody>
+              <a:bodyPr wrap="none" rtlCol="0" anchor="ctr"/>
+              <a:lstStyle/>
+              <a:p>
+                <a:pPr marL="0" marR="0" lvl="0" indent="0" algn="ctr" defTabSz="914400" eaLnBrk="1" fontAlgn="auto" latinLnBrk="0" hangingPunct="1">
+                  <a:lnSpc>
+                    <a:spcPct val="100000"/>
+                  </a:lnSpc>
+                  <a:spcBef>
+                    <a:spcPts val="0"/>
+                  </a:spcBef>
+                  <a:spcAft>
+                    <a:spcPts val="0"/>
+                  </a:spcAft>
+                  <a:buClrTx/>
+                  <a:buSzTx/>
+                  <a:buFontTx/>
+                  <a:buNone/>
+                  <a:tabLst/>
+                  <a:defRPr/>
+                </a:pPr>
+                <a:endParaRPr kumimoji="0" lang="en-US" sz="4400" i="0" u="none" strike="noStrike" kern="0" cap="none" spc="0" normalizeH="0" baseline="0">
+                  <a:ln>
+                    <a:noFill/>
+                  </a:ln>
+                  <a:solidFill>
+                    <a:prstClr val="white"/>
+                  </a:solidFill>
+                  <a:effectLst/>
+                  <a:uLnTx/>
+                  <a:uFillTx/>
+                  <a:latin typeface="+mj-lt"/>
+                  <a:cs typeface="Arial" pitchFamily="34" charset="0"/>
+                </a:endParaRPr>
+              </a:p>
+            </p:txBody>
+          </p:sp>
+          <p:sp>
+            <p:nvSpPr>
+              <p:cNvPr id="50" name="Oval 32"/>
+              <p:cNvSpPr/>
+              <p:nvPr/>
+            </p:nvSpPr>
+            <p:spPr>
+              <a:xfrm rot="1800000">
+                <a:off x="4394610" y="1398686"/>
+                <a:ext cx="161145" cy="161145"/>
+              </a:xfrm>
+              <a:prstGeom prst="ellipse">
+                <a:avLst/>
+              </a:prstGeom>
+              <a:grpFill/>
+              <a:ln w="25400" cap="rnd" cmpd="sng" algn="ctr">
+                <a:noFill/>
+                <a:prstDash val="solid"/>
+              </a:ln>
+              <a:effectLst/>
+            </p:spPr>
+            <p:txBody>
+              <a:bodyPr wrap="none" rtlCol="0" anchor="ctr"/>
+              <a:lstStyle/>
+              <a:p>
+                <a:pPr marL="0" marR="0" lvl="0" indent="0" algn="ctr" defTabSz="914400" eaLnBrk="1" fontAlgn="auto" latinLnBrk="0" hangingPunct="1">
+                  <a:lnSpc>
+                    <a:spcPct val="100000"/>
+                  </a:lnSpc>
+                  <a:spcBef>
+                    <a:spcPts val="0"/>
+                  </a:spcBef>
+                  <a:spcAft>
+                    <a:spcPts val="0"/>
+                  </a:spcAft>
+                  <a:buClrTx/>
+                  <a:buSzTx/>
+                  <a:buFontTx/>
+                  <a:buNone/>
+                  <a:tabLst/>
+                  <a:defRPr/>
+                </a:pPr>
+                <a:endParaRPr kumimoji="0" lang="en-US" sz="4400" i="0" u="none" strike="noStrike" kern="0" cap="none" spc="0" normalizeH="0" baseline="0">
+                  <a:ln>
+                    <a:noFill/>
+                  </a:ln>
+                  <a:solidFill>
+                    <a:prstClr val="white"/>
+                  </a:solidFill>
+                  <a:effectLst/>
+                  <a:uLnTx/>
+                  <a:uFillTx/>
+                  <a:latin typeface="+mj-lt"/>
+                  <a:cs typeface="Arial" pitchFamily="34" charset="0"/>
+                </a:endParaRPr>
+              </a:p>
+            </p:txBody>
+          </p:sp>
+        </p:grpSp>
+      </p:grpSp>
+      <p:sp>
+        <p:nvSpPr>
+          <p:cNvPr id="51" name="Down Arrow 40"/>
+          <p:cNvSpPr/>
+          <p:nvPr/>
+        </p:nvSpPr>
+        <p:spPr>
+          <a:xfrm rot="5400000">
+            <a:off x="2461272" y="3165727"/>
+            <a:ext cx="439632" cy="518965"/>
+          </a:xfrm>
+          <a:prstGeom prst="downArrow">
+            <a:avLst>
+              <a:gd name="adj1" fmla="val 50000"/>
+              <a:gd name="adj2" fmla="val 50000"/>
+            </a:avLst>
+          </a:prstGeom>
+          <a:solidFill>
+            <a:schemeClr val="bg1">
+              <a:lumMod val="75000"/>
+            </a:schemeClr>
+          </a:solidFill>
+          <a:ln>
+            <a:noFill/>
+          </a:ln>
+        </p:spPr>
+        <p:style>
+          <a:lnRef idx="2">
+            <a:schemeClr val="accent1">
+              <a:shade val="50000"/>
+            </a:schemeClr>
+          </a:lnRef>
+          <a:fillRef idx="1">
+            <a:schemeClr val="accent1"/>
+          </a:fillRef>
+          <a:effectRef idx="0">
+            <a:schemeClr val="accent1"/>
+          </a:effectRef>
+          <a:fontRef idx="minor">
+            <a:schemeClr val="lt1"/>
+          </a:fontRef>
+        </p:style>
+        <p:txBody>
+          <a:bodyPr rtlCol="0" anchor="ctr"/>
+          <a:lstStyle/>
+          <a:p>
+            <a:pPr algn="ctr"/>
+            <a:endParaRPr lang="en-US">
+              <a:latin typeface="+mj-lt"/>
+              <a:cs typeface="Arial" pitchFamily="34" charset="0"/>
+            </a:endParaRPr>
+          </a:p>
+        </p:txBody>
+      </p:sp>
+      <p:sp>
+        <p:nvSpPr>
+          <p:cNvPr id="53" name="角丸四角形 21"/>
+          <p:cNvSpPr/>
+          <p:nvPr/>
+        </p:nvSpPr>
+        <p:spPr bwMode="auto">
+          <a:xfrm>
+            <a:off x="2843808" y="3844720"/>
+            <a:ext cx="2340000" cy="1512000"/>
+          </a:xfrm>
+          <a:prstGeom prst="roundRect">
+            <a:avLst>
+              <a:gd name="adj" fmla="val 7143"/>
+            </a:avLst>
+          </a:prstGeom>
+          <a:solidFill>
+            <a:srgbClr val="00B050"/>
+          </a:solidFill>
+          <a:ln w="25400" cap="flat" cmpd="sng" algn="ctr">
+            <a:noFill/>
+            <a:prstDash val="solid"/>
+            <a:round/>
+            <a:headEnd type="none" w="med" len="med"/>
+            <a:tailEnd type="none" w="med" len="med"/>
+          </a:ln>
+          <a:effectLst/>
+          <a:extLst/>
+        </p:spPr>
+        <p:txBody>
+          <a:bodyPr vert="horz" wrap="none" lIns="91440" tIns="45720" rIns="91440" bIns="45720" numCol="1" rtlCol="0" anchor="t" anchorCtr="0" compatLnSpc="1">
+            <a:prstTxWarp prst="textNoShape">
+              <a:avLst/>
+            </a:prstTxWarp>
+            <a:noAutofit/>
+          </a:bodyPr>
+          <a:lstStyle/>
+          <a:p>
+            <a:pPr algn="ctr" fontAlgn="ctr">
+              <a:spcBef>
+                <a:spcPts val="0"/>
+              </a:spcBef>
+              <a:spcAft>
+                <a:spcPts val="0"/>
+              </a:spcAft>
+              <a:defRPr/>
+            </a:pPr>
+            <a:r>
+              <a:rPr lang="en-US" altLang="ja-JP" sz="2000" kern="0" dirty="0">
+                <a:solidFill>
+                  <a:prstClr val="white"/>
+                </a:solidFill>
+                <a:ea typeface="HG明朝E" panose="02020909000000000000" pitchFamily="17" charset="-128"/>
+                <a:cs typeface="Arial" pitchFamily="34" charset="0"/>
+              </a:rPr>
+              <a:t>Protocol Bindings</a:t>
+            </a:r>
+          </a:p>
+        </p:txBody>
+      </p:sp>
+      <p:sp>
+        <p:nvSpPr>
+          <p:cNvPr id="54" name="角丸四角形 21"/>
+          <p:cNvSpPr/>
+          <p:nvPr/>
+        </p:nvSpPr>
+        <p:spPr bwMode="auto">
+          <a:xfrm>
+            <a:off x="5328344" y="3844719"/>
+            <a:ext cx="2340000" cy="1512000"/>
+          </a:xfrm>
+          <a:prstGeom prst="roundRect">
+            <a:avLst>
+              <a:gd name="adj" fmla="val 7143"/>
+            </a:avLst>
+          </a:prstGeom>
+          <a:solidFill>
+            <a:schemeClr val="tx1">
+              <a:lumMod val="65000"/>
+              <a:lumOff val="35000"/>
+            </a:schemeClr>
+          </a:solidFill>
+          <a:ln w="25400" cap="flat" cmpd="sng" algn="ctr">
+            <a:noFill/>
+            <a:prstDash val="solid"/>
+            <a:round/>
+            <a:headEnd type="none" w="med" len="med"/>
+            <a:tailEnd type="none" w="med" len="med"/>
+          </a:ln>
+          <a:effectLst/>
+          <a:extLst/>
+        </p:spPr>
+        <p:txBody>
+          <a:bodyPr vert="horz" wrap="none" lIns="91440" tIns="45720" rIns="91440" bIns="45720" numCol="1" rtlCol="0" anchor="t" anchorCtr="0" compatLnSpc="1">
+            <a:prstTxWarp prst="textNoShape">
+              <a:avLst/>
+            </a:prstTxWarp>
+            <a:noAutofit/>
+          </a:bodyPr>
+          <a:lstStyle/>
+          <a:p>
+            <a:pPr algn="ctr" fontAlgn="ctr">
+              <a:spcBef>
+                <a:spcPts val="0"/>
+              </a:spcBef>
+              <a:spcAft>
+                <a:spcPts val="0"/>
+              </a:spcAft>
+              <a:defRPr/>
+            </a:pPr>
+            <a:r>
+              <a:rPr lang="en-US" altLang="ja-JP" sz="2000" kern="0" dirty="0">
+                <a:solidFill>
+                  <a:prstClr val="white"/>
+                </a:solidFill>
+                <a:latin typeface="+mj-lt"/>
+                <a:ea typeface="HG明朝E" panose="02020909000000000000" pitchFamily="17" charset="-128"/>
+                <a:cs typeface="Arial" pitchFamily="34" charset="0"/>
+              </a:rPr>
+              <a:t>System API</a:t>
+            </a:r>
+          </a:p>
+        </p:txBody>
+      </p:sp>
+      <p:sp>
+        <p:nvSpPr>
+          <p:cNvPr id="55" name="Rechteck 54"/>
+          <p:cNvSpPr/>
+          <p:nvPr/>
+        </p:nvSpPr>
+        <p:spPr>
+          <a:xfrm>
+            <a:off x="6588000" y="4348615"/>
+            <a:ext cx="934735" cy="864096"/>
+          </a:xfrm>
+          <a:prstGeom prst="rect">
+            <a:avLst/>
+          </a:prstGeom>
+          <a:solidFill>
+            <a:schemeClr val="bg1">
+              <a:lumMod val="75000"/>
+            </a:schemeClr>
+          </a:solidFill>
+          <a:ln w="6350">
+            <a:solidFill>
+              <a:schemeClr val="tx1"/>
+            </a:solidFill>
+          </a:ln>
+        </p:spPr>
+        <p:style>
+          <a:lnRef idx="2">
+            <a:schemeClr val="accent1">
+              <a:shade val="50000"/>
+            </a:schemeClr>
+          </a:lnRef>
+          <a:fillRef idx="1">
+            <a:schemeClr val="accent1"/>
+          </a:fillRef>
+          <a:effectRef idx="0">
+            <a:schemeClr val="accent1"/>
+          </a:effectRef>
+          <a:fontRef idx="minor">
+            <a:schemeClr val="lt1"/>
+          </a:fontRef>
+        </p:style>
+        <p:txBody>
+          <a:bodyPr wrap="none" rtlCol="0" anchor="ctr"/>
+          <a:lstStyle/>
+          <a:p>
+            <a:pPr algn="ctr"/>
+            <a:r>
+              <a:rPr lang="de-DE" sz="1400" dirty="0" err="1">
+                <a:solidFill>
+                  <a:schemeClr val="tx1"/>
+                </a:solidFill>
+                <a:latin typeface="+mj-lt"/>
+                <a:cs typeface="Arial" pitchFamily="34" charset="0"/>
+              </a:rPr>
+              <a:t>Proprietary</a:t>
+            </a:r>
+            <a:br>
+              <a:rPr lang="de-DE" sz="1400" dirty="0">
+                <a:solidFill>
+                  <a:schemeClr val="tx1"/>
+                </a:solidFill>
+                <a:latin typeface="+mj-lt"/>
+                <a:cs typeface="Arial" pitchFamily="34" charset="0"/>
+              </a:rPr>
+            </a:br>
+            <a:r>
+              <a:rPr lang="de-DE" sz="1400" dirty="0" err="1">
+                <a:solidFill>
+                  <a:schemeClr val="tx1"/>
+                </a:solidFill>
+                <a:latin typeface="+mj-lt"/>
+                <a:cs typeface="Arial" pitchFamily="34" charset="0"/>
+              </a:rPr>
+              <a:t>Communi</a:t>
+            </a:r>
+            <a:r>
+              <a:rPr lang="de-DE" sz="1400" dirty="0">
+                <a:solidFill>
+                  <a:schemeClr val="tx1"/>
+                </a:solidFill>
+                <a:latin typeface="+mj-lt"/>
+                <a:cs typeface="Arial" pitchFamily="34" charset="0"/>
+              </a:rPr>
+              <a:t>-</a:t>
+            </a:r>
+            <a:br>
+              <a:rPr lang="de-DE" sz="1400" dirty="0">
+                <a:solidFill>
+                  <a:schemeClr val="tx1"/>
+                </a:solidFill>
+                <a:latin typeface="+mj-lt"/>
+                <a:cs typeface="Arial" pitchFamily="34" charset="0"/>
+              </a:rPr>
+            </a:br>
+            <a:r>
+              <a:rPr lang="de-DE" sz="1400" dirty="0" err="1">
+                <a:solidFill>
+                  <a:schemeClr val="tx1"/>
+                </a:solidFill>
+                <a:latin typeface="+mj-lt"/>
+                <a:cs typeface="Arial" pitchFamily="34" charset="0"/>
+              </a:rPr>
+              <a:t>cation</a:t>
+            </a:r>
+            <a:endParaRPr lang="de-DE" sz="1400" dirty="0">
+              <a:solidFill>
+                <a:schemeClr val="tx1"/>
+              </a:solidFill>
+              <a:latin typeface="+mj-lt"/>
+              <a:cs typeface="Arial" pitchFamily="34" charset="0"/>
+            </a:endParaRPr>
+          </a:p>
+        </p:txBody>
+      </p:sp>
+      <p:sp>
+        <p:nvSpPr>
           <p:cNvPr id="57" name="Rechteck 56"/>
           <p:cNvSpPr/>
           <p:nvPr/>
@@ -19368,7 +20806,7 @@
 </p:sld>
 </file>
 
-<file path=ppt/slides/slide14.xml><?xml version="1.0" encoding="utf-8"?>
+<file path=ppt/slides/slide15.xml><?xml version="1.0" encoding="utf-8"?>
 <p:sld xmlns:a="http://schemas.openxmlformats.org/drawingml/2006/main" xmlns:r="http://schemas.openxmlformats.org/officeDocument/2006/relationships" xmlns:p="http://schemas.openxmlformats.org/presentationml/2006/main">
   <p:cSld>
     <p:spTree>
@@ -23235,7 +24673,7 @@
 </p:sld>
 </file>
 
-<file path=ppt/slides/slide15.xml><?xml version="1.0" encoding="utf-8"?>
+<file path=ppt/slides/slide16.xml><?xml version="1.0" encoding="utf-8"?>
 <p:sld xmlns:a="http://schemas.openxmlformats.org/drawingml/2006/main" xmlns:r="http://schemas.openxmlformats.org/officeDocument/2006/relationships" xmlns:p="http://schemas.openxmlformats.org/presentationml/2006/main">
   <p:cSld>
     <p:spTree>
@@ -25712,7 +27150,7 @@
 </p:sld>
 </file>
 
-<file path=ppt/slides/slide16.xml><?xml version="1.0" encoding="utf-8"?>
+<file path=ppt/slides/slide17.xml><?xml version="1.0" encoding="utf-8"?>
 <p:sld xmlns:a="http://schemas.openxmlformats.org/drawingml/2006/main" xmlns:r="http://schemas.openxmlformats.org/officeDocument/2006/relationships" xmlns:p="http://schemas.openxmlformats.org/presentationml/2006/main" show="0">
   <p:cSld>
     <p:spTree>
@@ -27677,7 +29115,7 @@
 </p:sld>
 </file>
 
-<file path=ppt/slides/slide17.xml><?xml version="1.0" encoding="utf-8"?>
+<file path=ppt/slides/slide18.xml><?xml version="1.0" encoding="utf-8"?>
 <p:sld xmlns:a="http://schemas.openxmlformats.org/drawingml/2006/main" xmlns:r="http://schemas.openxmlformats.org/officeDocument/2006/relationships" xmlns:p="http://schemas.openxmlformats.org/presentationml/2006/main" show="0">
   <p:cSld>
     <p:spTree>
@@ -30379,7 +31817,7 @@
 </p:sld>
 </file>
 
-<file path=ppt/slides/slide18.xml><?xml version="1.0" encoding="utf-8"?>
+<file path=ppt/slides/slide19.xml><?xml version="1.0" encoding="utf-8"?>
 <p:sld xmlns:a="http://schemas.openxmlformats.org/drawingml/2006/main" xmlns:r="http://schemas.openxmlformats.org/officeDocument/2006/relationships" xmlns:p="http://schemas.openxmlformats.org/presentationml/2006/main" show="0">
   <p:cSld>
     <p:spTree>
@@ -33404,6 +34842,784 @@
           <a:chExt cx="0" cy="0"/>
         </a:xfrm>
       </p:grpSpPr>
+      <p:sp>
+        <p:nvSpPr>
+          <p:cNvPr id="38" name="角丸四角形 6"/>
+          <p:cNvSpPr/>
+          <p:nvPr/>
+        </p:nvSpPr>
+        <p:spPr bwMode="auto">
+          <a:xfrm>
+            <a:off x="2123728" y="1196752"/>
+            <a:ext cx="5112568" cy="3431058"/>
+          </a:xfrm>
+          <a:prstGeom prst="roundRect">
+            <a:avLst>
+              <a:gd name="adj" fmla="val 5032"/>
+            </a:avLst>
+          </a:prstGeom>
+          <a:solidFill>
+            <a:sysClr val="window" lastClr="FFFFFF">
+              <a:lumMod val="50000"/>
+            </a:sysClr>
+          </a:solidFill>
+          <a:ln w="9525" cap="flat" cmpd="sng" algn="ctr">
+            <a:noFill/>
+            <a:prstDash val="solid"/>
+            <a:headEnd type="none" w="med" len="med"/>
+            <a:tailEnd type="none" w="med" len="med"/>
+          </a:ln>
+          <a:effectLst>
+            <a:outerShdw blurRad="76200" dist="50800" dir="2700000" rotWithShape="0">
+              <a:srgbClr val="000000">
+                <a:alpha val="30000"/>
+              </a:srgbClr>
+            </a:outerShdw>
+          </a:effectLst>
+          <a:extLst/>
+        </p:spPr>
+        <p:txBody>
+          <a:bodyPr vert="horz" wrap="none" lIns="91440" tIns="36000" rIns="91440" bIns="72000" numCol="1" rtlCol="0" anchor="t" anchorCtr="0" compatLnSpc="1">
+            <a:prstTxWarp prst="textNoShape">
+              <a:avLst/>
+            </a:prstTxWarp>
+            <a:noAutofit/>
+          </a:bodyPr>
+          <a:lstStyle/>
+          <a:p>
+            <a:pPr marL="0" marR="0" lvl="0" indent="0" algn="ctr" defTabSz="914400" eaLnBrk="1" fontAlgn="ctr" latinLnBrk="0" hangingPunct="1">
+              <a:lnSpc>
+                <a:spcPct val="100000"/>
+              </a:lnSpc>
+              <a:spcBef>
+                <a:spcPts val="0"/>
+              </a:spcBef>
+              <a:spcAft>
+                <a:spcPts val="0"/>
+              </a:spcAft>
+              <a:buClrTx/>
+              <a:buSzTx/>
+              <a:buFontTx/>
+              <a:buNone/>
+              <a:tabLst/>
+              <a:defRPr/>
+            </a:pPr>
+            <a:r>
+              <a:rPr kumimoji="0" lang="en-US" altLang="ja-JP" sz="2000" b="1" i="0" u="none" strike="noStrike" kern="0" cap="none" spc="0" normalizeH="0" baseline="0" dirty="0">
+                <a:ln>
+                  <a:noFill/>
+                </a:ln>
+                <a:solidFill>
+                  <a:srgbClr val="000000"/>
+                </a:solidFill>
+                <a:effectLst/>
+                <a:uLnTx/>
+                <a:uFillTx/>
+                <a:latin typeface="+mj-lt"/>
+                <a:ea typeface="HG明朝E" panose="02020909000000000000" pitchFamily="17" charset="-128"/>
+                <a:cs typeface="Arial" pitchFamily="34" charset="0"/>
+              </a:rPr>
+              <a:t>Thing</a:t>
+            </a:r>
+          </a:p>
+        </p:txBody>
+      </p:sp>
+      <p:sp>
+        <p:nvSpPr>
+          <p:cNvPr id="39" name="角丸四角形 21"/>
+          <p:cNvSpPr/>
+          <p:nvPr/>
+        </p:nvSpPr>
+        <p:spPr bwMode="auto">
+          <a:xfrm>
+            <a:off x="2267744" y="1725517"/>
+            <a:ext cx="4824536" cy="574727"/>
+          </a:xfrm>
+          <a:prstGeom prst="roundRect">
+            <a:avLst>
+              <a:gd name="adj" fmla="val 23727"/>
+            </a:avLst>
+          </a:prstGeom>
+          <a:solidFill>
+            <a:srgbClr val="005A9C"/>
+          </a:solidFill>
+          <a:ln w="25400" cap="flat" cmpd="sng" algn="ctr">
+            <a:noFill/>
+            <a:prstDash val="solid"/>
+            <a:round/>
+            <a:headEnd type="none" w="med" len="med"/>
+            <a:tailEnd type="none" w="med" len="med"/>
+          </a:ln>
+          <a:effectLst/>
+          <a:extLst/>
+        </p:spPr>
+        <p:txBody>
+          <a:bodyPr vert="horz" wrap="none" lIns="91440" tIns="45720" rIns="91440" bIns="45720" numCol="1" rtlCol="0" anchor="ctr" anchorCtr="0" compatLnSpc="1">
+            <a:prstTxWarp prst="textNoShape">
+              <a:avLst/>
+            </a:prstTxWarp>
+            <a:noAutofit/>
+          </a:bodyPr>
+          <a:lstStyle/>
+          <a:p>
+            <a:pPr algn="ctr" fontAlgn="ctr">
+              <a:spcBef>
+                <a:spcPts val="0"/>
+              </a:spcBef>
+              <a:spcAft>
+                <a:spcPts val="0"/>
+              </a:spcAft>
+              <a:defRPr/>
+            </a:pPr>
+            <a:r>
+              <a:rPr lang="en-US" altLang="ja-JP" sz="2000" kern="0" dirty="0">
+                <a:solidFill>
+                  <a:schemeClr val="bg1"/>
+                </a:solidFill>
+                <a:latin typeface="+mj-lt"/>
+                <a:ea typeface="HG明朝E" panose="02020909000000000000" pitchFamily="17" charset="-128"/>
+                <a:cs typeface="Arial" pitchFamily="34" charset="0"/>
+              </a:rPr>
+              <a:t>Application Behavior</a:t>
+            </a:r>
+          </a:p>
+        </p:txBody>
+      </p:sp>
+      <p:sp>
+        <p:nvSpPr>
+          <p:cNvPr id="29" name="角丸四角形 21"/>
+          <p:cNvSpPr/>
+          <p:nvPr/>
+        </p:nvSpPr>
+        <p:spPr bwMode="auto">
+          <a:xfrm>
+            <a:off x="2267744" y="2437268"/>
+            <a:ext cx="4824534" cy="574726"/>
+          </a:xfrm>
+          <a:prstGeom prst="roundRect">
+            <a:avLst>
+              <a:gd name="adj" fmla="val 25084"/>
+            </a:avLst>
+          </a:prstGeom>
+          <a:solidFill>
+            <a:srgbClr val="4A7B7C"/>
+          </a:solidFill>
+          <a:ln w="25400" cap="flat" cmpd="sng" algn="ctr">
+            <a:noFill/>
+            <a:prstDash val="solid"/>
+            <a:round/>
+            <a:headEnd type="none" w="med" len="med"/>
+            <a:tailEnd type="none" w="med" len="med"/>
+          </a:ln>
+          <a:effectLst/>
+          <a:extLst/>
+        </p:spPr>
+        <p:txBody>
+          <a:bodyPr vert="horz" wrap="none" lIns="91440" tIns="45720" rIns="91440" bIns="45720" numCol="1" rtlCol="0" anchor="ctr" anchorCtr="0" compatLnSpc="1">
+            <a:prstTxWarp prst="textNoShape">
+              <a:avLst/>
+            </a:prstTxWarp>
+            <a:noAutofit/>
+          </a:bodyPr>
+          <a:lstStyle/>
+          <a:p>
+            <a:pPr algn="ctr" fontAlgn="ctr">
+              <a:spcBef>
+                <a:spcPts val="0"/>
+              </a:spcBef>
+              <a:spcAft>
+                <a:spcPts val="0"/>
+              </a:spcAft>
+              <a:defRPr/>
+            </a:pPr>
+            <a:r>
+              <a:rPr lang="en-US" altLang="ja-JP" sz="2000" kern="0" dirty="0">
+                <a:solidFill>
+                  <a:prstClr val="white"/>
+                </a:solidFill>
+                <a:latin typeface="+mj-lt"/>
+                <a:ea typeface="HG明朝E" panose="02020909000000000000" pitchFamily="17" charset="-128"/>
+                <a:cs typeface="Arial" pitchFamily="34" charset="0"/>
+              </a:rPr>
+              <a:t>Interaction Affordances</a:t>
+            </a:r>
+          </a:p>
+        </p:txBody>
+      </p:sp>
+      <p:sp>
+        <p:nvSpPr>
+          <p:cNvPr id="30" name="角丸四角形 21"/>
+          <p:cNvSpPr/>
+          <p:nvPr/>
+        </p:nvSpPr>
+        <p:spPr bwMode="auto">
+          <a:xfrm>
+            <a:off x="2267744" y="3891689"/>
+            <a:ext cx="4824536" cy="574726"/>
+          </a:xfrm>
+          <a:prstGeom prst="roundRect">
+            <a:avLst>
+              <a:gd name="adj" fmla="val 25105"/>
+            </a:avLst>
+          </a:prstGeom>
+          <a:solidFill>
+            <a:srgbClr val="00B050"/>
+          </a:solidFill>
+          <a:ln w="25400" cap="flat" cmpd="sng" algn="ctr">
+            <a:noFill/>
+            <a:prstDash val="solid"/>
+            <a:round/>
+            <a:headEnd type="none" w="med" len="med"/>
+            <a:tailEnd type="none" w="med" len="med"/>
+          </a:ln>
+          <a:effectLst/>
+          <a:extLst/>
+        </p:spPr>
+        <p:txBody>
+          <a:bodyPr vert="horz" wrap="none" lIns="91440" tIns="45720" rIns="91440" bIns="45720" numCol="1" rtlCol="0" anchor="ctr" anchorCtr="0" compatLnSpc="1">
+            <a:prstTxWarp prst="textNoShape">
+              <a:avLst/>
+            </a:prstTxWarp>
+            <a:noAutofit/>
+          </a:bodyPr>
+          <a:lstStyle/>
+          <a:p>
+            <a:pPr algn="ctr" fontAlgn="ctr">
+              <a:spcBef>
+                <a:spcPts val="0"/>
+              </a:spcBef>
+              <a:spcAft>
+                <a:spcPts val="0"/>
+              </a:spcAft>
+              <a:defRPr/>
+            </a:pPr>
+            <a:r>
+              <a:rPr lang="en-US" altLang="ja-JP" sz="2000" kern="0" dirty="0">
+                <a:solidFill>
+                  <a:prstClr val="white"/>
+                </a:solidFill>
+                <a:latin typeface="+mj-lt"/>
+                <a:ea typeface="HG明朝E" panose="02020909000000000000" pitchFamily="17" charset="-128"/>
+                <a:cs typeface="Arial" pitchFamily="34" charset="0"/>
+              </a:rPr>
+              <a:t>Protocol Bindings</a:t>
+            </a:r>
+          </a:p>
+        </p:txBody>
+      </p:sp>
+      <p:sp>
+        <p:nvSpPr>
+          <p:cNvPr id="40" name="角丸四角形 6"/>
+          <p:cNvSpPr/>
+          <p:nvPr/>
+        </p:nvSpPr>
+        <p:spPr bwMode="auto">
+          <a:xfrm>
+            <a:off x="3587787" y="5291122"/>
+            <a:ext cx="1008216" cy="387424"/>
+          </a:xfrm>
+          <a:prstGeom prst="roundRect">
+            <a:avLst>
+              <a:gd name="adj" fmla="val 27876"/>
+            </a:avLst>
+          </a:prstGeom>
+          <a:solidFill>
+            <a:sysClr val="window" lastClr="FFFFFF">
+              <a:lumMod val="50000"/>
+            </a:sysClr>
+          </a:solidFill>
+          <a:ln w="9525" cap="flat" cmpd="sng" algn="ctr">
+            <a:noFill/>
+            <a:prstDash val="solid"/>
+            <a:headEnd type="none" w="med" len="med"/>
+            <a:tailEnd type="none" w="med" len="med"/>
+          </a:ln>
+          <a:effectLst>
+            <a:outerShdw blurRad="76200" dist="50800" dir="2700000" rotWithShape="0">
+              <a:srgbClr val="000000">
+                <a:alpha val="30000"/>
+              </a:srgbClr>
+            </a:outerShdw>
+          </a:effectLst>
+          <a:extLst/>
+        </p:spPr>
+        <p:txBody>
+          <a:bodyPr vert="horz" wrap="none" lIns="91440" tIns="36000" rIns="91440" bIns="72000" numCol="1" rtlCol="0" anchor="ctr" anchorCtr="0" compatLnSpc="1">
+            <a:prstTxWarp prst="textNoShape">
+              <a:avLst/>
+            </a:prstTxWarp>
+            <a:noAutofit/>
+          </a:bodyPr>
+          <a:lstStyle/>
+          <a:p>
+            <a:pPr lvl="0" algn="ctr" fontAlgn="ctr">
+              <a:defRPr/>
+            </a:pPr>
+            <a:r>
+              <a:rPr lang="en-US" altLang="ja-JP" sz="1400" kern="0" dirty="0">
+                <a:solidFill>
+                  <a:srgbClr val="000000"/>
+                </a:solidFill>
+                <a:ea typeface="HG明朝E" panose="02020909000000000000" pitchFamily="17" charset="-128"/>
+                <a:cs typeface="Arial" pitchFamily="34" charset="0"/>
+              </a:rPr>
+              <a:t>Protocol 2</a:t>
+            </a:r>
+          </a:p>
+        </p:txBody>
+      </p:sp>
+      <p:sp>
+        <p:nvSpPr>
+          <p:cNvPr id="41" name="角丸四角形 6"/>
+          <p:cNvSpPr/>
+          <p:nvPr/>
+        </p:nvSpPr>
+        <p:spPr bwMode="auto">
+          <a:xfrm>
+            <a:off x="5940048" y="5288269"/>
+            <a:ext cx="1008216" cy="387424"/>
+          </a:xfrm>
+          <a:prstGeom prst="roundRect">
+            <a:avLst>
+              <a:gd name="adj" fmla="val 27876"/>
+            </a:avLst>
+          </a:prstGeom>
+          <a:solidFill>
+            <a:sysClr val="window" lastClr="FFFFFF">
+              <a:lumMod val="50000"/>
+            </a:sysClr>
+          </a:solidFill>
+          <a:ln w="9525" cap="flat" cmpd="sng" algn="ctr">
+            <a:noFill/>
+            <a:prstDash val="solid"/>
+            <a:headEnd type="none" w="med" len="med"/>
+            <a:tailEnd type="none" w="med" len="med"/>
+          </a:ln>
+          <a:effectLst>
+            <a:outerShdw blurRad="76200" dist="50800" dir="2700000" rotWithShape="0">
+              <a:srgbClr val="000000">
+                <a:alpha val="30000"/>
+              </a:srgbClr>
+            </a:outerShdw>
+          </a:effectLst>
+          <a:extLst/>
+        </p:spPr>
+        <p:txBody>
+          <a:bodyPr vert="horz" wrap="none" lIns="91440" tIns="36000" rIns="91440" bIns="72000" numCol="1" rtlCol="0" anchor="ctr" anchorCtr="0" compatLnSpc="1">
+            <a:prstTxWarp prst="textNoShape">
+              <a:avLst/>
+            </a:prstTxWarp>
+            <a:noAutofit/>
+          </a:bodyPr>
+          <a:lstStyle/>
+          <a:p>
+            <a:pPr lvl="0" algn="ctr" fontAlgn="ctr">
+              <a:defRPr/>
+            </a:pPr>
+            <a:r>
+              <a:rPr kumimoji="0" lang="en-US" altLang="ja-JP" sz="1400" i="0" u="none" strike="noStrike" kern="0" cap="none" spc="0" normalizeH="0" baseline="0" dirty="0">
+                <a:ln>
+                  <a:noFill/>
+                </a:ln>
+                <a:solidFill>
+                  <a:srgbClr val="000000"/>
+                </a:solidFill>
+                <a:effectLst/>
+                <a:uLnTx/>
+                <a:uFillTx/>
+                <a:latin typeface="+mj-lt"/>
+                <a:ea typeface="HG明朝E" panose="02020909000000000000" pitchFamily="17" charset="-128"/>
+                <a:cs typeface="Arial" pitchFamily="34" charset="0"/>
+              </a:rPr>
+              <a:t>Protocol 4</a:t>
+            </a:r>
+          </a:p>
+        </p:txBody>
+      </p:sp>
+      <p:cxnSp>
+        <p:nvCxnSpPr>
+          <p:cNvPr id="42" name="Gerade Verbindung mit Pfeil 41"/>
+          <p:cNvCxnSpPr>
+            <a:cxnSpLocks/>
+          </p:cNvCxnSpPr>
+          <p:nvPr/>
+        </p:nvCxnSpPr>
+        <p:spPr>
+          <a:xfrm flipV="1">
+            <a:off x="2915763" y="4466415"/>
+            <a:ext cx="0" cy="821856"/>
+          </a:xfrm>
+          <a:prstGeom prst="straightConnector1">
+            <a:avLst/>
+          </a:prstGeom>
+          <a:ln w="38100">
+            <a:solidFill>
+              <a:srgbClr val="008000"/>
+            </a:solidFill>
+            <a:prstDash val="sysDot"/>
+            <a:tailEnd type="arrow"/>
+          </a:ln>
+        </p:spPr>
+        <p:style>
+          <a:lnRef idx="1">
+            <a:schemeClr val="accent1"/>
+          </a:lnRef>
+          <a:fillRef idx="0">
+            <a:schemeClr val="accent1"/>
+          </a:fillRef>
+          <a:effectRef idx="0">
+            <a:schemeClr val="accent1"/>
+          </a:effectRef>
+          <a:fontRef idx="minor">
+            <a:schemeClr val="tx1"/>
+          </a:fontRef>
+        </p:style>
+      </p:cxnSp>
+      <p:cxnSp>
+        <p:nvCxnSpPr>
+          <p:cNvPr id="43" name="Gerade Verbindung mit Pfeil 42"/>
+          <p:cNvCxnSpPr>
+            <a:cxnSpLocks/>
+          </p:cNvCxnSpPr>
+          <p:nvPr/>
+        </p:nvCxnSpPr>
+        <p:spPr>
+          <a:xfrm>
+            <a:off x="4091895" y="4466415"/>
+            <a:ext cx="0" cy="824707"/>
+          </a:xfrm>
+          <a:prstGeom prst="straightConnector1">
+            <a:avLst/>
+          </a:prstGeom>
+          <a:ln w="38100">
+            <a:solidFill>
+              <a:srgbClr val="008000"/>
+            </a:solidFill>
+            <a:prstDash val="sysDot"/>
+            <a:headEnd type="arrow" w="med" len="med"/>
+            <a:tailEnd type="arrow" w="med" len="med"/>
+          </a:ln>
+        </p:spPr>
+        <p:style>
+          <a:lnRef idx="1">
+            <a:schemeClr val="accent1"/>
+          </a:lnRef>
+          <a:fillRef idx="0">
+            <a:schemeClr val="accent1"/>
+          </a:fillRef>
+          <a:effectRef idx="0">
+            <a:schemeClr val="accent1"/>
+          </a:effectRef>
+          <a:fontRef idx="minor">
+            <a:schemeClr val="tx1"/>
+          </a:fontRef>
+        </p:style>
+      </p:cxnSp>
+      <p:cxnSp>
+        <p:nvCxnSpPr>
+          <p:cNvPr id="44" name="Gerade Verbindung mit Pfeil 43"/>
+          <p:cNvCxnSpPr>
+            <a:cxnSpLocks/>
+            <a:stCxn id="41" idx="0"/>
+          </p:cNvCxnSpPr>
+          <p:nvPr/>
+        </p:nvCxnSpPr>
+        <p:spPr>
+          <a:xfrm flipV="1">
+            <a:off x="6444156" y="4466415"/>
+            <a:ext cx="0" cy="821854"/>
+          </a:xfrm>
+          <a:prstGeom prst="straightConnector1">
+            <a:avLst/>
+          </a:prstGeom>
+          <a:ln w="38100">
+            <a:solidFill>
+              <a:srgbClr val="008000"/>
+            </a:solidFill>
+            <a:prstDash val="sysDot"/>
+            <a:headEnd type="arrow" w="med" len="med"/>
+            <a:tailEnd type="arrow" w="med" len="med"/>
+          </a:ln>
+        </p:spPr>
+        <p:style>
+          <a:lnRef idx="1">
+            <a:schemeClr val="accent1"/>
+          </a:lnRef>
+          <a:fillRef idx="0">
+            <a:schemeClr val="accent1"/>
+          </a:fillRef>
+          <a:effectRef idx="0">
+            <a:schemeClr val="accent1"/>
+          </a:effectRef>
+          <a:fontRef idx="minor">
+            <a:schemeClr val="tx1"/>
+          </a:fontRef>
+        </p:style>
+      </p:cxnSp>
+      <p:sp>
+        <p:nvSpPr>
+          <p:cNvPr id="45" name="角丸四角形 6"/>
+          <p:cNvSpPr/>
+          <p:nvPr/>
+        </p:nvSpPr>
+        <p:spPr bwMode="auto">
+          <a:xfrm>
+            <a:off x="2411656" y="5291122"/>
+            <a:ext cx="1008216" cy="387424"/>
+          </a:xfrm>
+          <a:prstGeom prst="roundRect">
+            <a:avLst>
+              <a:gd name="adj" fmla="val 27876"/>
+            </a:avLst>
+          </a:prstGeom>
+          <a:solidFill>
+            <a:sysClr val="window" lastClr="FFFFFF">
+              <a:lumMod val="50000"/>
+            </a:sysClr>
+          </a:solidFill>
+          <a:ln w="9525" cap="flat" cmpd="sng" algn="ctr">
+            <a:noFill/>
+            <a:prstDash val="solid"/>
+            <a:headEnd type="none" w="med" len="med"/>
+            <a:tailEnd type="none" w="med" len="med"/>
+          </a:ln>
+          <a:effectLst>
+            <a:outerShdw blurRad="76200" dist="50800" dir="2700000" rotWithShape="0">
+              <a:srgbClr val="000000">
+                <a:alpha val="30000"/>
+              </a:srgbClr>
+            </a:outerShdw>
+          </a:effectLst>
+          <a:extLst/>
+        </p:spPr>
+        <p:txBody>
+          <a:bodyPr vert="horz" wrap="none" lIns="91440" tIns="36000" rIns="91440" bIns="72000" numCol="1" rtlCol="0" anchor="ctr" anchorCtr="0" compatLnSpc="1">
+            <a:prstTxWarp prst="textNoShape">
+              <a:avLst/>
+            </a:prstTxWarp>
+            <a:noAutofit/>
+          </a:bodyPr>
+          <a:lstStyle/>
+          <a:p>
+            <a:pPr lvl="0" algn="ctr" fontAlgn="ctr">
+              <a:defRPr/>
+            </a:pPr>
+            <a:r>
+              <a:rPr lang="en-US" altLang="ja-JP" sz="1400" kern="0" dirty="0">
+                <a:solidFill>
+                  <a:srgbClr val="000000"/>
+                </a:solidFill>
+                <a:ea typeface="HG明朝E" panose="02020909000000000000" pitchFamily="17" charset="-128"/>
+                <a:cs typeface="Arial" pitchFamily="34" charset="0"/>
+              </a:rPr>
+              <a:t>Protocol 1</a:t>
+            </a:r>
+          </a:p>
+        </p:txBody>
+      </p:sp>
+      <p:sp>
+        <p:nvSpPr>
+          <p:cNvPr id="33" name="角丸四角形 6"/>
+          <p:cNvSpPr/>
+          <p:nvPr/>
+        </p:nvSpPr>
+        <p:spPr bwMode="auto">
+          <a:xfrm>
+            <a:off x="4763918" y="5288270"/>
+            <a:ext cx="1008216" cy="387424"/>
+          </a:xfrm>
+          <a:prstGeom prst="roundRect">
+            <a:avLst>
+              <a:gd name="adj" fmla="val 27876"/>
+            </a:avLst>
+          </a:prstGeom>
+          <a:solidFill>
+            <a:sysClr val="window" lastClr="FFFFFF">
+              <a:lumMod val="50000"/>
+            </a:sysClr>
+          </a:solidFill>
+          <a:ln w="9525" cap="flat" cmpd="sng" algn="ctr">
+            <a:noFill/>
+            <a:prstDash val="solid"/>
+            <a:headEnd type="none" w="med" len="med"/>
+            <a:tailEnd type="none" w="med" len="med"/>
+          </a:ln>
+          <a:effectLst>
+            <a:outerShdw blurRad="76200" dist="50800" dir="2700000" rotWithShape="0">
+              <a:srgbClr val="000000">
+                <a:alpha val="30000"/>
+              </a:srgbClr>
+            </a:outerShdw>
+          </a:effectLst>
+          <a:extLst/>
+        </p:spPr>
+        <p:txBody>
+          <a:bodyPr vert="horz" wrap="none" lIns="91440" tIns="36000" rIns="91440" bIns="72000" numCol="1" rtlCol="0" anchor="ctr" anchorCtr="0" compatLnSpc="1">
+            <a:prstTxWarp prst="textNoShape">
+              <a:avLst/>
+            </a:prstTxWarp>
+            <a:noAutofit/>
+          </a:bodyPr>
+          <a:lstStyle/>
+          <a:p>
+            <a:pPr lvl="0" algn="ctr" fontAlgn="ctr">
+              <a:defRPr/>
+            </a:pPr>
+            <a:r>
+              <a:rPr lang="en-US" altLang="ja-JP" sz="1400" kern="0" dirty="0">
+                <a:solidFill>
+                  <a:srgbClr val="000000"/>
+                </a:solidFill>
+                <a:ea typeface="HG明朝E" panose="02020909000000000000" pitchFamily="17" charset="-128"/>
+                <a:cs typeface="Arial" pitchFamily="34" charset="0"/>
+              </a:rPr>
+              <a:t>Protocol 3</a:t>
+            </a:r>
+          </a:p>
+        </p:txBody>
+      </p:sp>
+      <p:cxnSp>
+        <p:nvCxnSpPr>
+          <p:cNvPr id="46" name="Gerade Verbindung mit Pfeil 45"/>
+          <p:cNvCxnSpPr>
+            <a:cxnSpLocks/>
+          </p:cNvCxnSpPr>
+          <p:nvPr/>
+        </p:nvCxnSpPr>
+        <p:spPr>
+          <a:xfrm flipV="1">
+            <a:off x="5268026" y="4466415"/>
+            <a:ext cx="0" cy="824705"/>
+          </a:xfrm>
+          <a:prstGeom prst="straightConnector1">
+            <a:avLst/>
+          </a:prstGeom>
+          <a:ln w="38100">
+            <a:solidFill>
+              <a:srgbClr val="008000"/>
+            </a:solidFill>
+            <a:prstDash val="sysDot"/>
+            <a:headEnd type="arrow" w="med" len="med"/>
+            <a:tailEnd type="arrow" w="med" len="med"/>
+          </a:ln>
+        </p:spPr>
+        <p:style>
+          <a:lnRef idx="1">
+            <a:schemeClr val="accent1"/>
+          </a:lnRef>
+          <a:fillRef idx="0">
+            <a:schemeClr val="accent1"/>
+          </a:fillRef>
+          <a:effectRef idx="0">
+            <a:schemeClr val="accent1"/>
+          </a:effectRef>
+          <a:fontRef idx="minor">
+            <a:schemeClr val="tx1"/>
+          </a:fontRef>
+        </p:style>
+      </p:cxnSp>
+      <p:sp>
+        <p:nvSpPr>
+          <p:cNvPr id="34" name="角丸四角形 21">
+            <a:extLst>
+              <a:ext uri="{FF2B5EF4-FFF2-40B4-BE49-F238E27FC236}">
+                <a16:creationId xmlns:a16="http://schemas.microsoft.com/office/drawing/2014/main" id="{9586E025-100A-4285-892D-B25E864F6ED3}"/>
+              </a:ext>
+            </a:extLst>
+          </p:cNvPr>
+          <p:cNvSpPr/>
+          <p:nvPr/>
+        </p:nvSpPr>
+        <p:spPr bwMode="auto">
+          <a:xfrm>
+            <a:off x="2267744" y="3149018"/>
+            <a:ext cx="4824534" cy="574726"/>
+          </a:xfrm>
+          <a:prstGeom prst="roundRect">
+            <a:avLst>
+              <a:gd name="adj" fmla="val 25084"/>
+            </a:avLst>
+          </a:prstGeom>
+          <a:solidFill>
+            <a:schemeClr val="accent6">
+              <a:lumMod val="75000"/>
+            </a:schemeClr>
+          </a:solidFill>
+          <a:ln w="25400" cap="flat" cmpd="sng" algn="ctr">
+            <a:noFill/>
+            <a:prstDash val="solid"/>
+            <a:round/>
+            <a:headEnd type="none" w="med" len="med"/>
+            <a:tailEnd type="none" w="med" len="med"/>
+          </a:ln>
+          <a:effectLst/>
+          <a:extLst/>
+        </p:spPr>
+        <p:txBody>
+          <a:bodyPr vert="horz" wrap="none" lIns="91440" tIns="45720" rIns="91440" bIns="45720" numCol="1" rtlCol="0" anchor="ctr" anchorCtr="0" compatLnSpc="1">
+            <a:prstTxWarp prst="textNoShape">
+              <a:avLst/>
+            </a:prstTxWarp>
+            <a:noAutofit/>
+          </a:bodyPr>
+          <a:lstStyle/>
+          <a:p>
+            <a:pPr algn="ctr" fontAlgn="ctr">
+              <a:spcBef>
+                <a:spcPts val="0"/>
+              </a:spcBef>
+              <a:spcAft>
+                <a:spcPts val="0"/>
+              </a:spcAft>
+              <a:defRPr/>
+            </a:pPr>
+            <a:r>
+              <a:rPr lang="en-US" altLang="ja-JP" sz="2000" kern="0" dirty="0">
+                <a:solidFill>
+                  <a:prstClr val="white"/>
+                </a:solidFill>
+                <a:latin typeface="+mj-lt"/>
+                <a:ea typeface="HG明朝E" panose="02020909000000000000" pitchFamily="17" charset="-128"/>
+                <a:cs typeface="Arial" pitchFamily="34" charset="0"/>
+              </a:rPr>
+              <a:t>Security Configuration</a:t>
+            </a:r>
+          </a:p>
+        </p:txBody>
+      </p:sp>
+    </p:spTree>
+    <p:extLst>
+      <p:ext uri="{BB962C8B-B14F-4D97-AF65-F5344CB8AC3E}">
+        <p14:creationId xmlns:p14="http://schemas.microsoft.com/office/powerpoint/2010/main" val="2745934355"/>
+      </p:ext>
+    </p:extLst>
+  </p:cSld>
+  <p:clrMapOvr>
+    <a:masterClrMapping/>
+  </p:clrMapOvr>
+  <p:transition>
+    <p:fade/>
+  </p:transition>
+</p:sld>
+</file>
+
+<file path=ppt/slides/slide4.xml><?xml version="1.0" encoding="utf-8"?>
+<p:sld xmlns:a="http://schemas.openxmlformats.org/drawingml/2006/main" xmlns:r="http://schemas.openxmlformats.org/officeDocument/2006/relationships" xmlns:p="http://schemas.openxmlformats.org/presentationml/2006/main">
+  <p:cSld>
+    <p:spTree>
+      <p:nvGrpSpPr>
+        <p:cNvPr id="1" name=""/>
+        <p:cNvGrpSpPr/>
+        <p:nvPr/>
+      </p:nvGrpSpPr>
+      <p:grpSpPr>
+        <a:xfrm>
+          <a:off x="0" y="0"/>
+          <a:ext cx="0" cy="0"/>
+          <a:chOff x="0" y="0"/>
+          <a:chExt cx="0" cy="0"/>
+        </a:xfrm>
+      </p:grpSpPr>
       <p:grpSp>
         <p:nvGrpSpPr>
           <p:cNvPr id="2" name="Group 1">
@@ -35256,7 +37472,7 @@
 </p:sld>
 </file>
 
-<file path=ppt/slides/slide4.xml><?xml version="1.0" encoding="utf-8"?>
+<file path=ppt/slides/slide5.xml><?xml version="1.0" encoding="utf-8"?>
 <p:sld xmlns:a="http://schemas.openxmlformats.org/drawingml/2006/main" xmlns:r="http://schemas.openxmlformats.org/officeDocument/2006/relationships" xmlns:p="http://schemas.openxmlformats.org/presentationml/2006/main">
   <p:cSld>
     <p:spTree>
@@ -37028,7 +39244,7 @@
 </p:sld>
 </file>
 
-<file path=ppt/slides/slide5.xml><?xml version="1.0" encoding="utf-8"?>
+<file path=ppt/slides/slide6.xml><?xml version="1.0" encoding="utf-8"?>
 <p:sld xmlns:a="http://schemas.openxmlformats.org/drawingml/2006/main" xmlns:r="http://schemas.openxmlformats.org/officeDocument/2006/relationships" xmlns:p="http://schemas.openxmlformats.org/presentationml/2006/main">
   <p:cSld>
     <p:spTree>
@@ -39118,7 +41334,7 @@
 </p:sld>
 </file>
 
-<file path=ppt/slides/slide6.xml><?xml version="1.0" encoding="utf-8"?>
+<file path=ppt/slides/slide7.xml><?xml version="1.0" encoding="utf-8"?>
 <p:sld xmlns:a="http://schemas.openxmlformats.org/drawingml/2006/main" xmlns:r="http://schemas.openxmlformats.org/officeDocument/2006/relationships" xmlns:p="http://schemas.openxmlformats.org/presentationml/2006/main">
   <p:cSld>
     <p:spTree>
@@ -40907,7 +43123,7 @@
 </p:sld>
 </file>
 
-<file path=ppt/slides/slide7.xml><?xml version="1.0" encoding="utf-8"?>
+<file path=ppt/slides/slide8.xml><?xml version="1.0" encoding="utf-8"?>
 <p:sld xmlns:a="http://schemas.openxmlformats.org/drawingml/2006/main" xmlns:r="http://schemas.openxmlformats.org/officeDocument/2006/relationships" xmlns:p="http://schemas.openxmlformats.org/presentationml/2006/main">
   <p:cSld>
     <p:spTree>
@@ -42942,7 +45158,7 @@
 </p:sld>
 </file>
 
-<file path=ppt/slides/slide8.xml><?xml version="1.0" encoding="utf-8"?>
+<file path=ppt/slides/slide9.xml><?xml version="1.0" encoding="utf-8"?>
 <p:sld xmlns:a="http://schemas.openxmlformats.org/drawingml/2006/main" xmlns:r="http://schemas.openxmlformats.org/officeDocument/2006/relationships" xmlns:p="http://schemas.openxmlformats.org/presentationml/2006/main">
   <p:cSld>
     <p:spTree>
@@ -45218,1353 +47434,6 @@
           </a:p>
         </p:txBody>
       </p:sp>
-    </p:spTree>
-  </p:cSld>
-  <p:clrMapOvr>
-    <a:masterClrMapping/>
-  </p:clrMapOvr>
-</p:sld>
-</file>
-
-<file path=ppt/slides/slide9.xml><?xml version="1.0" encoding="utf-8"?>
-<p:sld xmlns:a="http://schemas.openxmlformats.org/drawingml/2006/main" xmlns:r="http://schemas.openxmlformats.org/officeDocument/2006/relationships" xmlns:p="http://schemas.openxmlformats.org/presentationml/2006/main">
-  <p:cSld>
-    <p:spTree>
-      <p:nvGrpSpPr>
-        <p:cNvPr id="1" name=""/>
-        <p:cNvGrpSpPr/>
-        <p:nvPr/>
-      </p:nvGrpSpPr>
-      <p:grpSpPr>
-        <a:xfrm>
-          <a:off x="0" y="0"/>
-          <a:ext cx="0" cy="0"/>
-          <a:chOff x="0" y="0"/>
-          <a:chExt cx="0" cy="0"/>
-        </a:xfrm>
-      </p:grpSpPr>
-      <p:sp>
-        <p:nvSpPr>
-          <p:cNvPr id="41" name="角丸四角形 6"/>
-          <p:cNvSpPr/>
-          <p:nvPr/>
-        </p:nvSpPr>
-        <p:spPr bwMode="auto">
-          <a:xfrm>
-            <a:off x="2699791" y="3836439"/>
-            <a:ext cx="2664296" cy="1512000"/>
-          </a:xfrm>
-          <a:prstGeom prst="roundRect">
-            <a:avLst>
-              <a:gd name="adj" fmla="val 4472"/>
-            </a:avLst>
-          </a:prstGeom>
-          <a:solidFill>
-            <a:sysClr val="window" lastClr="FFFFFF">
-              <a:lumMod val="50000"/>
-            </a:sysClr>
-          </a:solidFill>
-          <a:ln w="9525" cap="flat" cmpd="sng" algn="ctr">
-            <a:noFill/>
-            <a:prstDash val="solid"/>
-            <a:headEnd type="none" w="med" len="med"/>
-            <a:tailEnd type="none" w="med" len="med"/>
-          </a:ln>
-          <a:effectLst>
-            <a:outerShdw blurRad="76200" dist="50800" dir="2700000" rotWithShape="0">
-              <a:srgbClr val="000000">
-                <a:alpha val="30000"/>
-              </a:srgbClr>
-            </a:outerShdw>
-          </a:effectLst>
-          <a:extLst/>
-        </p:spPr>
-        <p:txBody>
-          <a:bodyPr vert="horz" wrap="none" lIns="91440" tIns="36000" rIns="91440" bIns="72000" numCol="1" rtlCol="0" anchor="ctr" anchorCtr="0" compatLnSpc="1">
-            <a:prstTxWarp prst="textNoShape">
-              <a:avLst/>
-            </a:prstTxWarp>
-            <a:noAutofit/>
-          </a:bodyPr>
-          <a:lstStyle/>
-          <a:p>
-            <a:pPr lvl="0" algn="ctr" fontAlgn="ctr">
-              <a:defRPr/>
-            </a:pPr>
-            <a:r>
-              <a:rPr lang="en-US" altLang="ja-JP" sz="2000" b="1" kern="0" dirty="0">
-                <a:solidFill>
-                  <a:srgbClr val="000000"/>
-                </a:solidFill>
-                <a:ea typeface="HG明朝E" panose="02020909000000000000" pitchFamily="17" charset="-128"/>
-                <a:cs typeface="Arial" pitchFamily="34" charset="0"/>
-              </a:rPr>
-              <a:t>Thing</a:t>
-            </a:r>
-            <a:br>
-              <a:rPr lang="en-US" altLang="ja-JP" sz="2000" b="1" kern="0" dirty="0">
-                <a:solidFill>
-                  <a:srgbClr val="000000"/>
-                </a:solidFill>
-                <a:ea typeface="HG明朝E" panose="02020909000000000000" pitchFamily="17" charset="-128"/>
-                <a:cs typeface="Arial" pitchFamily="34" charset="0"/>
-              </a:rPr>
-            </a:br>
-            <a:r>
-              <a:rPr lang="en-US" altLang="ja-JP" sz="2000" b="1" kern="0" dirty="0">
-                <a:solidFill>
-                  <a:srgbClr val="000000"/>
-                </a:solidFill>
-                <a:ea typeface="HG明朝E" panose="02020909000000000000" pitchFamily="17" charset="-128"/>
-                <a:cs typeface="Arial" pitchFamily="34" charset="0"/>
-              </a:rPr>
-              <a:t>(Existing Device)</a:t>
-            </a:r>
-          </a:p>
-        </p:txBody>
-      </p:sp>
-      <p:sp>
-        <p:nvSpPr>
-          <p:cNvPr id="23" name="角丸四角形 6"/>
-          <p:cNvSpPr/>
-          <p:nvPr/>
-        </p:nvSpPr>
-        <p:spPr bwMode="auto">
-          <a:xfrm>
-            <a:off x="-2556298" y="1150070"/>
-            <a:ext cx="2664296" cy="4366800"/>
-          </a:xfrm>
-          <a:prstGeom prst="roundRect">
-            <a:avLst>
-              <a:gd name="adj" fmla="val 4472"/>
-            </a:avLst>
-          </a:prstGeom>
-          <a:solidFill>
-            <a:sysClr val="window" lastClr="FFFFFF">
-              <a:lumMod val="50000"/>
-            </a:sysClr>
-          </a:solidFill>
-          <a:ln w="9525" cap="flat" cmpd="sng" algn="ctr">
-            <a:noFill/>
-            <a:prstDash val="solid"/>
-            <a:headEnd type="none" w="med" len="med"/>
-            <a:tailEnd type="none" w="med" len="med"/>
-          </a:ln>
-          <a:effectLst>
-            <a:outerShdw blurRad="76200" dist="50800" dir="2700000" rotWithShape="0">
-              <a:srgbClr val="000000">
-                <a:alpha val="30000"/>
-              </a:srgbClr>
-            </a:outerShdw>
-          </a:effectLst>
-          <a:extLst/>
-        </p:spPr>
-        <p:txBody>
-          <a:bodyPr vert="horz" wrap="none" lIns="91440" tIns="36000" rIns="91440" bIns="72000" numCol="1" rtlCol="0" anchor="t" anchorCtr="0" compatLnSpc="1">
-            <a:prstTxWarp prst="textNoShape">
-              <a:avLst/>
-            </a:prstTxWarp>
-            <a:noAutofit/>
-          </a:bodyPr>
-          <a:lstStyle/>
-          <a:p>
-            <a:pPr lvl="0" algn="ctr" fontAlgn="ctr">
-              <a:defRPr/>
-            </a:pPr>
-            <a:r>
-              <a:rPr lang="en-US" altLang="ja-JP" sz="2000" b="1" kern="0" dirty="0">
-                <a:solidFill>
-                  <a:srgbClr val="000000"/>
-                </a:solidFill>
-                <a:ea typeface="HG明朝E" panose="02020909000000000000" pitchFamily="17" charset="-128"/>
-                <a:cs typeface="Arial" pitchFamily="34" charset="0"/>
-              </a:rPr>
-              <a:t>Servient</a:t>
-            </a:r>
-          </a:p>
-        </p:txBody>
-      </p:sp>
-      <p:sp>
-        <p:nvSpPr>
-          <p:cNvPr id="25" name="角丸四角形 21"/>
-          <p:cNvSpPr/>
-          <p:nvPr/>
-        </p:nvSpPr>
-        <p:spPr bwMode="auto">
-          <a:xfrm>
-            <a:off x="-2394150" y="3836439"/>
-            <a:ext cx="2340000" cy="1512000"/>
-          </a:xfrm>
-          <a:prstGeom prst="roundRect">
-            <a:avLst>
-              <a:gd name="adj" fmla="val 7143"/>
-            </a:avLst>
-          </a:prstGeom>
-          <a:solidFill>
-            <a:srgbClr val="00B050"/>
-          </a:solidFill>
-          <a:ln w="25400" cap="flat" cmpd="sng" algn="ctr">
-            <a:noFill/>
-            <a:prstDash val="solid"/>
-            <a:round/>
-            <a:headEnd type="none" w="med" len="med"/>
-            <a:tailEnd type="none" w="med" len="med"/>
-          </a:ln>
-          <a:effectLst/>
-          <a:extLst/>
-        </p:spPr>
-        <p:txBody>
-          <a:bodyPr vert="horz" wrap="none" lIns="91440" tIns="45720" rIns="91440" bIns="45720" numCol="1" rtlCol="0" anchor="t" anchorCtr="0" compatLnSpc="1">
-            <a:prstTxWarp prst="textNoShape">
-              <a:avLst/>
-            </a:prstTxWarp>
-            <a:noAutofit/>
-          </a:bodyPr>
-          <a:lstStyle/>
-          <a:p>
-            <a:pPr algn="ctr" fontAlgn="ctr">
-              <a:spcBef>
-                <a:spcPts val="0"/>
-              </a:spcBef>
-              <a:spcAft>
-                <a:spcPts val="0"/>
-              </a:spcAft>
-              <a:defRPr/>
-            </a:pPr>
-            <a:r>
-              <a:rPr lang="en-US" altLang="ja-JP" sz="2000" kern="0" dirty="0">
-                <a:solidFill>
-                  <a:prstClr val="white"/>
-                </a:solidFill>
-                <a:latin typeface="+mj-lt"/>
-                <a:ea typeface="HG明朝E" panose="02020909000000000000" pitchFamily="17" charset="-128"/>
-                <a:cs typeface="Arial" pitchFamily="34" charset="0"/>
-              </a:rPr>
-              <a:t>Protocol Bindings</a:t>
-            </a:r>
-          </a:p>
-        </p:txBody>
-      </p:sp>
-      <p:sp>
-        <p:nvSpPr>
-          <p:cNvPr id="29" name="角丸四角形 21"/>
-          <p:cNvSpPr/>
-          <p:nvPr/>
-        </p:nvSpPr>
-        <p:spPr bwMode="auto">
-          <a:xfrm>
-            <a:off x="-2394150" y="1674000"/>
-            <a:ext cx="2340000" cy="1208320"/>
-          </a:xfrm>
-          <a:prstGeom prst="roundRect">
-            <a:avLst>
-              <a:gd name="adj" fmla="val 10186"/>
-            </a:avLst>
-          </a:prstGeom>
-          <a:solidFill>
-            <a:srgbClr val="8EB4E3"/>
-          </a:solidFill>
-          <a:ln w="25400" cap="flat" cmpd="sng" algn="ctr">
-            <a:noFill/>
-            <a:prstDash val="solid"/>
-            <a:round/>
-            <a:headEnd type="none" w="med" len="med"/>
-            <a:tailEnd type="none" w="med" len="med"/>
-          </a:ln>
-          <a:effectLst/>
-          <a:extLst/>
-        </p:spPr>
-        <p:txBody>
-          <a:bodyPr vert="horz" wrap="none" lIns="91440" tIns="45720" rIns="91440" bIns="45720" numCol="1" rtlCol="0" anchor="t" anchorCtr="0" compatLnSpc="1">
-            <a:prstTxWarp prst="textNoShape">
-              <a:avLst/>
-            </a:prstTxWarp>
-            <a:noAutofit/>
-          </a:bodyPr>
-          <a:lstStyle/>
-          <a:p>
-            <a:pPr algn="ctr" fontAlgn="ctr">
-              <a:spcBef>
-                <a:spcPts val="0"/>
-              </a:spcBef>
-              <a:spcAft>
-                <a:spcPts val="0"/>
-              </a:spcAft>
-              <a:defRPr/>
-            </a:pPr>
-            <a:endParaRPr lang="en-US" altLang="ja-JP" sz="1600" kern="0" dirty="0">
-              <a:solidFill>
-                <a:prstClr val="black"/>
-              </a:solidFill>
-              <a:latin typeface="+mj-lt"/>
-              <a:ea typeface="HG明朝E" panose="02020909000000000000" pitchFamily="17" charset="-128"/>
-              <a:cs typeface="Arial" pitchFamily="34" charset="0"/>
-            </a:endParaRPr>
-          </a:p>
-        </p:txBody>
-      </p:sp>
-      <p:sp>
-        <p:nvSpPr>
-          <p:cNvPr id="61" name="Rechteck 60"/>
-          <p:cNvSpPr/>
-          <p:nvPr/>
-        </p:nvSpPr>
-        <p:spPr>
-          <a:xfrm>
-            <a:off x="-2268266" y="4342144"/>
-            <a:ext cx="936000" cy="360040"/>
-          </a:xfrm>
-          <a:prstGeom prst="rect">
-            <a:avLst/>
-          </a:prstGeom>
-          <a:solidFill>
-            <a:srgbClr val="008000"/>
-          </a:solidFill>
-          <a:ln w="6350">
-            <a:solidFill>
-              <a:schemeClr val="tx1"/>
-            </a:solidFill>
-          </a:ln>
-        </p:spPr>
-        <p:style>
-          <a:lnRef idx="2">
-            <a:schemeClr val="accent3">
-              <a:shade val="50000"/>
-            </a:schemeClr>
-          </a:lnRef>
-          <a:fillRef idx="1">
-            <a:schemeClr val="accent3"/>
-          </a:fillRef>
-          <a:effectRef idx="0">
-            <a:schemeClr val="accent3"/>
-          </a:effectRef>
-          <a:fontRef idx="minor">
-            <a:schemeClr val="lt1"/>
-          </a:fontRef>
-        </p:style>
-        <p:txBody>
-          <a:bodyPr rtlCol="0" anchor="ctr"/>
-          <a:lstStyle/>
-          <a:p>
-            <a:pPr algn="ctr"/>
-            <a:r>
-              <a:rPr lang="de-DE" sz="1400" dirty="0">
-                <a:solidFill>
-                  <a:schemeClr val="bg1"/>
-                </a:solidFill>
-                <a:latin typeface="+mj-lt"/>
-                <a:cs typeface="Arial" pitchFamily="34" charset="0"/>
-              </a:rPr>
-              <a:t>HTTP(S)</a:t>
-            </a:r>
-          </a:p>
-        </p:txBody>
-      </p:sp>
-      <p:sp>
-        <p:nvSpPr>
-          <p:cNvPr id="62" name="Rechteck 61"/>
-          <p:cNvSpPr/>
-          <p:nvPr/>
-        </p:nvSpPr>
-        <p:spPr>
-          <a:xfrm>
-            <a:off x="-2268266" y="4844553"/>
-            <a:ext cx="936000" cy="360040"/>
-          </a:xfrm>
-          <a:prstGeom prst="rect">
-            <a:avLst/>
-          </a:prstGeom>
-          <a:solidFill>
-            <a:srgbClr val="008000"/>
-          </a:solidFill>
-          <a:ln w="6350">
-            <a:solidFill>
-              <a:schemeClr val="tx1"/>
-            </a:solidFill>
-          </a:ln>
-        </p:spPr>
-        <p:style>
-          <a:lnRef idx="2">
-            <a:schemeClr val="accent3">
-              <a:shade val="50000"/>
-            </a:schemeClr>
-          </a:lnRef>
-          <a:fillRef idx="1">
-            <a:schemeClr val="accent3"/>
-          </a:fillRef>
-          <a:effectRef idx="0">
-            <a:schemeClr val="accent3"/>
-          </a:effectRef>
-          <a:fontRef idx="minor">
-            <a:schemeClr val="lt1"/>
-          </a:fontRef>
-        </p:style>
-        <p:txBody>
-          <a:bodyPr rtlCol="0" anchor="ctr"/>
-          <a:lstStyle/>
-          <a:p>
-            <a:pPr algn="ctr"/>
-            <a:r>
-              <a:rPr lang="de-DE" sz="1400" dirty="0">
-                <a:solidFill>
-                  <a:schemeClr val="bg1"/>
-                </a:solidFill>
-                <a:latin typeface="+mj-lt"/>
-                <a:cs typeface="Arial" pitchFamily="34" charset="0"/>
-              </a:rPr>
-              <a:t>…</a:t>
-            </a:r>
-          </a:p>
-        </p:txBody>
-      </p:sp>
-      <p:sp>
-        <p:nvSpPr>
-          <p:cNvPr id="63" name="Rechteck 62"/>
-          <p:cNvSpPr/>
-          <p:nvPr/>
-        </p:nvSpPr>
-        <p:spPr>
-          <a:xfrm>
-            <a:off x="-1152090" y="4342144"/>
-            <a:ext cx="936000" cy="360040"/>
-          </a:xfrm>
-          <a:prstGeom prst="rect">
-            <a:avLst/>
-          </a:prstGeom>
-          <a:solidFill>
-            <a:srgbClr val="008000"/>
-          </a:solidFill>
-          <a:ln w="6350">
-            <a:solidFill>
-              <a:schemeClr val="tx1"/>
-            </a:solidFill>
-          </a:ln>
-        </p:spPr>
-        <p:style>
-          <a:lnRef idx="2">
-            <a:schemeClr val="accent3">
-              <a:shade val="50000"/>
-            </a:schemeClr>
-          </a:lnRef>
-          <a:fillRef idx="1">
-            <a:schemeClr val="accent3"/>
-          </a:fillRef>
-          <a:effectRef idx="0">
-            <a:schemeClr val="accent3"/>
-          </a:effectRef>
-          <a:fontRef idx="minor">
-            <a:schemeClr val="lt1"/>
-          </a:fontRef>
-        </p:style>
-        <p:txBody>
-          <a:bodyPr rtlCol="0" anchor="ctr"/>
-          <a:lstStyle/>
-          <a:p>
-            <a:pPr algn="ctr"/>
-            <a:r>
-              <a:rPr lang="de-DE" sz="1400" dirty="0" err="1">
-                <a:solidFill>
-                  <a:schemeClr val="bg1"/>
-                </a:solidFill>
-                <a:cs typeface="Arial" pitchFamily="34" charset="0"/>
-              </a:rPr>
-              <a:t>CoAP</a:t>
-            </a:r>
-            <a:r>
-              <a:rPr lang="de-DE" sz="1400" dirty="0">
-                <a:solidFill>
-                  <a:schemeClr val="bg1"/>
-                </a:solidFill>
-                <a:cs typeface="Arial" pitchFamily="34" charset="0"/>
-              </a:rPr>
-              <a:t>(S)</a:t>
-            </a:r>
-          </a:p>
-        </p:txBody>
-      </p:sp>
-      <p:sp>
-        <p:nvSpPr>
-          <p:cNvPr id="64" name="Rechteck 63"/>
-          <p:cNvSpPr/>
-          <p:nvPr/>
-        </p:nvSpPr>
-        <p:spPr>
-          <a:xfrm>
-            <a:off x="-1152090" y="4844553"/>
-            <a:ext cx="936000" cy="360040"/>
-          </a:xfrm>
-          <a:prstGeom prst="rect">
-            <a:avLst/>
-          </a:prstGeom>
-          <a:solidFill>
-            <a:srgbClr val="008000"/>
-          </a:solidFill>
-          <a:ln w="6350">
-            <a:solidFill>
-              <a:schemeClr val="tx1"/>
-            </a:solidFill>
-          </a:ln>
-        </p:spPr>
-        <p:style>
-          <a:lnRef idx="2">
-            <a:schemeClr val="accent3">
-              <a:shade val="50000"/>
-            </a:schemeClr>
-          </a:lnRef>
-          <a:fillRef idx="1">
-            <a:schemeClr val="accent3"/>
-          </a:fillRef>
-          <a:effectRef idx="0">
-            <a:schemeClr val="accent3"/>
-          </a:effectRef>
-          <a:fontRef idx="minor">
-            <a:schemeClr val="lt1"/>
-          </a:fontRef>
-        </p:style>
-        <p:txBody>
-          <a:bodyPr rtlCol="0" anchor="ctr"/>
-          <a:lstStyle/>
-          <a:p>
-            <a:pPr algn="ctr"/>
-            <a:r>
-              <a:rPr lang="de-DE" sz="1400" dirty="0">
-                <a:solidFill>
-                  <a:schemeClr val="bg1"/>
-                </a:solidFill>
-                <a:cs typeface="Arial" pitchFamily="34" charset="0"/>
-              </a:rPr>
-              <a:t>MQTT</a:t>
-            </a:r>
-          </a:p>
-        </p:txBody>
-      </p:sp>
-      <p:grpSp>
-        <p:nvGrpSpPr>
-          <p:cNvPr id="2" name="Group 38"/>
-          <p:cNvGrpSpPr/>
-          <p:nvPr/>
-        </p:nvGrpSpPr>
-        <p:grpSpPr>
-          <a:xfrm>
-            <a:off x="492036" y="4178439"/>
-            <a:ext cx="2060941" cy="828000"/>
-            <a:chOff x="2670082" y="4186219"/>
-            <a:chExt cx="2060941" cy="828000"/>
-          </a:xfrm>
-        </p:grpSpPr>
-        <p:sp>
-          <p:nvSpPr>
-            <p:cNvPr id="45" name="角丸四角形 21"/>
-            <p:cNvSpPr/>
-            <p:nvPr/>
-          </p:nvSpPr>
-          <p:spPr bwMode="auto">
-            <a:xfrm>
-              <a:off x="2670082" y="4186219"/>
-              <a:ext cx="2060941" cy="828000"/>
-            </a:xfrm>
-            <a:prstGeom prst="foldedCorner">
-              <a:avLst>
-                <a:gd name="adj" fmla="val 20194"/>
-              </a:avLst>
-            </a:prstGeom>
-            <a:solidFill>
-              <a:srgbClr val="4A7B7C"/>
-            </a:solidFill>
-            <a:ln w="25400" cap="flat" cmpd="sng" algn="ctr">
-              <a:noFill/>
-              <a:prstDash val="solid"/>
-              <a:round/>
-              <a:headEnd type="none" w="med" len="med"/>
-              <a:tailEnd type="none" w="med" len="med"/>
-            </a:ln>
-            <a:effectLst/>
-            <a:extLst/>
-          </p:spPr>
-          <p:txBody>
-            <a:bodyPr vert="horz" wrap="none" lIns="432000" tIns="144000" rIns="0" bIns="0" numCol="1" rtlCol="0" anchor="ctr" anchorCtr="0" compatLnSpc="1">
-              <a:prstTxWarp prst="textNoShape">
-                <a:avLst/>
-              </a:prstTxWarp>
-              <a:noAutofit/>
-            </a:bodyPr>
-            <a:lstStyle/>
-            <a:p>
-              <a:pPr marL="0" marR="0" lvl="0" indent="0" algn="ctr" defTabSz="914400" eaLnBrk="1" fontAlgn="ctr" latinLnBrk="0" hangingPunct="1">
-                <a:lnSpc>
-                  <a:spcPct val="100000"/>
-                </a:lnSpc>
-                <a:spcBef>
-                  <a:spcPts val="0"/>
-                </a:spcBef>
-                <a:spcAft>
-                  <a:spcPts val="0"/>
-                </a:spcAft>
-                <a:buClrTx/>
-                <a:buSzTx/>
-                <a:buFontTx/>
-                <a:buNone/>
-                <a:tabLst/>
-                <a:defRPr/>
-              </a:pPr>
-              <a:r>
-                <a:rPr kumimoji="0" lang="en-US" altLang="ja-JP" sz="2000" i="0" u="none" strike="noStrike" kern="0" cap="none" spc="0" normalizeH="0" baseline="0" dirty="0">
-                  <a:ln>
-                    <a:noFill/>
-                  </a:ln>
-                  <a:solidFill>
-                    <a:prstClr val="white"/>
-                  </a:solidFill>
-                  <a:effectLst/>
-                  <a:uLnTx/>
-                  <a:uFillTx/>
-                  <a:latin typeface="+mj-lt"/>
-                  <a:ea typeface="HG明朝E" panose="02020909000000000000" pitchFamily="17" charset="-128"/>
-                  <a:cs typeface="Arial" pitchFamily="34" charset="0"/>
-                </a:rPr>
-                <a:t>Thing</a:t>
-              </a:r>
-              <a:br>
-                <a:rPr kumimoji="0" lang="en-US" altLang="ja-JP" sz="2000" i="0" u="none" strike="noStrike" kern="0" cap="none" spc="0" normalizeH="0" baseline="0" dirty="0">
-                  <a:ln>
-                    <a:noFill/>
-                  </a:ln>
-                  <a:solidFill>
-                    <a:prstClr val="white"/>
-                  </a:solidFill>
-                  <a:effectLst/>
-                  <a:uLnTx/>
-                  <a:uFillTx/>
-                  <a:latin typeface="+mj-lt"/>
-                  <a:ea typeface="HG明朝E" panose="02020909000000000000" pitchFamily="17" charset="-128"/>
-                  <a:cs typeface="Arial" pitchFamily="34" charset="0"/>
-                </a:rPr>
-              </a:br>
-              <a:r>
-                <a:rPr kumimoji="0" lang="en-US" altLang="ja-JP" sz="2000" i="0" u="none" strike="noStrike" kern="0" cap="none" spc="0" normalizeH="0" baseline="0" dirty="0">
-                  <a:ln>
-                    <a:noFill/>
-                  </a:ln>
-                  <a:solidFill>
-                    <a:prstClr val="white"/>
-                  </a:solidFill>
-                  <a:effectLst/>
-                  <a:uLnTx/>
-                  <a:uFillTx/>
-                  <a:latin typeface="+mj-lt"/>
-                  <a:ea typeface="HG明朝E" panose="02020909000000000000" pitchFamily="17" charset="-128"/>
-                  <a:cs typeface="Arial" pitchFamily="34" charset="0"/>
-                </a:rPr>
-                <a:t>Description</a:t>
-              </a:r>
-              <a:endParaRPr kumimoji="0" lang="en-US" altLang="ja-JP" sz="2800" i="0" u="none" strike="noStrike" kern="0" cap="none" spc="0" normalizeH="0" baseline="0" dirty="0">
-                <a:ln>
-                  <a:noFill/>
-                </a:ln>
-                <a:solidFill>
-                  <a:prstClr val="white"/>
-                </a:solidFill>
-                <a:effectLst/>
-                <a:uLnTx/>
-                <a:uFillTx/>
-                <a:latin typeface="+mj-lt"/>
-                <a:ea typeface="HG明朝E" panose="02020909000000000000" pitchFamily="17" charset="-128"/>
-                <a:cs typeface="Arial" pitchFamily="34" charset="0"/>
-              </a:endParaRPr>
-            </a:p>
-          </p:txBody>
-        </p:sp>
-        <p:grpSp>
-          <p:nvGrpSpPr>
-            <p:cNvPr id="3" name="Group 28"/>
-            <p:cNvGrpSpPr/>
-            <p:nvPr/>
-          </p:nvGrpSpPr>
-          <p:grpSpPr>
-            <a:xfrm>
-              <a:off x="2812207" y="4399725"/>
-              <a:ext cx="413417" cy="426971"/>
-              <a:chOff x="4042160" y="993559"/>
-              <a:chExt cx="548293" cy="566272"/>
-            </a:xfrm>
-            <a:solidFill>
-              <a:sysClr val="window" lastClr="FFFFFF"/>
-            </a:solidFill>
-          </p:grpSpPr>
-          <p:sp>
-            <p:nvSpPr>
-              <p:cNvPr id="47" name="Isosceles Triangle 29"/>
-              <p:cNvSpPr/>
-              <p:nvPr/>
-            </p:nvSpPr>
-            <p:spPr>
-              <a:xfrm rot="1800000">
-                <a:off x="4184483" y="1052736"/>
-                <a:ext cx="405970" cy="349975"/>
-              </a:xfrm>
-              <a:prstGeom prst="triangle">
-                <a:avLst/>
-              </a:prstGeom>
-              <a:noFill/>
-              <a:ln w="28575" cap="rnd" cmpd="sng" algn="ctr">
-                <a:solidFill>
-                  <a:sysClr val="window" lastClr="FFFFFF"/>
-                </a:solidFill>
-                <a:prstDash val="solid"/>
-              </a:ln>
-              <a:effectLst/>
-            </p:spPr>
-            <p:txBody>
-              <a:bodyPr wrap="none" rtlCol="0" anchor="ctr"/>
-              <a:lstStyle/>
-              <a:p>
-                <a:pPr marL="0" marR="0" lvl="0" indent="0" algn="ctr" defTabSz="914400" eaLnBrk="1" fontAlgn="auto" latinLnBrk="0" hangingPunct="1">
-                  <a:lnSpc>
-                    <a:spcPct val="100000"/>
-                  </a:lnSpc>
-                  <a:spcBef>
-                    <a:spcPts val="0"/>
-                  </a:spcBef>
-                  <a:spcAft>
-                    <a:spcPts val="0"/>
-                  </a:spcAft>
-                  <a:buClrTx/>
-                  <a:buSzTx/>
-                  <a:buFontTx/>
-                  <a:buNone/>
-                  <a:tabLst/>
-                  <a:defRPr/>
-                </a:pPr>
-                <a:endParaRPr kumimoji="0" lang="en-US" sz="4400" i="0" u="none" strike="noStrike" kern="0" cap="none" spc="0" normalizeH="0" baseline="0">
-                  <a:ln>
-                    <a:noFill/>
-                  </a:ln>
-                  <a:solidFill>
-                    <a:prstClr val="white"/>
-                  </a:solidFill>
-                  <a:effectLst/>
-                  <a:uLnTx/>
-                  <a:uFillTx/>
-                  <a:latin typeface="+mj-lt"/>
-                  <a:cs typeface="Arial" pitchFamily="34" charset="0"/>
-                </a:endParaRPr>
-              </a:p>
-            </p:txBody>
-          </p:sp>
-          <p:sp>
-            <p:nvSpPr>
-              <p:cNvPr id="48" name="Oval 30"/>
-              <p:cNvSpPr/>
-              <p:nvPr/>
-            </p:nvSpPr>
-            <p:spPr>
-              <a:xfrm rot="19800000">
-                <a:off x="4394607" y="993559"/>
-                <a:ext cx="161145" cy="161145"/>
-              </a:xfrm>
-              <a:prstGeom prst="ellipse">
-                <a:avLst/>
-              </a:prstGeom>
-              <a:grpFill/>
-              <a:ln w="25400" cap="rnd" cmpd="sng" algn="ctr">
-                <a:noFill/>
-                <a:prstDash val="solid"/>
-              </a:ln>
-              <a:effectLst/>
-            </p:spPr>
-            <p:txBody>
-              <a:bodyPr wrap="none" rtlCol="0" anchor="ctr"/>
-              <a:lstStyle/>
-              <a:p>
-                <a:pPr marL="0" marR="0" lvl="0" indent="0" algn="ctr" defTabSz="914400" eaLnBrk="1" fontAlgn="auto" latinLnBrk="0" hangingPunct="1">
-                  <a:lnSpc>
-                    <a:spcPct val="100000"/>
-                  </a:lnSpc>
-                  <a:spcBef>
-                    <a:spcPts val="0"/>
-                  </a:spcBef>
-                  <a:spcAft>
-                    <a:spcPts val="0"/>
-                  </a:spcAft>
-                  <a:buClrTx/>
-                  <a:buSzTx/>
-                  <a:buFontTx/>
-                  <a:buNone/>
-                  <a:tabLst/>
-                  <a:defRPr/>
-                </a:pPr>
-                <a:endParaRPr kumimoji="0" lang="en-US" sz="4400" i="0" u="none" strike="noStrike" kern="0" cap="none" spc="0" normalizeH="0" baseline="0">
-                  <a:ln>
-                    <a:noFill/>
-                  </a:ln>
-                  <a:solidFill>
-                    <a:prstClr val="white"/>
-                  </a:solidFill>
-                  <a:effectLst/>
-                  <a:uLnTx/>
-                  <a:uFillTx/>
-                  <a:latin typeface="+mj-lt"/>
-                  <a:cs typeface="Arial" pitchFamily="34" charset="0"/>
-                </a:endParaRPr>
-              </a:p>
-            </p:txBody>
-          </p:sp>
-          <p:sp>
-            <p:nvSpPr>
-              <p:cNvPr id="49" name="Oval 31"/>
-              <p:cNvSpPr/>
-              <p:nvPr/>
-            </p:nvSpPr>
-            <p:spPr>
-              <a:xfrm rot="19800000">
-                <a:off x="4042160" y="1196566"/>
-                <a:ext cx="161145" cy="161145"/>
-              </a:xfrm>
-              <a:prstGeom prst="ellipse">
-                <a:avLst/>
-              </a:prstGeom>
-              <a:grpFill/>
-              <a:ln w="25400" cap="rnd" cmpd="sng" algn="ctr">
-                <a:noFill/>
-                <a:prstDash val="solid"/>
-              </a:ln>
-              <a:effectLst/>
-            </p:spPr>
-            <p:txBody>
-              <a:bodyPr wrap="none" rtlCol="0" anchor="ctr"/>
-              <a:lstStyle/>
-              <a:p>
-                <a:pPr marL="0" marR="0" lvl="0" indent="0" algn="ctr" defTabSz="914400" eaLnBrk="1" fontAlgn="auto" latinLnBrk="0" hangingPunct="1">
-                  <a:lnSpc>
-                    <a:spcPct val="100000"/>
-                  </a:lnSpc>
-                  <a:spcBef>
-                    <a:spcPts val="0"/>
-                  </a:spcBef>
-                  <a:spcAft>
-                    <a:spcPts val="0"/>
-                  </a:spcAft>
-                  <a:buClrTx/>
-                  <a:buSzTx/>
-                  <a:buFontTx/>
-                  <a:buNone/>
-                  <a:tabLst/>
-                  <a:defRPr/>
-                </a:pPr>
-                <a:endParaRPr kumimoji="0" lang="en-US" sz="4400" i="0" u="none" strike="noStrike" kern="0" cap="none" spc="0" normalizeH="0" baseline="0">
-                  <a:ln>
-                    <a:noFill/>
-                  </a:ln>
-                  <a:solidFill>
-                    <a:prstClr val="white"/>
-                  </a:solidFill>
-                  <a:effectLst/>
-                  <a:uLnTx/>
-                  <a:uFillTx/>
-                  <a:latin typeface="+mj-lt"/>
-                  <a:cs typeface="Arial" pitchFamily="34" charset="0"/>
-                </a:endParaRPr>
-              </a:p>
-            </p:txBody>
-          </p:sp>
-          <p:sp>
-            <p:nvSpPr>
-              <p:cNvPr id="50" name="Oval 32"/>
-              <p:cNvSpPr/>
-              <p:nvPr/>
-            </p:nvSpPr>
-            <p:spPr>
-              <a:xfrm rot="1800000">
-                <a:off x="4394610" y="1398686"/>
-                <a:ext cx="161145" cy="161145"/>
-              </a:xfrm>
-              <a:prstGeom prst="ellipse">
-                <a:avLst/>
-              </a:prstGeom>
-              <a:grpFill/>
-              <a:ln w="25400" cap="rnd" cmpd="sng" algn="ctr">
-                <a:noFill/>
-                <a:prstDash val="solid"/>
-              </a:ln>
-              <a:effectLst/>
-            </p:spPr>
-            <p:txBody>
-              <a:bodyPr wrap="none" rtlCol="0" anchor="ctr"/>
-              <a:lstStyle/>
-              <a:p>
-                <a:pPr marL="0" marR="0" lvl="0" indent="0" algn="ctr" defTabSz="914400" eaLnBrk="1" fontAlgn="auto" latinLnBrk="0" hangingPunct="1">
-                  <a:lnSpc>
-                    <a:spcPct val="100000"/>
-                  </a:lnSpc>
-                  <a:spcBef>
-                    <a:spcPts val="0"/>
-                  </a:spcBef>
-                  <a:spcAft>
-                    <a:spcPts val="0"/>
-                  </a:spcAft>
-                  <a:buClrTx/>
-                  <a:buSzTx/>
-                  <a:buFontTx/>
-                  <a:buNone/>
-                  <a:tabLst/>
-                  <a:defRPr/>
-                </a:pPr>
-                <a:endParaRPr kumimoji="0" lang="en-US" sz="4400" i="0" u="none" strike="noStrike" kern="0" cap="none" spc="0" normalizeH="0" baseline="0">
-                  <a:ln>
-                    <a:noFill/>
-                  </a:ln>
-                  <a:solidFill>
-                    <a:prstClr val="white"/>
-                  </a:solidFill>
-                  <a:effectLst/>
-                  <a:uLnTx/>
-                  <a:uFillTx/>
-                  <a:latin typeface="+mj-lt"/>
-                  <a:cs typeface="Arial" pitchFamily="34" charset="0"/>
-                </a:endParaRPr>
-              </a:p>
-            </p:txBody>
-          </p:sp>
-        </p:grpSp>
-      </p:grpSp>
-      <p:cxnSp>
-        <p:nvCxnSpPr>
-          <p:cNvPr id="56" name="Gewinkelte Verbindung 55"/>
-          <p:cNvCxnSpPr>
-            <a:stCxn id="25" idx="2"/>
-          </p:cNvCxnSpPr>
-          <p:nvPr/>
-        </p:nvCxnSpPr>
-        <p:spPr>
-          <a:xfrm rot="16200000" flipH="1">
-            <a:off x="1390689" y="2733600"/>
-            <a:ext cx="8281" cy="5237958"/>
-          </a:xfrm>
-          <a:prstGeom prst="bentConnector3">
-            <a:avLst>
-              <a:gd name="adj1" fmla="val 5650126"/>
-            </a:avLst>
-          </a:prstGeom>
-          <a:ln w="38100">
-            <a:solidFill>
-              <a:srgbClr val="FF0000"/>
-            </a:solidFill>
-            <a:tailEnd type="arrow"/>
-          </a:ln>
-        </p:spPr>
-        <p:style>
-          <a:lnRef idx="1">
-            <a:schemeClr val="accent1"/>
-          </a:lnRef>
-          <a:fillRef idx="0">
-            <a:schemeClr val="accent1"/>
-          </a:fillRef>
-          <a:effectRef idx="0">
-            <a:schemeClr val="accent1"/>
-          </a:effectRef>
-          <a:fontRef idx="minor">
-            <a:schemeClr val="tx1"/>
-          </a:fontRef>
-        </p:style>
-      </p:cxnSp>
-      <p:sp>
-        <p:nvSpPr>
-          <p:cNvPr id="44" name="角丸四角形 21"/>
-          <p:cNvSpPr/>
-          <p:nvPr/>
-        </p:nvSpPr>
-        <p:spPr bwMode="auto">
-          <a:xfrm>
-            <a:off x="-2394149" y="2637424"/>
-            <a:ext cx="2340000" cy="1079531"/>
-          </a:xfrm>
-          <a:prstGeom prst="roundRect">
-            <a:avLst>
-              <a:gd name="adj" fmla="val 25084"/>
-            </a:avLst>
-          </a:prstGeom>
-          <a:solidFill>
-            <a:srgbClr val="4A7B7C"/>
-          </a:solidFill>
-          <a:ln w="25400" cap="flat" cmpd="sng" algn="ctr">
-            <a:noFill/>
-            <a:prstDash val="solid"/>
-            <a:round/>
-            <a:headEnd type="none" w="med" len="med"/>
-            <a:tailEnd type="none" w="med" len="med"/>
-          </a:ln>
-          <a:effectLst/>
-          <a:extLst/>
-        </p:spPr>
-        <p:txBody>
-          <a:bodyPr vert="horz" wrap="none" lIns="91440" tIns="45720" rIns="91440" bIns="45720" numCol="1" rtlCol="0" anchor="ctr" anchorCtr="0" compatLnSpc="1">
-            <a:prstTxWarp prst="textNoShape">
-              <a:avLst/>
-            </a:prstTxWarp>
-            <a:noAutofit/>
-          </a:bodyPr>
-          <a:lstStyle/>
-          <a:p>
-            <a:pPr algn="ctr" fontAlgn="ctr">
-              <a:spcBef>
-                <a:spcPts val="0"/>
-              </a:spcBef>
-              <a:spcAft>
-                <a:spcPts val="0"/>
-              </a:spcAft>
-              <a:defRPr/>
-            </a:pPr>
-            <a:endParaRPr lang="en-US" altLang="ja-JP" sz="2000" kern="0" dirty="0">
-              <a:solidFill>
-                <a:prstClr val="white"/>
-              </a:solidFill>
-              <a:latin typeface="+mj-lt"/>
-              <a:ea typeface="HG明朝E" panose="02020909000000000000" pitchFamily="17" charset="-128"/>
-              <a:cs typeface="Arial" pitchFamily="34" charset="0"/>
-            </a:endParaRPr>
-          </a:p>
-        </p:txBody>
-      </p:sp>
-      <p:sp>
-        <p:nvSpPr>
-          <p:cNvPr id="46" name="角丸四角形 21"/>
-          <p:cNvSpPr/>
-          <p:nvPr/>
-        </p:nvSpPr>
-        <p:spPr bwMode="auto">
-          <a:xfrm>
-            <a:off x="-2394149" y="3031366"/>
-            <a:ext cx="2340000" cy="685589"/>
-          </a:xfrm>
-          <a:prstGeom prst="roundRect">
-            <a:avLst>
-              <a:gd name="adj" fmla="val 22240"/>
-            </a:avLst>
-          </a:prstGeom>
-          <a:solidFill>
-            <a:srgbClr val="4A7B7C"/>
-          </a:solidFill>
-          <a:ln w="25400" cap="flat" cmpd="sng" algn="ctr">
-            <a:noFill/>
-            <a:prstDash val="solid"/>
-            <a:round/>
-            <a:headEnd type="none" w="med" len="med"/>
-            <a:tailEnd type="none" w="med" len="med"/>
-          </a:ln>
-          <a:effectLst/>
-          <a:extLst/>
-        </p:spPr>
-        <p:txBody>
-          <a:bodyPr vert="horz" wrap="none" lIns="91440" tIns="45720" rIns="91440" bIns="45720" numCol="1" rtlCol="0" anchor="ctr" anchorCtr="0" compatLnSpc="1">
-            <a:prstTxWarp prst="textNoShape">
-              <a:avLst/>
-            </a:prstTxWarp>
-            <a:noAutofit/>
-          </a:bodyPr>
-          <a:lstStyle/>
-          <a:p>
-            <a:pPr algn="ctr" fontAlgn="ctr">
-              <a:spcBef>
-                <a:spcPts val="0"/>
-              </a:spcBef>
-              <a:spcAft>
-                <a:spcPts val="0"/>
-              </a:spcAft>
-              <a:defRPr/>
-            </a:pPr>
-            <a:r>
-              <a:rPr lang="en-US" altLang="ja-JP" sz="2000" kern="0" dirty="0">
-                <a:solidFill>
-                  <a:prstClr val="white"/>
-                </a:solidFill>
-                <a:ea typeface="HG明朝E" panose="02020909000000000000" pitchFamily="17" charset="-128"/>
-                <a:cs typeface="Arial" pitchFamily="34" charset="0"/>
-              </a:rPr>
-              <a:t>WoT Runtime</a:t>
-            </a:r>
-          </a:p>
-        </p:txBody>
-      </p:sp>
-      <p:sp>
-        <p:nvSpPr>
-          <p:cNvPr id="30" name="角丸四角形 21"/>
-          <p:cNvSpPr/>
-          <p:nvPr/>
-        </p:nvSpPr>
-        <p:spPr bwMode="auto">
-          <a:xfrm>
-            <a:off x="-2394150" y="2447278"/>
-            <a:ext cx="2340000" cy="576000"/>
-          </a:xfrm>
-          <a:prstGeom prst="roundRect">
-            <a:avLst>
-              <a:gd name="adj" fmla="val 18750"/>
-            </a:avLst>
-          </a:prstGeom>
-          <a:solidFill>
-            <a:srgbClr val="005A9C"/>
-          </a:solidFill>
-          <a:ln w="25400" cap="flat" cmpd="sng" algn="ctr">
-            <a:noFill/>
-            <a:prstDash val="solid"/>
-            <a:round/>
-            <a:headEnd type="none" w="med" len="med"/>
-            <a:tailEnd type="none" w="med" len="med"/>
-          </a:ln>
-          <a:effectLst/>
-          <a:extLst/>
-        </p:spPr>
-        <p:txBody>
-          <a:bodyPr vert="horz" wrap="none" lIns="91440" tIns="45720" rIns="91440" bIns="90000" numCol="1" rtlCol="0" anchor="b" anchorCtr="0" compatLnSpc="1">
-            <a:prstTxWarp prst="textNoShape">
-              <a:avLst/>
-            </a:prstTxWarp>
-            <a:noAutofit/>
-          </a:bodyPr>
-          <a:lstStyle/>
-          <a:p>
-            <a:pPr algn="ctr" fontAlgn="ctr">
-              <a:spcBef>
-                <a:spcPts val="0"/>
-              </a:spcBef>
-              <a:spcAft>
-                <a:spcPts val="0"/>
-              </a:spcAft>
-              <a:defRPr/>
-            </a:pPr>
-            <a:r>
-              <a:rPr lang="en-US" altLang="ja-JP" sz="2000" kern="0" dirty="0">
-                <a:solidFill>
-                  <a:prstClr val="white"/>
-                </a:solidFill>
-                <a:latin typeface="+mj-lt"/>
-                <a:ea typeface="HG明朝E" panose="02020909000000000000" pitchFamily="17" charset="-128"/>
-                <a:cs typeface="Arial" pitchFamily="34" charset="0"/>
-              </a:rPr>
-              <a:t>WoT Scripting API</a:t>
-            </a:r>
-          </a:p>
-        </p:txBody>
-      </p:sp>
-      <p:pic>
-        <p:nvPicPr>
-          <p:cNvPr id="52" name="Picture 1"/>
-          <p:cNvPicPr>
-            <a:picLocks noChangeAspect="1" noChangeArrowheads="1"/>
-          </p:cNvPicPr>
-          <p:nvPr/>
-        </p:nvPicPr>
-        <p:blipFill>
-          <a:blip r:embed="rId3" cstate="print"/>
-          <a:srcRect/>
-          <a:stretch>
-            <a:fillRect/>
-          </a:stretch>
-        </p:blipFill>
-        <p:spPr bwMode="auto">
-          <a:xfrm>
-            <a:off x="3203846" y="2653536"/>
-            <a:ext cx="1656186" cy="1656186"/>
-          </a:xfrm>
-          <a:prstGeom prst="rect">
-            <a:avLst/>
-          </a:prstGeom>
-          <a:noFill/>
-          <a:ln w="9525">
-            <a:noFill/>
-            <a:miter lim="800000"/>
-            <a:headEnd/>
-            <a:tailEnd/>
-          </a:ln>
-          <a:effectLst/>
-        </p:spPr>
-      </p:pic>
-      <p:sp>
-        <p:nvSpPr>
-          <p:cNvPr id="66" name="Abgerundetes Rechteck 65"/>
-          <p:cNvSpPr/>
-          <p:nvPr/>
-        </p:nvSpPr>
-        <p:spPr>
-          <a:xfrm>
-            <a:off x="-1850529" y="1988840"/>
-            <a:ext cx="1656184" cy="393538"/>
-          </a:xfrm>
-          <a:prstGeom prst="roundRect">
-            <a:avLst/>
-          </a:prstGeom>
-          <a:solidFill>
-            <a:srgbClr val="FFFF99"/>
-          </a:solidFill>
-          <a:ln w="6350">
-            <a:solidFill>
-              <a:schemeClr val="tx1"/>
-            </a:solidFill>
-          </a:ln>
-        </p:spPr>
-        <p:style>
-          <a:lnRef idx="2">
-            <a:schemeClr val="accent1">
-              <a:shade val="50000"/>
-            </a:schemeClr>
-          </a:lnRef>
-          <a:fillRef idx="1">
-            <a:schemeClr val="accent1"/>
-          </a:fillRef>
-          <a:effectRef idx="0">
-            <a:schemeClr val="accent1"/>
-          </a:effectRef>
-          <a:fontRef idx="minor">
-            <a:schemeClr val="lt1"/>
-          </a:fontRef>
-        </p:style>
-        <p:txBody>
-          <a:bodyPr rtlCol="0" anchor="ctr"/>
-          <a:lstStyle/>
-          <a:p>
-            <a:pPr algn="ctr"/>
-            <a:r>
-              <a:rPr lang="de-DE" sz="1400" dirty="0">
-                <a:solidFill>
-                  <a:schemeClr val="tx1"/>
-                </a:solidFill>
-                <a:latin typeface="+mj-lt"/>
-                <a:cs typeface="Arial" pitchFamily="34" charset="0"/>
-              </a:rPr>
-              <a:t>Security </a:t>
-            </a:r>
-            <a:r>
-              <a:rPr lang="de-DE" sz="1400" dirty="0" err="1">
-                <a:solidFill>
-                  <a:schemeClr val="tx1"/>
-                </a:solidFill>
-                <a:latin typeface="+mj-lt"/>
-                <a:cs typeface="Arial" pitchFamily="34" charset="0"/>
-              </a:rPr>
-              <a:t>Metadata</a:t>
-            </a:r>
-            <a:endParaRPr lang="de-DE" sz="1400" dirty="0">
-              <a:solidFill>
-                <a:schemeClr val="tx1"/>
-              </a:solidFill>
-              <a:latin typeface="+mj-lt"/>
-              <a:cs typeface="Arial" pitchFamily="34" charset="0"/>
-            </a:endParaRPr>
-          </a:p>
-        </p:txBody>
-      </p:sp>
-      <p:sp>
-        <p:nvSpPr>
-          <p:cNvPr id="32" name="縦巻き 49"/>
-          <p:cNvSpPr/>
-          <p:nvPr/>
-        </p:nvSpPr>
-        <p:spPr bwMode="auto">
-          <a:xfrm>
-            <a:off x="-2232262" y="1855711"/>
-            <a:ext cx="2016224" cy="421673"/>
-          </a:xfrm>
-          <a:prstGeom prst="verticalScroll">
-            <a:avLst/>
-          </a:prstGeom>
-          <a:solidFill>
-            <a:sysClr val="window" lastClr="FFFFFF"/>
-          </a:solidFill>
-          <a:ln w="6350" cap="flat" cmpd="sng" algn="ctr">
-            <a:solidFill>
-              <a:sysClr val="windowText" lastClr="000000"/>
-            </a:solidFill>
-            <a:prstDash val="solid"/>
-            <a:round/>
-            <a:headEnd type="none" w="med" len="med"/>
-            <a:tailEnd type="none" w="med" len="med"/>
-          </a:ln>
-          <a:effectLst/>
-          <a:extLst/>
-        </p:spPr>
-        <p:txBody>
-          <a:bodyPr vert="horz" wrap="none" lIns="91440" tIns="45720" rIns="91440" bIns="45720" numCol="1" rtlCol="0" anchor="ctr" anchorCtr="0" compatLnSpc="1">
-            <a:prstTxWarp prst="textNoShape">
-              <a:avLst/>
-            </a:prstTxWarp>
-            <a:noAutofit/>
-          </a:bodyPr>
-          <a:lstStyle/>
-          <a:p>
-            <a:pPr marL="0" marR="0" lvl="0" indent="0" algn="ctr" defTabSz="914400" eaLnBrk="1" fontAlgn="ctr" latinLnBrk="0" hangingPunct="1">
-              <a:lnSpc>
-                <a:spcPct val="100000"/>
-              </a:lnSpc>
-              <a:spcBef>
-                <a:spcPts val="0"/>
-              </a:spcBef>
-              <a:spcAft>
-                <a:spcPts val="0"/>
-              </a:spcAft>
-              <a:buClrTx/>
-              <a:buSzTx/>
-              <a:buFontTx/>
-              <a:buNone/>
-              <a:tabLst/>
-              <a:defRPr/>
-            </a:pPr>
-            <a:r>
-              <a:rPr kumimoji="0" lang="en-US" altLang="ja-JP" b="0" i="0" u="none" strike="noStrike" kern="0" cap="none" spc="0" normalizeH="0" baseline="0" dirty="0">
-                <a:ln>
-                  <a:noFill/>
-                </a:ln>
-                <a:solidFill>
-                  <a:prstClr val="black"/>
-                </a:solidFill>
-                <a:effectLst/>
-                <a:uLnTx/>
-                <a:uFillTx/>
-                <a:latin typeface="+mj-lt"/>
-                <a:ea typeface="HG明朝E" panose="02020909000000000000" pitchFamily="17" charset="-128"/>
-                <a:cs typeface="Arial" pitchFamily="34" charset="0"/>
-              </a:rPr>
-              <a:t>Application Script</a:t>
-            </a:r>
-          </a:p>
-        </p:txBody>
-      </p:sp>
-      <p:cxnSp>
-        <p:nvCxnSpPr>
-          <p:cNvPr id="42" name="Form 41"/>
-          <p:cNvCxnSpPr/>
-          <p:nvPr/>
-        </p:nvCxnSpPr>
-        <p:spPr>
-          <a:xfrm rot="16200000" flipV="1">
-            <a:off x="-449443" y="2258489"/>
-            <a:ext cx="2160000" cy="1765197"/>
-          </a:xfrm>
-          <a:prstGeom prst="bentConnector2">
-            <a:avLst/>
-          </a:prstGeom>
-          <a:ln w="38100">
-            <a:solidFill>
-              <a:schemeClr val="tx1"/>
-            </a:solidFill>
-            <a:prstDash val="sysDot"/>
-            <a:tailEnd type="arrow"/>
-          </a:ln>
-        </p:spPr>
-        <p:style>
-          <a:lnRef idx="1">
-            <a:schemeClr val="accent1"/>
-          </a:lnRef>
-          <a:fillRef idx="0">
-            <a:schemeClr val="accent1"/>
-          </a:fillRef>
-          <a:effectRef idx="0">
-            <a:schemeClr val="accent1"/>
-          </a:effectRef>
-          <a:fontRef idx="minor">
-            <a:schemeClr val="tx1"/>
-          </a:fontRef>
-        </p:style>
-      </p:cxnSp>
     </p:spTree>
   </p:cSld>
   <p:clrMapOvr>

--- a/images/wot-architecture-figures-new.pptx
+++ b/images/wot-architecture-figures-new.pptx
@@ -12,7 +12,7 @@
     <p:sldId id="298" r:id="rId3"/>
     <p:sldId id="306" r:id="rId4"/>
     <p:sldId id="304" r:id="rId5"/>
-    <p:sldId id="307" r:id="rId6"/>
+    <p:sldId id="308" r:id="rId6"/>
     <p:sldId id="303" r:id="rId7"/>
     <p:sldId id="300" r:id="rId8"/>
     <p:sldId id="297" r:id="rId9"/>
@@ -1797,7 +1797,7 @@
     </p:spTree>
     <p:extLst>
       <p:ext uri="{BB962C8B-B14F-4D97-AF65-F5344CB8AC3E}">
-        <p14:creationId xmlns:p14="http://schemas.microsoft.com/office/powerpoint/2010/main" val="2493801960"/>
+        <p14:creationId xmlns:p14="http://schemas.microsoft.com/office/powerpoint/2010/main" val="3676677087"/>
       </p:ext>
     </p:extLst>
   </p:cSld>
@@ -43531,8 +43531,8 @@
         </p:nvSpPr>
         <p:spPr bwMode="auto">
           <a:xfrm>
-            <a:off x="4101856" y="1648939"/>
-            <a:ext cx="4629137" cy="2526518"/>
+            <a:off x="4086651" y="2441490"/>
+            <a:ext cx="4629137" cy="1252843"/>
           </a:xfrm>
           <a:prstGeom prst="verticalScroll">
             <a:avLst/>
@@ -43578,23 +43578,20 @@
               <a:tabLst/>
               <a:defRPr/>
             </a:pPr>
-            <a:r>
-              <a:rPr kumimoji="0" lang="en-US" altLang="ja-JP" b="0" i="0" u="none" strike="noStrike" kern="0" cap="none" spc="0" normalizeH="0" baseline="0" dirty="0">
-                <a:ln>
-                  <a:noFill/>
-                </a:ln>
-                <a:solidFill>
-                  <a:prstClr val="black"/>
-                </a:solidFill>
-                <a:effectLst/>
-                <a:uLnTx/>
-                <a:uFillTx/>
-                <a:latin typeface="+mj-lt"/>
-                <a:ea typeface="HG明朝E" panose="02020909000000000000" pitchFamily="17" charset="-128"/>
-                <a:cs typeface="Arial" pitchFamily="34" charset="0"/>
-              </a:rPr>
-              <a:t>Scripting Language Runtime</a:t>
-            </a:r>
+            <a:endParaRPr kumimoji="0" lang="en-US" altLang="ja-JP" b="0" i="0" u="none" strike="noStrike" kern="0" cap="none" spc="0" normalizeH="0" baseline="0" dirty="0">
+              <a:ln>
+                <a:noFill/>
+              </a:ln>
+              <a:solidFill>
+                <a:prstClr val="black"/>
+              </a:solidFill>
+              <a:effectLst/>
+              <a:uLnTx/>
+              <a:uFillTx/>
+              <a:latin typeface="+mj-lt"/>
+              <a:ea typeface="HG明朝E" panose="02020909000000000000" pitchFamily="17" charset="-128"/>
+              <a:cs typeface="Arial" pitchFamily="34" charset="0"/>
+            </a:endParaRPr>
           </a:p>
         </p:txBody>
       </p:sp>
@@ -45005,7 +45002,7 @@
         </p:nvSpPr>
         <p:spPr bwMode="auto">
           <a:xfrm>
-            <a:off x="4595867" y="3676769"/>
+            <a:off x="4604379" y="3764874"/>
             <a:ext cx="3581685" cy="415193"/>
           </a:xfrm>
           <a:prstGeom prst="roundRect">
@@ -45066,7 +45063,7 @@
         </p:nvSpPr>
         <p:spPr bwMode="auto">
           <a:xfrm>
-            <a:off x="4612028" y="2863331"/>
+            <a:off x="4607363" y="3237600"/>
             <a:ext cx="3571063" cy="357098"/>
           </a:xfrm>
           <a:prstGeom prst="roundRect">
@@ -45582,7 +45579,7 @@
         </p:nvSpPr>
         <p:spPr bwMode="auto">
           <a:xfrm>
-            <a:off x="4612028" y="2445049"/>
+            <a:off x="4603800" y="1613552"/>
             <a:ext cx="3571063" cy="357098"/>
           </a:xfrm>
           <a:prstGeom prst="roundRect">
@@ -45659,7 +45656,7 @@
         </p:nvSpPr>
         <p:spPr bwMode="auto">
           <a:xfrm>
-            <a:off x="4608902" y="3282434"/>
+            <a:off x="4598646" y="2024450"/>
             <a:ext cx="1007221" cy="357098"/>
           </a:xfrm>
           <a:prstGeom prst="roundRect">
@@ -45736,7 +45733,7 @@
         </p:nvSpPr>
         <p:spPr bwMode="auto">
           <a:xfrm>
-            <a:off x="6772986" y="3231486"/>
+            <a:off x="6762730" y="1973502"/>
             <a:ext cx="348349" cy="387424"/>
           </a:xfrm>
           <a:prstGeom prst="roundRect">
@@ -46320,7 +46317,7 @@
         </p:nvSpPr>
         <p:spPr bwMode="auto">
           <a:xfrm>
-            <a:off x="5695988" y="3280934"/>
+            <a:off x="5685732" y="2022950"/>
             <a:ext cx="997133" cy="357098"/>
           </a:xfrm>
           <a:prstGeom prst="roundRect">
@@ -46397,7 +46394,7 @@
         </p:nvSpPr>
         <p:spPr bwMode="auto">
           <a:xfrm>
-            <a:off x="7180419" y="3270050"/>
+            <a:off x="7170163" y="2012066"/>
             <a:ext cx="997133" cy="357098"/>
           </a:xfrm>
           <a:prstGeom prst="roundRect">
@@ -46474,7 +46471,7 @@
         </p:nvSpPr>
         <p:spPr bwMode="auto">
           <a:xfrm>
-            <a:off x="4612030" y="2023675"/>
+            <a:off x="4617668" y="2828291"/>
             <a:ext cx="3571064" cy="357098"/>
           </a:xfrm>
           <a:prstGeom prst="roundRect">
@@ -46541,8 +46538,8 @@
         </p:nvSpPr>
         <p:spPr>
           <a:xfrm>
-            <a:off x="5326725" y="1664746"/>
-            <a:ext cx="2218171" cy="307777"/>
+            <a:off x="5689295" y="2551867"/>
+            <a:ext cx="1467966" cy="307777"/>
           </a:xfrm>
           <a:prstGeom prst="rect">
             <a:avLst/>
@@ -46557,7 +46554,7 @@
           <a:p>
             <a:r>
               <a:rPr lang="en-US" sz="1400" dirty="0"/>
-              <a:t>Scripting Language Runtime</a:t>
+              <a:t>Application Script</a:t>
             </a:r>
           </a:p>
         </p:txBody>
@@ -48178,7 +48175,7 @@
         </p:nvSpPr>
         <p:spPr bwMode="auto">
           <a:xfrm>
-            <a:off x="4595867" y="3676769"/>
+            <a:off x="4604379" y="3764874"/>
             <a:ext cx="3581685" cy="415193"/>
           </a:xfrm>
           <a:prstGeom prst="roundRect">
@@ -48261,7 +48258,7 @@
         </p:nvSpPr>
         <p:spPr bwMode="auto">
           <a:xfrm>
-            <a:off x="4612028" y="2652799"/>
+            <a:off x="4607363" y="3046221"/>
             <a:ext cx="3571063" cy="357098"/>
           </a:xfrm>
           <a:prstGeom prst="roundRect">
@@ -48777,7 +48774,7 @@
         </p:nvSpPr>
         <p:spPr bwMode="auto">
           <a:xfrm>
-            <a:off x="4612028" y="2234517"/>
+            <a:off x="4603800" y="1613552"/>
             <a:ext cx="3571063" cy="357098"/>
           </a:xfrm>
           <a:prstGeom prst="roundRect">
@@ -48854,7 +48851,7 @@
         </p:nvSpPr>
         <p:spPr bwMode="auto">
           <a:xfrm>
-            <a:off x="4608902" y="3071902"/>
+            <a:off x="4598646" y="2024450"/>
             <a:ext cx="1007221" cy="357098"/>
           </a:xfrm>
           <a:prstGeom prst="roundRect">
@@ -48931,7 +48928,7 @@
         </p:nvSpPr>
         <p:spPr bwMode="auto">
           <a:xfrm>
-            <a:off x="6772986" y="3020954"/>
+            <a:off x="6762730" y="1973502"/>
             <a:ext cx="348349" cy="387424"/>
           </a:xfrm>
           <a:prstGeom prst="roundRect">
@@ -49515,7 +49512,7 @@
         </p:nvSpPr>
         <p:spPr bwMode="auto">
           <a:xfrm>
-            <a:off x="5695988" y="3070402"/>
+            <a:off x="5685732" y="2022950"/>
             <a:ext cx="997133" cy="357098"/>
           </a:xfrm>
           <a:prstGeom prst="roundRect">
@@ -49592,7 +49589,7 @@
         </p:nvSpPr>
         <p:spPr bwMode="auto">
           <a:xfrm>
-            <a:off x="7180419" y="3059518"/>
+            <a:off x="7170163" y="2012066"/>
             <a:ext cx="997133" cy="357098"/>
           </a:xfrm>
           <a:prstGeom prst="roundRect">
@@ -49669,7 +49666,7 @@
         </p:nvSpPr>
         <p:spPr bwMode="auto">
           <a:xfrm>
-            <a:off x="4612030" y="1813143"/>
+            <a:off x="4617668" y="2636912"/>
             <a:ext cx="3571064" cy="357098"/>
           </a:xfrm>
           <a:prstGeom prst="roundRect">
@@ -49725,7 +49722,7 @@
     </p:spTree>
     <p:extLst>
       <p:ext uri="{BB962C8B-B14F-4D97-AF65-F5344CB8AC3E}">
-        <p14:creationId xmlns:p14="http://schemas.microsoft.com/office/powerpoint/2010/main" val="3532732793"/>
+        <p14:creationId xmlns:p14="http://schemas.microsoft.com/office/powerpoint/2010/main" val="1958053316"/>
       </p:ext>
     </p:extLst>
   </p:cSld>
